--- a/CPE Electives (1 - 3)/01. Lectures Notebook/000. Presentations & Text Books/01. Presentation Slides/06.7 Exponential Smoothing.pptx
+++ b/CPE Electives (1 - 3)/01. Lectures Notebook/000. Presentations & Text Books/01. Presentation Slides/06.7 Exponential Smoothing.pptx
@@ -147,7 +147,7 @@
   </p:defaultTextStyle>
   <p:extLst>
     <p:ext uri="{EFAFB233-063F-42B5-8137-9DF3F51BA10A}">
-      <p15:sldGuideLst xmlns="" xmlns:p15="http://schemas.microsoft.com/office/powerpoint/2012/main">
+      <p15:sldGuideLst xmlns:p15="http://schemas.microsoft.com/office/powerpoint/2012/main" xmlns="">
         <p15:guide id="1" orient="horz" pos="2160">
           <p15:clr>
             <a:srgbClr val="A4A3A4"/>
@@ -161,7 +161,7 @@
       </p15:sldGuideLst>
     </p:ext>
     <p:ext uri="{2D200454-40CA-4A62-9FC3-DE9A4176ACB9}">
-      <p15:notesGuideLst xmlns="" xmlns:p15="http://schemas.microsoft.com/office/powerpoint/2012/main">
+      <p15:notesGuideLst xmlns:p15="http://schemas.microsoft.com/office/powerpoint/2012/main" xmlns="">
         <p15:guide id="1" orient="horz" pos="2880">
           <p15:clr>
             <a:srgbClr val="A4A3A4"/>
@@ -260,7 +260,7 @@
           <a:p>
             <a:fld id="{3B6B94FD-5702-4F25-9A4D-07294FF3292C}" type="datetimeFigureOut">
               <a:rPr lang="en-PH" smtClean="0"/>
-              <a:t>3/9/2025</a:t>
+              <a:t>4/9/2025</a:t>
             </a:fld>
             <a:endParaRPr lang="en-PH"/>
           </a:p>
@@ -425,7 +425,7 @@
           <a:p>
             <a:fld id="{8365AC51-C568-4371-A28D-D14CF2BCF8BA}" type="datetimeFigureOut">
               <a:rPr lang="en-US" smtClean="0"/>
-              <a:t>3/9/2025</a:t>
+              <a:t>4/9/2025</a:t>
             </a:fld>
             <a:endParaRPr lang="en-US"/>
           </a:p>
@@ -1242,7 +1242,7 @@
           <p:cNvPr id="7" name="Footer Placeholder 4">
             <a:extLst>
               <a:ext uri="{FF2B5EF4-FFF2-40B4-BE49-F238E27FC236}">
-                <a16:creationId xmlns="" xmlns:a16="http://schemas.microsoft.com/office/drawing/2014/main" id="{D057E4A9-8BC1-4D03-B0CD-00353C3D487D}"/>
+                <a16:creationId xmlns:a16="http://schemas.microsoft.com/office/drawing/2014/main" xmlns="" id="{D057E4A9-8BC1-4D03-B0CD-00353C3D487D}"/>
               </a:ext>
             </a:extLst>
           </p:cNvPr>
@@ -3810,11 +3810,7 @@
             <a:pPr algn="ctr"/>
             <a:r>
               <a:rPr lang="en-US" sz="1400" b="1" dirty="0" smtClean="0"/>
-              <a:t>EXPONENTIAL </a:t>
-            </a:r>
-            <a:r>
-              <a:rPr lang="en-US" sz="1400" b="1" dirty="0" smtClean="0"/>
-              <a:t>SMOOTHING</a:t>
+              <a:t>EXPONENTIAL SMOOTHING</a:t>
             </a:r>
             <a:endParaRPr lang="en-PH" sz="1400" b="1" dirty="0"/>
           </a:p>
@@ -4380,10 +4376,6 @@
               </a:rPr>
               <a:t>Recent observations receive higher weights, making the method highly responsive to changes and trends in data</a:t>
             </a:r>
-            <a:endParaRPr lang="en-US" sz="3600" dirty="0" smtClean="0">
-              <a:latin typeface="+mj-lt"/>
-              <a:cs typeface="Arial" pitchFamily="34" charset="0"/>
-            </a:endParaRPr>
           </a:p>
         </p:txBody>
       </p:sp>
@@ -4618,8 +4610,8 @@
           </a:extLst>
         </p:spPr>
       </p:pic>
-      <mc:AlternateContent xmlns:mc="http://schemas.openxmlformats.org/markup-compatibility/2006">
-        <mc:Choice xmlns:a14="http://schemas.microsoft.com/office/drawing/2010/main" Requires="a14">
+      <mc:AlternateContent xmlns:mc="http://schemas.openxmlformats.org/markup-compatibility/2006" xmlns:a14="http://schemas.microsoft.com/office/drawing/2010/main">
+        <mc:Choice Requires="a14">
           <p:sp>
             <p:nvSpPr>
               <p:cNvPr id="5" name="TextBox 4"/>
@@ -4816,7 +4808,7 @@
             </p:txBody>
           </p:sp>
         </mc:Choice>
-        <mc:Fallback>
+        <mc:Fallback xmlns="">
           <p:sp>
             <p:nvSpPr>
               <p:cNvPr id="5" name="TextBox 4"/>
@@ -4915,8 +4907,8 @@
           </a:p>
         </p:txBody>
       </p:sp>
-      <mc:AlternateContent xmlns:mc="http://schemas.openxmlformats.org/markup-compatibility/2006">
-        <mc:Choice xmlns:a14="http://schemas.microsoft.com/office/drawing/2010/main" Requires="a14">
+      <mc:AlternateContent xmlns:mc="http://schemas.openxmlformats.org/markup-compatibility/2006" xmlns:a14="http://schemas.microsoft.com/office/drawing/2010/main">
+        <mc:Choice Requires="a14">
           <p:sp>
             <p:nvSpPr>
               <p:cNvPr id="5" name="TextBox 4"/>
@@ -5079,7 +5071,7 @@
             </p:txBody>
           </p:sp>
         </mc:Choice>
-        <mc:Fallback>
+        <mc:Fallback xmlns="">
           <p:sp>
             <p:nvSpPr>
               <p:cNvPr id="5" name="TextBox 4"/>
@@ -5345,7 +5337,6 @@
               <a:rPr lang="en-US" sz="4000" b="1" dirty="0"/>
               <a:t>Double Exponential Smoothing (Holt’s Method)</a:t>
             </a:r>
-            <a:endParaRPr lang="en-US" sz="4000" b="1" dirty="0"/>
           </a:p>
         </p:txBody>
       </p:sp>
@@ -5485,12 +5476,11 @@
               <a:rPr lang="en-US" sz="4000" b="1" dirty="0"/>
               <a:t>Double Exponential Smoothing (Holt’s Method)</a:t>
             </a:r>
-            <a:endParaRPr lang="en-US" sz="4000" b="1" dirty="0"/>
           </a:p>
         </p:txBody>
       </p:sp>
-      <mc:AlternateContent xmlns:mc="http://schemas.openxmlformats.org/markup-compatibility/2006">
-        <mc:Choice xmlns:a14="http://schemas.microsoft.com/office/drawing/2010/main" Requires="a14">
+      <mc:AlternateContent xmlns:mc="http://schemas.openxmlformats.org/markup-compatibility/2006" xmlns:a14="http://schemas.microsoft.com/office/drawing/2010/main">
+        <mc:Choice Requires="a14">
           <p:sp>
             <p:nvSpPr>
               <p:cNvPr id="5" name="TextBox 4"/>
@@ -5978,7 +5968,6 @@
                 </a:r>
               </a:p>
               <a:p>
-                <a:pPr/>
                 <a14:m>
                   <m:oMath xmlns:m="http://schemas.openxmlformats.org/officeDocument/2006/math">
                     <m:r>
@@ -6011,7 +6000,6 @@
                 </a:r>
               </a:p>
               <a:p>
-                <a:pPr/>
                 <a14:m>
                   <m:oMath xmlns:m="http://schemas.openxmlformats.org/officeDocument/2006/math">
                     <m:r>
@@ -6057,10 +6045,8 @@
                   <a:rPr lang="en-US" sz="2400" dirty="0"/>
                   <a:t> &lt; 1)</a:t>
                 </a:r>
-                <a:endParaRPr lang="en-US" sz="2400" dirty="0"/>
               </a:p>
               <a:p>
-                <a:pPr/>
                 <a14:m>
                   <m:oMath xmlns:m="http://schemas.openxmlformats.org/officeDocument/2006/math">
                     <m:sSub>
@@ -6152,7 +6138,7 @@
             </p:txBody>
           </p:sp>
         </mc:Choice>
-        <mc:Fallback>
+        <mc:Fallback xmlns="">
           <p:sp>
             <p:nvSpPr>
               <p:cNvPr id="5" name="TextBox 4"/>
@@ -6254,12 +6240,11 @@
               <a:rPr lang="en-US" sz="4000" b="1" dirty="0"/>
               <a:t>Double Exponential Smoothing (Holt’s Method)</a:t>
             </a:r>
-            <a:endParaRPr lang="en-US" sz="4000" b="1" dirty="0"/>
           </a:p>
         </p:txBody>
       </p:sp>
-      <mc:AlternateContent xmlns:mc="http://schemas.openxmlformats.org/markup-compatibility/2006">
-        <mc:Choice xmlns:a14="http://schemas.microsoft.com/office/drawing/2010/main" Requires="a14">
+      <mc:AlternateContent xmlns:mc="http://schemas.openxmlformats.org/markup-compatibility/2006" xmlns:a14="http://schemas.microsoft.com/office/drawing/2010/main">
+        <mc:Choice Requires="a14">
           <p:sp>
             <p:nvSpPr>
               <p:cNvPr id="5" name="TextBox 4"/>
@@ -6320,7 +6305,7 @@
             </p:txBody>
           </p:sp>
         </mc:Choice>
-        <mc:Fallback>
+        <mc:Fallback xmlns="">
           <p:sp>
             <p:nvSpPr>
               <p:cNvPr id="5" name="TextBox 4"/>
@@ -6359,8 +6344,8 @@
           </p:sp>
         </mc:Fallback>
       </mc:AlternateContent>
-      <mc:AlternateContent xmlns:mc="http://schemas.openxmlformats.org/markup-compatibility/2006">
-        <mc:Choice xmlns:a14="http://schemas.microsoft.com/office/drawing/2010/main" Requires="a14">
+      <mc:AlternateContent xmlns:mc="http://schemas.openxmlformats.org/markup-compatibility/2006" xmlns:a14="http://schemas.microsoft.com/office/drawing/2010/main">
+        <mc:Choice Requires="a14">
           <p:graphicFrame>
             <p:nvGraphicFramePr>
               <p:cNvPr id="8" name="Table 7"/>
@@ -6428,18 +6413,24 @@
                               <m:sSub>
                                 <m:sSubPr>
                                   <m:ctrlPr>
-                                    <a:rPr lang="en-US" sz="2400" b="1" i="1" smtClean="0"/>
+                                    <a:rPr lang="en-US" sz="2400" b="1" i="1" smtClean="0">
+                                      <a:latin typeface="Cambria Math"/>
+                                    </a:rPr>
                                   </m:ctrlPr>
                                 </m:sSubPr>
                                 <m:e>
                                   <m:r>
-                                    <a:rPr lang="en-US" sz="2400" b="1" i="1" smtClean="0"/>
+                                    <a:rPr lang="en-US" sz="2400" b="1" i="1" smtClean="0">
+                                      <a:latin typeface="Cambria Math"/>
+                                    </a:rPr>
                                     <m:t>𝒀</m:t>
                                   </m:r>
                                 </m:e>
                                 <m:sub>
                                   <m:r>
-                                    <a:rPr lang="en-US" sz="2400" b="1" i="1" smtClean="0"/>
+                                    <a:rPr lang="en-US" sz="2400" b="1" i="1" smtClean="0">
+                                      <a:latin typeface="Cambria Math"/>
+                                    </a:rPr>
                                     <m:t>𝒕</m:t>
                                   </m:r>
                                 </m:sub>
@@ -6557,7 +6548,7 @@
             </a:graphic>
           </p:graphicFrame>
         </mc:Choice>
-        <mc:Fallback>
+        <mc:Fallback xmlns="">
           <p:graphicFrame>
             <p:nvGraphicFramePr>
               <p:cNvPr id="8" name="Table 7"/>
@@ -6793,12 +6784,11 @@
               <a:rPr lang="en-US" sz="4000" b="1" dirty="0"/>
               <a:t>Double Exponential Smoothing (Holt’s Method)</a:t>
             </a:r>
-            <a:endParaRPr lang="en-US" sz="4000" b="1" dirty="0"/>
           </a:p>
         </p:txBody>
       </p:sp>
-      <mc:AlternateContent xmlns:mc="http://schemas.openxmlformats.org/markup-compatibility/2006">
-        <mc:Choice xmlns:a14="http://schemas.microsoft.com/office/drawing/2010/main" Requires="a14">
+      <mc:AlternateContent xmlns:mc="http://schemas.openxmlformats.org/markup-compatibility/2006" xmlns:a14="http://schemas.microsoft.com/office/drawing/2010/main">
+        <mc:Choice Requires="a14">
           <p:sp>
             <p:nvSpPr>
               <p:cNvPr id="6" name="TextBox 5"/>
@@ -7163,7 +7153,7 @@
             </p:txBody>
           </p:sp>
         </mc:Choice>
-        <mc:Fallback>
+        <mc:Fallback xmlns="">
           <p:sp>
             <p:nvSpPr>
               <p:cNvPr id="6" name="TextBox 5"/>
@@ -7265,12 +7255,11 @@
               <a:rPr lang="en-US" sz="4000" b="1" dirty="0"/>
               <a:t>Double Exponential Smoothing (Holt’s Method)</a:t>
             </a:r>
-            <a:endParaRPr lang="en-US" sz="4000" b="1" dirty="0"/>
           </a:p>
         </p:txBody>
       </p:sp>
-      <mc:AlternateContent xmlns:mc="http://schemas.openxmlformats.org/markup-compatibility/2006">
-        <mc:Choice xmlns:a14="http://schemas.microsoft.com/office/drawing/2010/main" Requires="a14">
+      <mc:AlternateContent xmlns:mc="http://schemas.openxmlformats.org/markup-compatibility/2006" xmlns:a14="http://schemas.microsoft.com/office/drawing/2010/main">
+        <mc:Choice Requires="a14">
           <p:sp>
             <p:nvSpPr>
               <p:cNvPr id="6" name="TextBox 5"/>
@@ -7572,21 +7561,7 @@
                           <a:latin typeface="Cambria Math"/>
                           <a:ea typeface="Cambria Math"/>
                         </a:rPr>
-                        <m:t>=</m:t>
-                      </m:r>
-                      <m:r>
-                        <a:rPr lang="en-US" sz="2400" i="1">
-                          <a:latin typeface="Cambria Math"/>
-                          <a:ea typeface="Cambria Math"/>
-                        </a:rPr>
-                        <m:t>0.8 ∗53</m:t>
-                      </m:r>
-                      <m:r>
-                        <a:rPr lang="en-US" sz="2400" i="1">
-                          <a:latin typeface="Cambria Math"/>
-                          <a:ea typeface="Cambria Math"/>
-                        </a:rPr>
-                        <m:t>+</m:t>
+                        <m:t>=0.8 ∗53+</m:t>
                       </m:r>
                       <m:d>
                         <m:dPr>
@@ -7603,14 +7578,7 @@
                               <a:latin typeface="Cambria Math"/>
                               <a:ea typeface="Cambria Math"/>
                             </a:rPr>
-                            <m:t>1 −</m:t>
-                          </m:r>
-                          <m:r>
-                            <a:rPr lang="en-US" sz="2400" i="1">
-                              <a:latin typeface="Cambria Math"/>
-                              <a:ea typeface="Cambria Math"/>
-                            </a:rPr>
-                            <m:t>0.8</m:t>
+                            <m:t>1 −0.8</m:t>
                           </m:r>
                           <m:r>
                             <m:rPr>
@@ -7639,21 +7607,7 @@
                               <a:latin typeface="Cambria Math"/>
                               <a:ea typeface="Cambria Math"/>
                             </a:rPr>
-                            <m:t>50</m:t>
-                          </m:r>
-                          <m:r>
-                            <a:rPr lang="en-US" sz="2400" i="1">
-                              <a:latin typeface="Cambria Math"/>
-                              <a:ea typeface="Cambria Math"/>
-                            </a:rPr>
-                            <m:t>+</m:t>
-                          </m:r>
-                          <m:r>
-                            <a:rPr lang="en-US" sz="2400" i="1">
-                              <a:latin typeface="Cambria Math"/>
-                              <a:ea typeface="Cambria Math"/>
-                            </a:rPr>
-                            <m:t>3</m:t>
+                            <m:t>50+3</m:t>
                           </m:r>
                         </m:e>
                       </m:d>
@@ -7913,7 +7867,7 @@
             </p:txBody>
           </p:sp>
         </mc:Choice>
-        <mc:Fallback>
+        <mc:Fallback xmlns="">
           <p:sp>
             <p:nvSpPr>
               <p:cNvPr id="6" name="TextBox 5"/>
@@ -7952,8 +7906,8 @@
           </p:sp>
         </mc:Fallback>
       </mc:AlternateContent>
-      <mc:AlternateContent xmlns:mc="http://schemas.openxmlformats.org/markup-compatibility/2006">
-        <mc:Choice xmlns:a14="http://schemas.microsoft.com/office/drawing/2010/main" Requires="a14">
+      <mc:AlternateContent xmlns:mc="http://schemas.openxmlformats.org/markup-compatibility/2006" xmlns:a14="http://schemas.microsoft.com/office/drawing/2010/main">
+        <mc:Choice Requires="a14">
           <p:sp>
             <p:nvSpPr>
               <p:cNvPr id="5" name="TextBox 4"/>
@@ -8595,7 +8549,7 @@
             </p:txBody>
           </p:sp>
         </mc:Choice>
-        <mc:Fallback>
+        <mc:Fallback xmlns="">
           <p:sp>
             <p:nvSpPr>
               <p:cNvPr id="5" name="TextBox 4"/>
@@ -8932,12 +8886,11 @@
               <a:rPr lang="en-US" sz="4000" b="1" dirty="0"/>
               <a:t>Double Exponential Smoothing (Holt’s Method)</a:t>
             </a:r>
-            <a:endParaRPr lang="en-US" sz="4000" b="1" dirty="0"/>
           </a:p>
         </p:txBody>
       </p:sp>
-      <mc:AlternateContent xmlns:mc="http://schemas.openxmlformats.org/markup-compatibility/2006">
-        <mc:Choice xmlns:a14="http://schemas.microsoft.com/office/drawing/2010/main" Requires="a14">
+      <mc:AlternateContent xmlns:mc="http://schemas.openxmlformats.org/markup-compatibility/2006" xmlns:a14="http://schemas.microsoft.com/office/drawing/2010/main">
+        <mc:Choice Requires="a14">
           <p:sp>
             <p:nvSpPr>
               <p:cNvPr id="6" name="TextBox 5"/>
@@ -9239,14 +9192,7 @@
                           <a:latin typeface="Cambria Math"/>
                           <a:ea typeface="Cambria Math"/>
                         </a:rPr>
-                        <m:t>=</m:t>
-                      </m:r>
-                      <m:r>
-                        <a:rPr lang="en-US" sz="2400" i="1">
-                          <a:latin typeface="Cambria Math"/>
-                          <a:ea typeface="Cambria Math"/>
-                        </a:rPr>
-                        <m:t>0.8 ∗5</m:t>
+                        <m:t>=0.8 ∗5</m:t>
                       </m:r>
                       <m:r>
                         <a:rPr lang="en-US" sz="2400" b="0" i="1" smtClean="0">
@@ -9277,14 +9223,7 @@
                               <a:latin typeface="Cambria Math"/>
                               <a:ea typeface="Cambria Math"/>
                             </a:rPr>
-                            <m:t>1 −</m:t>
-                          </m:r>
-                          <m:r>
-                            <a:rPr lang="en-US" sz="2400" i="1">
-                              <a:latin typeface="Cambria Math"/>
-                              <a:ea typeface="Cambria Math"/>
-                            </a:rPr>
-                            <m:t>0.8</m:t>
+                            <m:t>1 −0.8</m:t>
                           </m:r>
                           <m:r>
                             <m:rPr>
@@ -9327,14 +9266,7 @@
                               <a:latin typeface="Cambria Math"/>
                               <a:ea typeface="Cambria Math"/>
                             </a:rPr>
-                            <m:t>+</m:t>
-                          </m:r>
-                          <m:r>
-                            <a:rPr lang="en-US" sz="2400" i="1">
-                              <a:latin typeface="Cambria Math"/>
-                              <a:ea typeface="Cambria Math"/>
-                            </a:rPr>
-                            <m:t>3</m:t>
+                            <m:t>+3</m:t>
                           </m:r>
                         </m:e>
                       </m:d>
@@ -9600,7 +9532,7 @@
             </p:txBody>
           </p:sp>
         </mc:Choice>
-        <mc:Fallback>
+        <mc:Fallback xmlns="">
           <p:sp>
             <p:nvSpPr>
               <p:cNvPr id="6" name="TextBox 5"/>
@@ -9639,8 +9571,8 @@
           </p:sp>
         </mc:Fallback>
       </mc:AlternateContent>
-      <mc:AlternateContent xmlns:mc="http://schemas.openxmlformats.org/markup-compatibility/2006">
-        <mc:Choice xmlns:a14="http://schemas.microsoft.com/office/drawing/2010/main" Requires="a14">
+      <mc:AlternateContent xmlns:mc="http://schemas.openxmlformats.org/markup-compatibility/2006" xmlns:a14="http://schemas.microsoft.com/office/drawing/2010/main">
+        <mc:Choice Requires="a14">
           <p:sp>
             <p:nvSpPr>
               <p:cNvPr id="5" name="TextBox 4"/>
@@ -10276,7 +10208,7 @@
             </p:txBody>
           </p:sp>
         </mc:Choice>
-        <mc:Fallback>
+        <mc:Fallback xmlns="">
           <p:sp>
             <p:nvSpPr>
               <p:cNvPr id="5" name="TextBox 4"/>
@@ -10378,12 +10310,11 @@
               <a:rPr lang="en-US" sz="4000" b="1" dirty="0"/>
               <a:t>Double Exponential Smoothing (Holt’s Method)</a:t>
             </a:r>
-            <a:endParaRPr lang="en-US" sz="4000" b="1" dirty="0"/>
           </a:p>
         </p:txBody>
       </p:sp>
-      <mc:AlternateContent xmlns:mc="http://schemas.openxmlformats.org/markup-compatibility/2006">
-        <mc:Choice xmlns:a14="http://schemas.microsoft.com/office/drawing/2010/main" Requires="a14">
+      <mc:AlternateContent xmlns:mc="http://schemas.openxmlformats.org/markup-compatibility/2006" xmlns:a14="http://schemas.microsoft.com/office/drawing/2010/main">
+        <mc:Choice Requires="a14">
           <p:sp>
             <p:nvSpPr>
               <p:cNvPr id="6" name="TextBox 5"/>
@@ -10801,7 +10732,7 @@
             </p:txBody>
           </p:sp>
         </mc:Choice>
-        <mc:Fallback>
+        <mc:Fallback xmlns="">
           <p:sp>
             <p:nvSpPr>
               <p:cNvPr id="6" name="TextBox 5"/>
@@ -11029,12 +10960,11 @@
               <a:rPr lang="en-US" sz="3600" b="1" dirty="0"/>
               <a:t>Method)</a:t>
             </a:r>
-            <a:endParaRPr lang="en-US" sz="3600" b="1" dirty="0"/>
           </a:p>
         </p:txBody>
       </p:sp>
-      <mc:AlternateContent xmlns:mc="http://schemas.openxmlformats.org/markup-compatibility/2006">
-        <mc:Choice xmlns:a14="http://schemas.microsoft.com/office/drawing/2010/main" Requires="a14">
+      <mc:AlternateContent xmlns:mc="http://schemas.openxmlformats.org/markup-compatibility/2006" xmlns:a14="http://schemas.microsoft.com/office/drawing/2010/main">
+        <mc:Choice Requires="a14">
           <p:sp>
             <p:nvSpPr>
               <p:cNvPr id="5" name="TextBox 4"/>
@@ -11253,7 +11183,7 @@
             </p:txBody>
           </p:sp>
         </mc:Choice>
-        <mc:Fallback>
+        <mc:Fallback xmlns="">
           <p:sp>
             <p:nvSpPr>
               <p:cNvPr id="5" name="TextBox 4"/>
@@ -11367,12 +11297,11 @@
               <a:rPr lang="en-US" sz="3600" b="1" dirty="0"/>
               <a:t>Method)</a:t>
             </a:r>
-            <a:endParaRPr lang="en-US" sz="3600" b="1" dirty="0"/>
           </a:p>
         </p:txBody>
       </p:sp>
-      <mc:AlternateContent xmlns:mc="http://schemas.openxmlformats.org/markup-compatibility/2006">
-        <mc:Choice xmlns:a14="http://schemas.microsoft.com/office/drawing/2010/main" Requires="a14">
+      <mc:AlternateContent xmlns:mc="http://schemas.openxmlformats.org/markup-compatibility/2006" xmlns:a14="http://schemas.microsoft.com/office/drawing/2010/main">
+        <mc:Choice Requires="a14">
           <p:sp>
             <p:nvSpPr>
               <p:cNvPr id="5" name="TextBox 4"/>
@@ -12262,7 +12191,7 @@
             </p:txBody>
           </p:sp>
         </mc:Choice>
-        <mc:Fallback>
+        <mc:Fallback xmlns="">
           <p:sp>
             <p:nvSpPr>
               <p:cNvPr id="5" name="TextBox 4"/>
@@ -12301,8 +12230,8 @@
           </p:sp>
         </mc:Fallback>
       </mc:AlternateContent>
-      <mc:AlternateContent xmlns:mc="http://schemas.openxmlformats.org/markup-compatibility/2006">
-        <mc:Choice xmlns:a14="http://schemas.microsoft.com/office/drawing/2010/main" Requires="a14">
+      <mc:AlternateContent xmlns:mc="http://schemas.openxmlformats.org/markup-compatibility/2006" xmlns:a14="http://schemas.microsoft.com/office/drawing/2010/main">
+        <mc:Choice Requires="a14">
           <p:sp>
             <p:nvSpPr>
               <p:cNvPr id="2" name="Rectangle 1"/>
@@ -12424,15 +12353,7 @@
                 </a14:m>
                 <a:r>
                   <a:rPr lang="en-US" dirty="0"/>
-                  <a:t>is the smoothing parameter for the </a:t>
-                </a:r>
-                <a:r>
-                  <a:rPr lang="en-US" dirty="0"/>
-                  <a:t>trend </a:t>
-                </a:r>
-                <a:r>
-                  <a:rPr lang="en-US" dirty="0"/>
-                  <a:t>(0 &lt; </a:t>
+                  <a:t>is the smoothing parameter for the trend (0 &lt; </a:t>
                 </a:r>
                 <a14:m>
                   <m:oMath xmlns:m="http://schemas.openxmlformats.org/officeDocument/2006/math">
@@ -12612,7 +12533,7 @@
             </p:txBody>
           </p:sp>
         </mc:Choice>
-        <mc:Fallback>
+        <mc:Fallback xmlns="">
           <p:sp>
             <p:nvSpPr>
               <p:cNvPr id="2" name="Rectangle 1"/>
@@ -12726,12 +12647,11 @@
               <a:rPr lang="en-US" sz="3600" b="1" dirty="0"/>
               <a:t>Method)</a:t>
             </a:r>
-            <a:endParaRPr lang="en-US" sz="3600" b="1" dirty="0"/>
           </a:p>
         </p:txBody>
       </p:sp>
-      <mc:AlternateContent xmlns:mc="http://schemas.openxmlformats.org/markup-compatibility/2006">
-        <mc:Choice xmlns:a14="http://schemas.microsoft.com/office/drawing/2010/main" Requires="a14">
+      <mc:AlternateContent xmlns:mc="http://schemas.openxmlformats.org/markup-compatibility/2006" xmlns:a14="http://schemas.microsoft.com/office/drawing/2010/main">
+        <mc:Choice Requires="a14">
           <p:sp>
             <p:nvSpPr>
               <p:cNvPr id="5" name="TextBox 4"/>
@@ -13645,7 +13565,7 @@
             </p:txBody>
           </p:sp>
         </mc:Choice>
-        <mc:Fallback>
+        <mc:Fallback xmlns="">
           <p:sp>
             <p:nvSpPr>
               <p:cNvPr id="5" name="TextBox 4"/>
@@ -13684,8 +13604,8 @@
           </p:sp>
         </mc:Fallback>
       </mc:AlternateContent>
-      <mc:AlternateContent xmlns:mc="http://schemas.openxmlformats.org/markup-compatibility/2006">
-        <mc:Choice xmlns:a14="http://schemas.microsoft.com/office/drawing/2010/main" Requires="a14">
+      <mc:AlternateContent xmlns:mc="http://schemas.openxmlformats.org/markup-compatibility/2006" xmlns:a14="http://schemas.microsoft.com/office/drawing/2010/main">
+        <mc:Choice Requires="a14">
           <p:sp>
             <p:nvSpPr>
               <p:cNvPr id="2" name="Rectangle 1"/>
@@ -13807,15 +13727,7 @@
                 </a14:m>
                 <a:r>
                   <a:rPr lang="en-US" dirty="0"/>
-                  <a:t>is the smoothing parameter for the </a:t>
-                </a:r>
-                <a:r>
-                  <a:rPr lang="en-US" dirty="0"/>
-                  <a:t>trend </a:t>
-                </a:r>
-                <a:r>
-                  <a:rPr lang="en-US" dirty="0"/>
-                  <a:t>(0 &lt; </a:t>
+                  <a:t>is the smoothing parameter for the trend (0 &lt; </a:t>
                 </a:r>
                 <a14:m>
                   <m:oMath xmlns:m="http://schemas.openxmlformats.org/officeDocument/2006/math">
@@ -13995,7 +13907,7 @@
             </p:txBody>
           </p:sp>
         </mc:Choice>
-        <mc:Fallback>
+        <mc:Fallback xmlns="">
           <p:sp>
             <p:nvSpPr>
               <p:cNvPr id="2" name="Rectangle 1"/>
@@ -14109,7 +14021,6 @@
               <a:rPr lang="en-US" sz="3600" b="1" dirty="0"/>
               <a:t>Method)</a:t>
             </a:r>
-            <a:endParaRPr lang="en-US" sz="3600" b="1" dirty="0"/>
           </a:p>
         </p:txBody>
       </p:sp>
@@ -14142,8 +14053,8 @@
           </a:p>
         </p:txBody>
       </p:sp>
-      <mc:AlternateContent xmlns:mc="http://schemas.openxmlformats.org/markup-compatibility/2006">
-        <mc:Choice xmlns:a14="http://schemas.microsoft.com/office/drawing/2010/main" Requires="a14">
+      <mc:AlternateContent xmlns:mc="http://schemas.openxmlformats.org/markup-compatibility/2006" xmlns:a14="http://schemas.microsoft.com/office/drawing/2010/main">
+        <mc:Choice Requires="a14">
           <p:graphicFrame>
             <p:nvGraphicFramePr>
               <p:cNvPr id="8" name="Table 7"/>
@@ -14211,18 +14122,24 @@
                               <m:sSub>
                                 <m:sSubPr>
                                   <m:ctrlPr>
-                                    <a:rPr lang="en-US" sz="2400" b="1" i="1" smtClean="0"/>
+                                    <a:rPr lang="en-US" sz="2400" b="1" i="1" smtClean="0">
+                                      <a:latin typeface="Cambria Math"/>
+                                    </a:rPr>
                                   </m:ctrlPr>
                                 </m:sSubPr>
                                 <m:e>
                                   <m:r>
-                                    <a:rPr lang="en-US" sz="2400" b="1" i="1" smtClean="0"/>
+                                    <a:rPr lang="en-US" sz="2400" b="1" i="1" smtClean="0">
+                                      <a:latin typeface="Cambria Math"/>
+                                    </a:rPr>
                                     <m:t>𝒀</m:t>
                                   </m:r>
                                 </m:e>
                                 <m:sub>
                                   <m:r>
-                                    <a:rPr lang="en-US" sz="2400" b="1" i="1" smtClean="0"/>
+                                    <a:rPr lang="en-US" sz="2400" b="1" i="1" smtClean="0">
+                                      <a:latin typeface="Cambria Math"/>
+                                    </a:rPr>
                                     <m:t>𝒕</m:t>
                                   </m:r>
                                 </m:sub>
@@ -14340,7 +14257,7 @@
             </a:graphic>
           </p:graphicFrame>
         </mc:Choice>
-        <mc:Fallback>
+        <mc:Fallback xmlns="">
           <p:graphicFrame>
             <p:nvGraphicFramePr>
               <p:cNvPr id="8" name="Table 7"/>
@@ -14588,7 +14505,6 @@
               <a:rPr lang="en-US" sz="3600" b="1" dirty="0"/>
               <a:t>Method)</a:t>
             </a:r>
-            <a:endParaRPr lang="en-US" sz="3600" b="1" dirty="0"/>
           </a:p>
         </p:txBody>
       </p:sp>
@@ -14630,8 +14546,8 @@
           </a:p>
         </p:txBody>
       </p:sp>
-      <mc:AlternateContent xmlns:mc="http://schemas.openxmlformats.org/markup-compatibility/2006">
-        <mc:Choice xmlns:a14="http://schemas.microsoft.com/office/drawing/2010/main" Requires="a14">
+      <mc:AlternateContent xmlns:mc="http://schemas.openxmlformats.org/markup-compatibility/2006" xmlns:a14="http://schemas.microsoft.com/office/drawing/2010/main">
+        <mc:Choice Requires="a14">
           <p:sp>
             <p:nvSpPr>
               <p:cNvPr id="2" name="TextBox 1"/>
@@ -14654,6 +14570,7 @@
               </a:bodyPr>
               <a:lstStyle/>
               <a:p>
+                <a:pPr/>
                 <a14:m>
                   <m:oMathPara xmlns:m="http://schemas.openxmlformats.org/officeDocument/2006/math">
                     <m:oMathParaPr>
@@ -14845,7 +14762,7 @@
             </p:txBody>
           </p:sp>
         </mc:Choice>
-        <mc:Fallback>
+        <mc:Fallback xmlns="">
           <p:sp>
             <p:nvSpPr>
               <p:cNvPr id="2" name="TextBox 1"/>
@@ -14959,12 +14876,11 @@
               <a:rPr lang="en-US" sz="3600" b="1" dirty="0"/>
               <a:t>Method)</a:t>
             </a:r>
-            <a:endParaRPr lang="en-US" sz="3600" b="1" dirty="0"/>
           </a:p>
         </p:txBody>
       </p:sp>
-      <mc:AlternateContent xmlns:mc="http://schemas.openxmlformats.org/markup-compatibility/2006">
-        <mc:Choice xmlns:a14="http://schemas.microsoft.com/office/drawing/2010/main" Requires="a14">
+      <mc:AlternateContent xmlns:mc="http://schemas.openxmlformats.org/markup-compatibility/2006" xmlns:a14="http://schemas.microsoft.com/office/drawing/2010/main">
+        <mc:Choice Requires="a14">
           <p:sp>
             <p:nvSpPr>
               <p:cNvPr id="5" name="TextBox 4"/>
@@ -15055,7 +14971,7 @@
             </p:txBody>
           </p:sp>
         </mc:Choice>
-        <mc:Fallback>
+        <mc:Fallback xmlns="">
           <p:sp>
             <p:nvSpPr>
               <p:cNvPr id="5" name="TextBox 4"/>
@@ -15094,8 +15010,8 @@
           </p:sp>
         </mc:Fallback>
       </mc:AlternateContent>
-      <mc:AlternateContent xmlns:mc="http://schemas.openxmlformats.org/markup-compatibility/2006">
-        <mc:Choice xmlns:a14="http://schemas.microsoft.com/office/drawing/2010/main" Requires="a14">
+      <mc:AlternateContent xmlns:mc="http://schemas.openxmlformats.org/markup-compatibility/2006" xmlns:a14="http://schemas.microsoft.com/office/drawing/2010/main">
+        <mc:Choice Requires="a14">
           <p:sp>
             <p:nvSpPr>
               <p:cNvPr id="2" name="TextBox 1"/>
@@ -15118,6 +15034,7 @@
               </a:bodyPr>
               <a:lstStyle/>
               <a:p>
+                <a:pPr/>
                 <a14:m>
                   <m:oMathPara xmlns:m="http://schemas.openxmlformats.org/officeDocument/2006/math">
                     <m:oMathParaPr>
@@ -15247,7 +15164,7 @@
             </p:txBody>
           </p:sp>
         </mc:Choice>
-        <mc:Fallback>
+        <mc:Fallback xmlns="">
           <p:sp>
             <p:nvSpPr>
               <p:cNvPr id="2" name="TextBox 1"/>
@@ -15361,12 +15278,11 @@
               <a:rPr lang="en-US" sz="3600" b="1" dirty="0"/>
               <a:t>Method)</a:t>
             </a:r>
-            <a:endParaRPr lang="en-US" sz="3600" b="1" dirty="0"/>
           </a:p>
         </p:txBody>
       </p:sp>
-      <mc:AlternateContent xmlns:mc="http://schemas.openxmlformats.org/markup-compatibility/2006">
-        <mc:Choice xmlns:a14="http://schemas.microsoft.com/office/drawing/2010/main" Requires="a14">
+      <mc:AlternateContent xmlns:mc="http://schemas.openxmlformats.org/markup-compatibility/2006" xmlns:a14="http://schemas.microsoft.com/office/drawing/2010/main">
+        <mc:Choice Requires="a14">
           <p:sp>
             <p:nvSpPr>
               <p:cNvPr id="5" name="TextBox 4"/>
@@ -15516,7 +15432,7 @@
             </p:txBody>
           </p:sp>
         </mc:Choice>
-        <mc:Fallback>
+        <mc:Fallback xmlns="">
           <p:sp>
             <p:nvSpPr>
               <p:cNvPr id="5" name="TextBox 4"/>
@@ -15555,8 +15471,8 @@
           </p:sp>
         </mc:Fallback>
       </mc:AlternateContent>
-      <mc:AlternateContent xmlns:mc="http://schemas.openxmlformats.org/markup-compatibility/2006">
-        <mc:Choice xmlns:a14="http://schemas.microsoft.com/office/drawing/2010/main" Requires="a14">
+      <mc:AlternateContent xmlns:mc="http://schemas.openxmlformats.org/markup-compatibility/2006" xmlns:a14="http://schemas.microsoft.com/office/drawing/2010/main">
+        <mc:Choice Requires="a14">
           <p:sp>
             <p:nvSpPr>
               <p:cNvPr id="2" name="TextBox 1"/>
@@ -15579,6 +15495,7 @@
               </a:bodyPr>
               <a:lstStyle/>
               <a:p>
+                <a:pPr/>
                 <a14:m>
                   <m:oMathPara xmlns:m="http://schemas.openxmlformats.org/officeDocument/2006/math">
                     <m:oMathParaPr>
@@ -15708,7 +15625,7 @@
             </p:txBody>
           </p:sp>
         </mc:Choice>
-        <mc:Fallback>
+        <mc:Fallback xmlns="">
           <p:sp>
             <p:nvSpPr>
               <p:cNvPr id="2" name="TextBox 1"/>
@@ -15788,8 +15705,8 @@
           </a:p>
         </p:txBody>
       </p:sp>
-      <mc:AlternateContent xmlns:mc="http://schemas.openxmlformats.org/markup-compatibility/2006">
-        <mc:Choice xmlns:a14="http://schemas.microsoft.com/office/drawing/2010/main" Requires="a14">
+      <mc:AlternateContent xmlns:mc="http://schemas.openxmlformats.org/markup-compatibility/2006" xmlns:a14="http://schemas.microsoft.com/office/drawing/2010/main">
+        <mc:Choice Requires="a14">
           <p:sp>
             <p:nvSpPr>
               <p:cNvPr id="7" name="TextBox 6"/>
@@ -15812,6 +15729,7 @@
               </a:bodyPr>
               <a:lstStyle/>
               <a:p>
+                <a:pPr/>
                 <a14:m>
                   <m:oMathPara xmlns:m="http://schemas.openxmlformats.org/officeDocument/2006/math">
                     <m:oMathParaPr>
@@ -15941,7 +15859,7 @@
             </p:txBody>
           </p:sp>
         </mc:Choice>
-        <mc:Fallback>
+        <mc:Fallback xmlns="">
           <p:sp>
             <p:nvSpPr>
               <p:cNvPr id="7" name="TextBox 6"/>
@@ -16297,12 +16215,11 @@
               <a:rPr lang="en-US" sz="3600" b="1" dirty="0"/>
               <a:t>Method)</a:t>
             </a:r>
-            <a:endParaRPr lang="en-US" sz="3600" b="1" dirty="0"/>
           </a:p>
         </p:txBody>
       </p:sp>
-      <mc:AlternateContent xmlns:mc="http://schemas.openxmlformats.org/markup-compatibility/2006">
-        <mc:Choice xmlns:a14="http://schemas.microsoft.com/office/drawing/2010/main" Requires="a14">
+      <mc:AlternateContent xmlns:mc="http://schemas.openxmlformats.org/markup-compatibility/2006" xmlns:a14="http://schemas.microsoft.com/office/drawing/2010/main">
+        <mc:Choice Requires="a14">
           <p:sp>
             <p:nvSpPr>
               <p:cNvPr id="5" name="TextBox 4"/>
@@ -16620,7 +16537,7 @@
             </p:txBody>
           </p:sp>
         </mc:Choice>
-        <mc:Fallback>
+        <mc:Fallback xmlns="">
           <p:sp>
             <p:nvSpPr>
               <p:cNvPr id="5" name="TextBox 4"/>
@@ -16734,12 +16651,11 @@
               <a:rPr lang="en-US" sz="3600" b="1" dirty="0"/>
               <a:t>Method)</a:t>
             </a:r>
-            <a:endParaRPr lang="en-US" sz="3600" b="1" dirty="0"/>
           </a:p>
         </p:txBody>
       </p:sp>
-      <mc:AlternateContent xmlns:mc="http://schemas.openxmlformats.org/markup-compatibility/2006">
-        <mc:Choice xmlns:a14="http://schemas.microsoft.com/office/drawing/2010/main" Requires="a14">
+      <mc:AlternateContent xmlns:mc="http://schemas.openxmlformats.org/markup-compatibility/2006" xmlns:a14="http://schemas.microsoft.com/office/drawing/2010/main">
+        <mc:Choice Requires="a14">
           <p:sp>
             <p:nvSpPr>
               <p:cNvPr id="5" name="TextBox 4"/>
@@ -16881,21 +16797,7 @@
                             <a:latin typeface="Cambria Math"/>
                             <a:ea typeface="Cambria Math"/>
                           </a:rPr>
-                          <m:t>3</m:t>
-                        </m:r>
-                        <m:r>
-                          <a:rPr lang="en-US" sz="2800" i="1">
-                            <a:latin typeface="Cambria Math"/>
-                            <a:ea typeface="Cambria Math"/>
-                          </a:rPr>
-                          <m:t>−</m:t>
-                        </m:r>
-                        <m:r>
-                          <a:rPr lang="en-US" sz="2800" i="1">
-                            <a:latin typeface="Cambria Math"/>
-                            <a:ea typeface="Cambria Math"/>
-                          </a:rPr>
-                          <m:t>2</m:t>
+                          <m:t>3−2</m:t>
                         </m:r>
                       </m:sub>
                     </m:sSub>
@@ -17030,7 +16932,7 @@
             </p:txBody>
           </p:sp>
         </mc:Choice>
-        <mc:Fallback>
+        <mc:Fallback xmlns="">
           <p:sp>
             <p:nvSpPr>
               <p:cNvPr id="5" name="TextBox 4"/>
@@ -17069,8 +16971,8 @@
           </p:sp>
         </mc:Fallback>
       </mc:AlternateContent>
-      <mc:AlternateContent xmlns:mc="http://schemas.openxmlformats.org/markup-compatibility/2006">
-        <mc:Choice xmlns:a14="http://schemas.microsoft.com/office/drawing/2010/main" Requires="a14">
+      <mc:AlternateContent xmlns:mc="http://schemas.openxmlformats.org/markup-compatibility/2006" xmlns:a14="http://schemas.microsoft.com/office/drawing/2010/main">
+        <mc:Choice Requires="a14">
           <p:sp>
             <p:nvSpPr>
               <p:cNvPr id="2" name="Rectangle 1"/>
@@ -18052,7 +17954,7 @@
             </p:txBody>
           </p:sp>
         </mc:Choice>
-        <mc:Fallback>
+        <mc:Fallback xmlns="">
           <p:sp>
             <p:nvSpPr>
               <p:cNvPr id="2" name="Rectangle 1"/>
@@ -18166,12 +18068,11 @@
               <a:rPr lang="en-US" sz="3600" b="1" dirty="0"/>
               <a:t>Method)</a:t>
             </a:r>
-            <a:endParaRPr lang="en-US" sz="3600" b="1" dirty="0"/>
           </a:p>
         </p:txBody>
       </p:sp>
-      <mc:AlternateContent xmlns:mc="http://schemas.openxmlformats.org/markup-compatibility/2006">
-        <mc:Choice xmlns:a14="http://schemas.microsoft.com/office/drawing/2010/main" Requires="a14">
+      <mc:AlternateContent xmlns:mc="http://schemas.openxmlformats.org/markup-compatibility/2006" xmlns:a14="http://schemas.microsoft.com/office/drawing/2010/main">
+        <mc:Choice Requires="a14">
           <p:sp>
             <p:nvSpPr>
               <p:cNvPr id="5" name="TextBox 4"/>
@@ -18360,7 +18261,7 @@
             </p:txBody>
           </p:sp>
         </mc:Choice>
-        <mc:Fallback>
+        <mc:Fallback xmlns="">
           <p:sp>
             <p:nvSpPr>
               <p:cNvPr id="5" name="TextBox 4"/>
@@ -18399,8 +18300,8 @@
           </p:sp>
         </mc:Fallback>
       </mc:AlternateContent>
-      <mc:AlternateContent xmlns:mc="http://schemas.openxmlformats.org/markup-compatibility/2006">
-        <mc:Choice xmlns:a14="http://schemas.microsoft.com/office/drawing/2010/main" Requires="a14">
+      <mc:AlternateContent xmlns:mc="http://schemas.openxmlformats.org/markup-compatibility/2006" xmlns:a14="http://schemas.microsoft.com/office/drawing/2010/main">
+        <mc:Choice Requires="a14">
           <p:sp>
             <p:nvSpPr>
               <p:cNvPr id="2" name="Rectangle 1"/>
@@ -19150,7 +19051,7 @@
             </p:txBody>
           </p:sp>
         </mc:Choice>
-        <mc:Fallback>
+        <mc:Fallback xmlns="">
           <p:sp>
             <p:nvSpPr>
               <p:cNvPr id="2" name="Rectangle 1"/>
@@ -19264,12 +19165,11 @@
               <a:rPr lang="en-US" sz="3600" b="1" dirty="0"/>
               <a:t>Method)</a:t>
             </a:r>
-            <a:endParaRPr lang="en-US" sz="3600" b="1" dirty="0"/>
           </a:p>
         </p:txBody>
       </p:sp>
-      <mc:AlternateContent xmlns:mc="http://schemas.openxmlformats.org/markup-compatibility/2006">
-        <mc:Choice xmlns:a14="http://schemas.microsoft.com/office/drawing/2010/main" Requires="a14">
+      <mc:AlternateContent xmlns:mc="http://schemas.openxmlformats.org/markup-compatibility/2006" xmlns:a14="http://schemas.microsoft.com/office/drawing/2010/main">
+        <mc:Choice Requires="a14">
           <p:sp>
             <p:nvSpPr>
               <p:cNvPr id="5" name="TextBox 4"/>
@@ -19430,21 +19330,7 @@
                             <a:latin typeface="Cambria Math"/>
                             <a:ea typeface="Cambria Math"/>
                           </a:rPr>
-                          <m:t>3</m:t>
-                        </m:r>
-                        <m:r>
-                          <a:rPr lang="en-US" sz="2800" i="1">
-                            <a:latin typeface="Cambria Math"/>
-                            <a:ea typeface="Cambria Math"/>
-                          </a:rPr>
-                          <m:t>−</m:t>
-                        </m:r>
-                        <m:r>
-                          <a:rPr lang="en-US" sz="2800" i="1">
-                            <a:latin typeface="Cambria Math"/>
-                            <a:ea typeface="Cambria Math"/>
-                          </a:rPr>
-                          <m:t>2</m:t>
+                          <m:t>3−2</m:t>
                         </m:r>
                       </m:sub>
                     </m:sSub>
@@ -19494,7 +19380,7 @@
             </p:txBody>
           </p:sp>
         </mc:Choice>
-        <mc:Fallback>
+        <mc:Fallback xmlns="">
           <p:sp>
             <p:nvSpPr>
               <p:cNvPr id="5" name="TextBox 4"/>
@@ -19533,8 +19419,8 @@
           </p:sp>
         </mc:Fallback>
       </mc:AlternateContent>
-      <mc:AlternateContent xmlns:mc="http://schemas.openxmlformats.org/markup-compatibility/2006">
-        <mc:Choice xmlns:a14="http://schemas.microsoft.com/office/drawing/2010/main" Requires="a14">
+      <mc:AlternateContent xmlns:mc="http://schemas.openxmlformats.org/markup-compatibility/2006" xmlns:a14="http://schemas.microsoft.com/office/drawing/2010/main">
+        <mc:Choice Requires="a14">
           <p:sp>
             <p:nvSpPr>
               <p:cNvPr id="2" name="Rectangle 1"/>
@@ -20301,7 +20187,7 @@
             </p:txBody>
           </p:sp>
         </mc:Choice>
-        <mc:Fallback>
+        <mc:Fallback xmlns="">
           <p:sp>
             <p:nvSpPr>
               <p:cNvPr id="2" name="Rectangle 1"/>
@@ -20415,12 +20301,11 @@
               <a:rPr lang="en-US" sz="3600" b="1" dirty="0"/>
               <a:t>Method)</a:t>
             </a:r>
-            <a:endParaRPr lang="en-US" sz="3600" b="1" dirty="0"/>
           </a:p>
         </p:txBody>
       </p:sp>
-      <mc:AlternateContent xmlns:mc="http://schemas.openxmlformats.org/markup-compatibility/2006">
-        <mc:Choice xmlns:a14="http://schemas.microsoft.com/office/drawing/2010/main" Requires="a14">
+      <mc:AlternateContent xmlns:mc="http://schemas.openxmlformats.org/markup-compatibility/2006" xmlns:a14="http://schemas.microsoft.com/office/drawing/2010/main">
+        <mc:Choice Requires="a14">
           <p:sp>
             <p:nvSpPr>
               <p:cNvPr id="5" name="TextBox 4"/>
@@ -20781,13 +20666,7 @@
                           <a:rPr lang="en-US" sz="2800" i="1">
                             <a:latin typeface="Cambria Math"/>
                           </a:rPr>
-                          <m:t>0</m:t>
-                        </m:r>
-                        <m:r>
-                          <a:rPr lang="en-US" sz="2800" i="1">
-                            <a:latin typeface="Cambria Math"/>
-                          </a:rPr>
-                          <m:t> </m:t>
+                          <m:t>0 </m:t>
                         </m:r>
                       </m:num>
                       <m:den>
@@ -20924,13 +20803,7 @@
                               <a:rPr lang="en-US" sz="2800" i="1">
                                 <a:latin typeface="Cambria Math"/>
                               </a:rPr>
-                              <m:t>4</m:t>
-                            </m:r>
-                            <m:r>
-                              <a:rPr lang="en-US" sz="2800" i="1">
-                                <a:latin typeface="Cambria Math"/>
-                              </a:rPr>
-                              <m:t>−2</m:t>
+                              <m:t>4−2</m:t>
                             </m:r>
                             <m:d>
                               <m:dPr>
@@ -21318,7 +21191,6 @@
                 </a:endParaRPr>
               </a:p>
               <a:p>
-                <a:pPr/>
                 <a14:m>
                   <m:oMath xmlns:m="http://schemas.openxmlformats.org/officeDocument/2006/math">
                     <m:sSub>
@@ -21439,7 +21311,7 @@
             </p:txBody>
           </p:sp>
         </mc:Choice>
-        <mc:Fallback>
+        <mc:Fallback xmlns="">
           <p:sp>
             <p:nvSpPr>
               <p:cNvPr id="5" name="TextBox 4"/>
@@ -22398,7 +22270,6 @@
               <a:rPr lang="en-US" sz="4400" b="1" dirty="0" smtClean="0"/>
               <a:t>Forecasting Procedure</a:t>
             </a:r>
-            <a:endParaRPr lang="en-US" sz="4400" b="1" dirty="0" smtClean="0"/>
           </a:p>
           <a:p>
             <a:pPr marL="742950" indent="-742950">
@@ -22453,7 +22324,6 @@
               <a:rPr lang="en-US" sz="4000" dirty="0" smtClean="0"/>
               <a:t>Forecast for future data</a:t>
             </a:r>
-            <a:endParaRPr lang="en-US" sz="4000" dirty="0" smtClean="0"/>
           </a:p>
         </p:txBody>
       </p:sp>
@@ -22520,7 +22390,6 @@
               <a:rPr lang="en-US" sz="4400" b="1" dirty="0" smtClean="0"/>
               <a:t>Forecasting Procedure</a:t>
             </a:r>
-            <a:endParaRPr lang="en-US" sz="4400" b="1" dirty="0" smtClean="0"/>
           </a:p>
           <a:p>
             <a:pPr marL="742950" indent="-742950">
@@ -22575,7 +22444,6 @@
               <a:rPr lang="en-US" sz="4000" dirty="0" smtClean="0"/>
               <a:t>Forecast for future data</a:t>
             </a:r>
-            <a:endParaRPr lang="en-US" sz="4000" dirty="0" smtClean="0"/>
           </a:p>
         </p:txBody>
       </p:sp>
@@ -23207,7 +23075,7 @@
   <a:extraClrSchemeLst/>
   <a:extLst>
     <a:ext uri="{05A4C25C-085E-4340-85A3-A5531E510DB2}">
-      <thm15:themeFamily xmlns="" xmlns:thm15="http://schemas.microsoft.com/office/thememl/2012/main" name="Office Theme" id="{62F939B6-93AF-4DB8-9C6B-D6C7DFDC589F}" vid="{4A3C46E8-61CC-4603-A589-7422A47A8E4A}"/>
+      <thm15:themeFamily xmlns:thm15="http://schemas.microsoft.com/office/thememl/2012/main" xmlns="" name="Office Theme" id="{62F939B6-93AF-4DB8-9C6B-D6C7DFDC589F}" vid="{4A3C46E8-61CC-4603-A589-7422A47A8E4A}"/>
     </a:ext>
   </a:extLst>
 </a:theme>

--- a/CPE Electives (1 - 3)/01. Lectures Notebook/000. Presentations & Text Books/01. Presentation Slides/06.7 Exponential Smoothing.pptx
+++ b/CPE Electives (1 - 3)/01. Lectures Notebook/000. Presentations & Text Books/01. Presentation Slides/06.7 Exponential Smoothing.pptx
@@ -147,7 +147,7 @@
   </p:defaultTextStyle>
   <p:extLst>
     <p:ext uri="{EFAFB233-063F-42B5-8137-9DF3F51BA10A}">
-      <p15:sldGuideLst xmlns:p15="http://schemas.microsoft.com/office/powerpoint/2012/main" xmlns="">
+      <p15:sldGuideLst xmlns:p15="http://schemas.microsoft.com/office/powerpoint/2012/main">
         <p15:guide id="1" orient="horz" pos="2160">
           <p15:clr>
             <a:srgbClr val="A4A3A4"/>
@@ -161,7 +161,7 @@
       </p15:sldGuideLst>
     </p:ext>
     <p:ext uri="{2D200454-40CA-4A62-9FC3-DE9A4176ACB9}">
-      <p15:notesGuideLst xmlns:p15="http://schemas.microsoft.com/office/powerpoint/2012/main" xmlns="">
+      <p15:notesGuideLst xmlns:p15="http://schemas.microsoft.com/office/powerpoint/2012/main">
         <p15:guide id="1" orient="horz" pos="2880">
           <p15:clr>
             <a:srgbClr val="A4A3A4"/>
@@ -260,7 +260,7 @@
           <a:p>
             <a:fld id="{3B6B94FD-5702-4F25-9A4D-07294FF3292C}" type="datetimeFigureOut">
               <a:rPr lang="en-PH" smtClean="0"/>
-              <a:t>4/9/2025</a:t>
+              <a:t>30 Jan 2026</a:t>
             </a:fld>
             <a:endParaRPr lang="en-PH"/>
           </a:p>
@@ -425,7 +425,7 @@
           <a:p>
             <a:fld id="{8365AC51-C568-4371-A28D-D14CF2BCF8BA}" type="datetimeFigureOut">
               <a:rPr lang="en-US" smtClean="0"/>
-              <a:t>4/9/2025</a:t>
+              <a:t>1/30/2026</a:t>
             </a:fld>
             <a:endParaRPr lang="en-US"/>
           </a:p>
@@ -1242,7 +1242,7 @@
           <p:cNvPr id="7" name="Footer Placeholder 4">
             <a:extLst>
               <a:ext uri="{FF2B5EF4-FFF2-40B4-BE49-F238E27FC236}">
-                <a16:creationId xmlns:a16="http://schemas.microsoft.com/office/drawing/2014/main" xmlns="" id="{D057E4A9-8BC1-4D03-B0CD-00353C3D487D}"/>
+                <a16:creationId xmlns:a16="http://schemas.microsoft.com/office/drawing/2014/main" id="{D057E4A9-8BC1-4D03-B0CD-00353C3D487D}"/>
               </a:ext>
             </a:extLst>
           </p:cNvPr>
@@ -3809,7 +3809,7 @@
           <a:p>
             <a:pPr algn="ctr"/>
             <a:r>
-              <a:rPr lang="en-US" sz="1400" b="1" dirty="0" smtClean="0"/>
+              <a:rPr lang="en-US" sz="1400" b="1" dirty="0"/>
               <a:t>EXPONENTIAL SMOOTHING</a:t>
             </a:r>
             <a:endParaRPr lang="en-PH" sz="1400" b="1" dirty="0"/>
@@ -4194,17 +4194,16 @@
           <a:p>
             <a:pPr algn="ctr"/>
             <a:r>
-              <a:rPr lang="en-US" sz="4800" b="1" dirty="0" smtClean="0"/>
+              <a:rPr lang="en-US" sz="4800" b="1" dirty="0"/>
               <a:t>Forecasting Using </a:t>
             </a:r>
           </a:p>
           <a:p>
             <a:pPr algn="ctr"/>
             <a:r>
-              <a:rPr lang="en-US" sz="4800" b="1" dirty="0" smtClean="0"/>
+              <a:rPr lang="en-US" sz="4800" b="1" dirty="0"/>
               <a:t>Exponential Smoothing</a:t>
             </a:r>
-            <a:endParaRPr lang="en-US" sz="4800" b="1" dirty="0"/>
           </a:p>
         </p:txBody>
       </p:sp>
@@ -4232,12 +4231,8 @@
           <a:p>
             <a:pPr algn="ctr"/>
             <a:r>
-              <a:rPr lang="en-US" sz="2000" b="1" dirty="0" smtClean="0"/>
-              <a:t>Renato </a:t>
-            </a:r>
-            <a:r>
               <a:rPr lang="en-US" sz="2000" b="1" dirty="0"/>
-              <a:t>R. </a:t>
+              <a:t>Renato R. </a:t>
             </a:r>
             <a:r>
               <a:rPr lang="en-US" sz="2000" b="1" dirty="0" err="1"/>
@@ -4255,12 +4250,8 @@
           <a:p>
             <a:pPr algn="ctr"/>
             <a:r>
-              <a:rPr lang="en-US" sz="2000" i="1" dirty="0" smtClean="0"/>
-              <a:t>Professor 1, College </a:t>
-            </a:r>
-            <a:r>
               <a:rPr lang="en-US" sz="2000" i="1" dirty="0"/>
-              <a:t>of Engineering</a:t>
+              <a:t>Professor 1, College of Engineering</a:t>
             </a:r>
           </a:p>
           <a:p>
@@ -4337,10 +4328,9 @@
           <a:lstStyle/>
           <a:p>
             <a:r>
-              <a:rPr lang="en-US" sz="4400" b="1" dirty="0" smtClean="0"/>
+              <a:rPr lang="en-US" sz="4400" b="1" dirty="0"/>
               <a:t>Exponential Smoothing</a:t>
             </a:r>
-            <a:endParaRPr lang="en-US" sz="4400" b="1" dirty="0"/>
           </a:p>
           <a:p>
             <a:endParaRPr lang="en-US" sz="2400" b="1" dirty="0"/>
@@ -4351,7 +4341,7 @@
               <a:buChar char="-"/>
             </a:pPr>
             <a:r>
-              <a:rPr lang="en-US" sz="3600" dirty="0" smtClean="0">
+              <a:rPr lang="en-US" sz="3600" dirty="0">
                 <a:latin typeface="+mj-lt"/>
                 <a:cs typeface="Arial" pitchFamily="34" charset="0"/>
               </a:rPr>
@@ -4359,7 +4349,7 @@
             </a:r>
           </a:p>
           <a:p>
-            <a:endParaRPr lang="en-US" sz="3200" dirty="0" smtClean="0">
+            <a:endParaRPr lang="en-US" sz="3200" dirty="0">
               <a:latin typeface="+mj-lt"/>
               <a:cs typeface="Arial" pitchFamily="34" charset="0"/>
             </a:endParaRPr>
@@ -4370,7 +4360,7 @@
               <a:buChar char="-"/>
             </a:pPr>
             <a:r>
-              <a:rPr lang="en-US" sz="3600" dirty="0" smtClean="0">
+              <a:rPr lang="en-US" sz="3600" dirty="0">
                 <a:latin typeface="+mj-lt"/>
                 <a:cs typeface="Arial" pitchFamily="34" charset="0"/>
               </a:rPr>
@@ -4432,10 +4422,9 @@
           <a:lstStyle/>
           <a:p>
             <a:r>
-              <a:rPr lang="en-US" sz="4400" b="1" dirty="0" smtClean="0"/>
+              <a:rPr lang="en-US" sz="4400" b="1" dirty="0"/>
               <a:t>Single Exponential Smoothing (SES)</a:t>
             </a:r>
-            <a:endParaRPr lang="en-US" sz="4400" b="1" dirty="0"/>
           </a:p>
           <a:p>
             <a:endParaRPr lang="en-US" sz="2400" b="1" dirty="0"/>
@@ -4446,7 +4435,7 @@
               <a:buChar char="-"/>
             </a:pPr>
             <a:r>
-              <a:rPr lang="en-US" sz="3600" dirty="0" smtClean="0">
+              <a:rPr lang="en-US" sz="3600" dirty="0">
                 <a:latin typeface="+mj-lt"/>
                 <a:cs typeface="Arial" pitchFamily="34" charset="0"/>
               </a:rPr>
@@ -4462,7 +4451,7 @@
               <a:buFontTx/>
               <a:buChar char="-"/>
             </a:pPr>
-            <a:endParaRPr lang="en-US" sz="3200" dirty="0" smtClean="0">
+            <a:endParaRPr lang="en-US" sz="3200" dirty="0">
               <a:latin typeface="+mj-lt"/>
               <a:cs typeface="Arial" pitchFamily="34" charset="0"/>
             </a:endParaRPr>
@@ -4473,13 +4462,13 @@
               <a:buChar char="-"/>
             </a:pPr>
             <a:r>
-              <a:rPr lang="en-US" sz="3200" dirty="0" smtClean="0">
+              <a:rPr lang="en-US" sz="3200" dirty="0">
                 <a:latin typeface="+mj-lt"/>
                 <a:cs typeface="Arial" pitchFamily="34" charset="0"/>
               </a:rPr>
               <a:t>No explicit handling of trends or seasonal effects</a:t>
             </a:r>
-            <a:endParaRPr lang="en-US" sz="3600" dirty="0" smtClean="0">
+            <a:endParaRPr lang="en-US" sz="3600" dirty="0">
               <a:latin typeface="+mj-lt"/>
               <a:cs typeface="Arial" pitchFamily="34" charset="0"/>
             </a:endParaRPr>
@@ -4539,10 +4528,9 @@
           <a:lstStyle/>
           <a:p>
             <a:r>
-              <a:rPr lang="en-US" sz="4400" b="1" dirty="0" smtClean="0"/>
+              <a:rPr lang="en-US" sz="4400" b="1" dirty="0"/>
               <a:t>Single Exponential Smoothing (SES)</a:t>
             </a:r>
-            <a:endParaRPr lang="en-US" sz="4400" b="1" dirty="0"/>
           </a:p>
         </p:txBody>
       </p:sp>
@@ -4653,12 +4641,8 @@
                   </m:oMath>
                 </a14:m>
                 <a:r>
-                  <a:rPr lang="en-US" sz="2400" dirty="0" smtClean="0"/>
-                  <a:t>(</a:t>
-                </a:r>
-                <a:r>
                   <a:rPr lang="en-US" sz="2400" dirty="0"/>
-                  <a:t>Level smoothing factor): Determines how quickly the forecast </a:t>
+                  <a:t>(Level smoothing factor): Determines how quickly the forecast </a:t>
                 </a:r>
                 <a:r>
                   <a:rPr lang="en-US" sz="2400" dirty="0">
@@ -4670,11 +4654,7 @@
                 </a:r>
                 <a:r>
                   <a:rPr lang="en-US" sz="2400" dirty="0"/>
-                  <a:t>. Higher means faster </a:t>
-                </a:r>
-                <a:r>
-                  <a:rPr lang="en-US" sz="2400" dirty="0" smtClean="0"/>
-                  <a:t>adjustment</a:t>
+                  <a:t>. Higher means faster adjustment</a:t>
                 </a:r>
               </a:p>
               <a:p>
@@ -4687,7 +4667,7 @@
                       <m:sSubPr>
                         <m:ctrlPr>
                           <a:rPr lang="en-US" sz="2400" b="1" i="1" smtClean="0">
-                            <a:latin typeface="Cambria Math"/>
+                            <a:latin typeface="Cambria Math" panose="02040503050406030204" pitchFamily="18" charset="0"/>
                             <a:ea typeface="Cambria Math"/>
                           </a:rPr>
                         </m:ctrlPr>
@@ -4738,7 +4718,7 @@
                       <m:sSubPr>
                         <m:ctrlPr>
                           <a:rPr lang="en-US" sz="2400" b="1" i="1">
-                            <a:latin typeface="Cambria Math"/>
+                            <a:latin typeface="Cambria Math" panose="02040503050406030204" pitchFamily="18" charset="0"/>
                             <a:ea typeface="Cambria Math"/>
                           </a:rPr>
                         </m:ctrlPr>
@@ -4777,11 +4757,11 @@
                 </a:r>
               </a:p>
               <a:p>
-                <a:endParaRPr lang="en-US" sz="2400" dirty="0" smtClean="0"/>
+                <a:endParaRPr lang="en-US" sz="2400" dirty="0"/>
               </a:p>
               <a:p>
                 <a:r>
-                  <a:rPr lang="en-US" sz="2000" dirty="0" smtClean="0">
+                  <a:rPr lang="en-US" sz="2000" dirty="0">
                     <a:solidFill>
                       <a:srgbClr val="C00000"/>
                     </a:solidFill>
@@ -4789,7 +4769,7 @@
                   <a:t>Note: * </a:t>
                 </a:r>
                 <a:r>
-                  <a:rPr lang="en-US" sz="2000" i="1" dirty="0" smtClean="0">
+                  <a:rPr lang="en-US" sz="2000" i="1" dirty="0">
                     <a:solidFill>
                       <a:srgbClr val="C00000"/>
                     </a:solidFill>
@@ -4797,7 +4777,7 @@
                   <a:t>SES predicts future values; EWMA smooth data to reveal trends or anomalies (no prediction</a:t>
                 </a:r>
                 <a:r>
-                  <a:rPr lang="en-US" sz="2000" dirty="0" smtClean="0">
+                  <a:rPr lang="en-US" sz="2000" dirty="0">
                     <a:solidFill>
                       <a:srgbClr val="C00000"/>
                     </a:solidFill>
@@ -4900,10 +4880,9 @@
           <a:lstStyle/>
           <a:p>
             <a:r>
-              <a:rPr lang="en-US" sz="4400" b="1" dirty="0" smtClean="0"/>
+              <a:rPr lang="en-US" sz="4400" b="1" dirty="0"/>
               <a:t>Single Exponential Smoothing (SES)</a:t>
             </a:r>
-            <a:endParaRPr lang="en-US" sz="4400" b="1" dirty="0"/>
           </a:p>
         </p:txBody>
       </p:sp>
@@ -4932,16 +4911,16 @@
               <a:lstStyle/>
               <a:p>
                 <a:r>
-                  <a:rPr lang="en-US" sz="2800" b="1" dirty="0" smtClean="0"/>
+                  <a:rPr lang="en-US" sz="2800" b="1" dirty="0"/>
                   <a:t>Example:</a:t>
                 </a:r>
               </a:p>
               <a:p>
-                <a:endParaRPr lang="en-US" sz="2400" dirty="0" smtClean="0"/>
+                <a:endParaRPr lang="en-US" sz="2400" dirty="0"/>
               </a:p>
               <a:p>
                 <a:r>
-                  <a:rPr lang="en-US" sz="2400" dirty="0" smtClean="0"/>
+                  <a:rPr lang="en-US" sz="2400" dirty="0"/>
                   <a:t>Suppose </a:t>
                 </a:r>
                 <a14:m>
@@ -4956,7 +4935,7 @@
                   </m:oMath>
                 </a14:m>
                 <a:r>
-                  <a:rPr lang="en-US" sz="2400" dirty="0" smtClean="0"/>
+                  <a:rPr lang="en-US" sz="2400" dirty="0"/>
                   <a:t> = 0.3, initial forecast </a:t>
                 </a:r>
                 <a14:m>
@@ -4965,7 +4944,7 @@
                       <m:sSubPr>
                         <m:ctrlPr>
                           <a:rPr lang="en-US" sz="2400" b="0" i="1" smtClean="0">
-                            <a:latin typeface="Cambria Math"/>
+                            <a:latin typeface="Cambria Math" panose="02040503050406030204" pitchFamily="18" charset="0"/>
                           </a:rPr>
                         </m:ctrlPr>
                       </m:sSubPr>
@@ -4989,7 +4968,7 @@
                   </m:oMath>
                 </a14:m>
                 <a:r>
-                  <a:rPr lang="en-US" sz="2400" dirty="0" smtClean="0"/>
+                  <a:rPr lang="en-US" sz="2400" dirty="0"/>
                   <a:t>= 100, actual sales </a:t>
                 </a:r>
                 <a14:m>
@@ -4998,7 +4977,7 @@
                       <m:sSubPr>
                         <m:ctrlPr>
                           <a:rPr lang="en-US" sz="2400" i="1">
-                            <a:latin typeface="Cambria Math"/>
+                            <a:latin typeface="Cambria Math" panose="02040503050406030204" pitchFamily="18" charset="0"/>
                           </a:rPr>
                         </m:ctrlPr>
                       </m:sSubPr>
@@ -5022,7 +5001,7 @@
                   </m:oMath>
                 </a14:m>
                 <a:r>
-                  <a:rPr lang="en-US" sz="2400" dirty="0" smtClean="0"/>
+                  <a:rPr lang="en-US" sz="2400" dirty="0"/>
                   <a:t> = 120:</a:t>
                 </a:r>
               </a:p>
@@ -5031,7 +5010,7 @@
               </a:p>
               <a:p>
                 <a:r>
-                  <a:rPr lang="en-US" sz="2400" dirty="0" smtClean="0"/>
+                  <a:rPr lang="en-US" sz="2400" dirty="0"/>
                   <a:t>Forecast next period (</a:t>
                 </a:r>
                 <a14:m>
@@ -5040,7 +5019,7 @@
                       <m:sSubPr>
                         <m:ctrlPr>
                           <a:rPr lang="en-US" sz="2400" i="1">
-                            <a:latin typeface="Cambria Math"/>
+                            <a:latin typeface="Cambria Math" panose="02040503050406030204" pitchFamily="18" charset="0"/>
                           </a:rPr>
                         </m:ctrlPr>
                       </m:sSubPr>
@@ -5064,7 +5043,7 @@
                   </m:oMath>
                 </a14:m>
                 <a:r>
-                  <a:rPr lang="en-US" sz="2400" dirty="0" smtClean="0"/>
+                  <a:rPr lang="en-US" sz="2400" dirty="0"/>
                   <a:t>) = 0.3 * 120 + (0.7 * 100) = 106</a:t>
                 </a:r>
               </a:p>
@@ -5227,10 +5206,9 @@
           <a:lstStyle/>
           <a:p>
             <a:r>
-              <a:rPr lang="en-US" sz="4000" b="1" dirty="0" smtClean="0"/>
+              <a:rPr lang="en-US" sz="4000" b="1" dirty="0"/>
               <a:t>Double Exponential Smoothing (Holt’s Method)</a:t>
             </a:r>
-            <a:endParaRPr lang="en-US" sz="4000" b="1" dirty="0"/>
           </a:p>
           <a:p>
             <a:endParaRPr lang="en-US" sz="2400" b="1" dirty="0"/>
@@ -5241,7 +5219,7 @@
               <a:buChar char="-"/>
             </a:pPr>
             <a:r>
-              <a:rPr lang="en-US" sz="3200" dirty="0" smtClean="0">
+              <a:rPr lang="en-US" sz="3200" dirty="0">
                 <a:latin typeface="+mj-lt"/>
                 <a:cs typeface="Arial" pitchFamily="34" charset="0"/>
               </a:rPr>
@@ -5257,7 +5235,7 @@
               <a:buFontTx/>
               <a:buChar char="-"/>
             </a:pPr>
-            <a:endParaRPr lang="en-US" sz="3200" dirty="0" smtClean="0">
+            <a:endParaRPr lang="en-US" sz="3200" dirty="0">
               <a:latin typeface="+mj-lt"/>
               <a:cs typeface="Arial" pitchFamily="34" charset="0"/>
             </a:endParaRPr>
@@ -5268,13 +5246,13 @@
               <a:buChar char="-"/>
             </a:pPr>
             <a:r>
-              <a:rPr lang="en-US" sz="2800" dirty="0" smtClean="0">
+              <a:rPr lang="en-US" sz="2800" dirty="0">
                 <a:latin typeface="+mj-lt"/>
                 <a:cs typeface="Arial" pitchFamily="34" charset="0"/>
               </a:rPr>
               <a:t>Does not account for seasonality</a:t>
             </a:r>
-            <a:endParaRPr lang="en-US" sz="3200" dirty="0" smtClean="0">
+            <a:endParaRPr lang="en-US" sz="3200" dirty="0">
               <a:latin typeface="+mj-lt"/>
               <a:cs typeface="Arial" pitchFamily="34" charset="0"/>
             </a:endParaRPr>
@@ -5363,30 +5341,30 @@
           <a:lstStyle/>
           <a:p>
             <a:r>
-              <a:rPr lang="en-US" sz="2800" b="1" dirty="0" smtClean="0"/>
+              <a:rPr lang="en-US" sz="2800" b="1" dirty="0"/>
               <a:t>Formula and Parameters:</a:t>
             </a:r>
-            <a:endParaRPr lang="en-US" sz="2400" b="1" dirty="0" smtClean="0"/>
+            <a:endParaRPr lang="en-US" sz="2400" b="1" dirty="0"/>
           </a:p>
           <a:p>
             <a:r>
-              <a:rPr lang="en-US" sz="2800" dirty="0" smtClean="0"/>
+              <a:rPr lang="en-US" sz="2800" dirty="0"/>
               <a:t>The double exponential smoothing involves two main equations:</a:t>
             </a:r>
           </a:p>
           <a:p>
-            <a:endParaRPr lang="en-US" sz="2800" dirty="0" smtClean="0"/>
+            <a:endParaRPr lang="en-US" sz="2800" dirty="0"/>
           </a:p>
           <a:p>
             <a:pPr marL="514350" indent="-514350">
               <a:buAutoNum type="arabicPeriod"/>
             </a:pPr>
             <a:r>
-              <a:rPr lang="en-US" sz="2800" b="1" dirty="0" smtClean="0"/>
+              <a:rPr lang="en-US" sz="2800" b="1" dirty="0"/>
               <a:t>Level (L): </a:t>
             </a:r>
             <a:r>
-              <a:rPr lang="en-US" sz="2800" dirty="0" smtClean="0"/>
+              <a:rPr lang="en-US" sz="2800" dirty="0"/>
               <a:t>This component captures the smoothed value of the series at time t.</a:t>
             </a:r>
           </a:p>
@@ -5402,14 +5380,13 @@
               <a:buAutoNum type="arabicPeriod"/>
             </a:pPr>
             <a:r>
-              <a:rPr lang="en-US" sz="2800" b="1" dirty="0" smtClean="0"/>
+              <a:rPr lang="en-US" sz="2800" b="1" dirty="0"/>
               <a:t>Trend (T): </a:t>
             </a:r>
             <a:r>
-              <a:rPr lang="en-US" sz="2800" dirty="0" smtClean="0"/>
+              <a:rPr lang="en-US" sz="2800" dirty="0"/>
               <a:t>This component estimates the trend (slope) of the series at time t.</a:t>
             </a:r>
-            <a:endParaRPr lang="en-US" sz="2800" dirty="0"/>
           </a:p>
         </p:txBody>
       </p:sp>
@@ -5423,13 +5400,6 @@
   <p:clrMapOvr>
     <a:masterClrMapping/>
   </p:clrMapOvr>
-  <p:timing>
-    <p:tnLst>
-      <p:par>
-        <p:cTn id="1" dur="indefinite" restart="never" nodeType="tmRoot"/>
-      </p:par>
-    </p:tnLst>
-  </p:timing>
 </p:sld>
 </file>
 
@@ -5504,26 +5474,26 @@
               <a:lstStyle/>
               <a:p>
                 <a:r>
-                  <a:rPr lang="en-US" sz="2800" b="1" dirty="0" smtClean="0"/>
+                  <a:rPr lang="en-US" sz="2800" b="1" dirty="0"/>
                   <a:t>Formula and Parameters:</a:t>
                 </a:r>
-                <a:endParaRPr lang="en-US" sz="2400" b="1" dirty="0" smtClean="0"/>
+                <a:endParaRPr lang="en-US" sz="2400" b="1" dirty="0"/>
               </a:p>
               <a:p>
                 <a:r>
-                  <a:rPr lang="en-US" sz="2800" dirty="0" smtClean="0"/>
+                  <a:rPr lang="en-US" sz="2800" dirty="0"/>
                   <a:t>The double exponential smoothing involves two main equations:</a:t>
                 </a:r>
               </a:p>
               <a:p>
-                <a:endParaRPr lang="en-US" sz="1200" dirty="0" smtClean="0"/>
+                <a:endParaRPr lang="en-US" sz="1200" dirty="0"/>
               </a:p>
               <a:p>
                 <a:pPr marL="514350" indent="-514350">
                   <a:buAutoNum type="arabicPeriod"/>
                 </a:pPr>
                 <a:r>
-                  <a:rPr lang="en-US" sz="2800" b="1" dirty="0" smtClean="0"/>
+                  <a:rPr lang="en-US" sz="2800" b="1" dirty="0"/>
                   <a:t>Level (L): </a:t>
                 </a:r>
                 <a14:m>
@@ -5532,7 +5502,7 @@
                       <m:sSubPr>
                         <m:ctrlPr>
                           <a:rPr lang="en-US" sz="2800" b="0" i="1" smtClean="0">
-                            <a:latin typeface="Cambria Math"/>
+                            <a:latin typeface="Cambria Math" panose="02040503050406030204" pitchFamily="18" charset="0"/>
                           </a:rPr>
                         </m:ctrlPr>
                       </m:sSubPr>
@@ -5570,7 +5540,7 @@
                       <m:sSubPr>
                         <m:ctrlPr>
                           <a:rPr lang="en-US" sz="2800" b="0" i="1" smtClean="0">
-                            <a:latin typeface="Cambria Math"/>
+                            <a:latin typeface="Cambria Math" panose="02040503050406030204" pitchFamily="18" charset="0"/>
                             <a:ea typeface="Cambria Math"/>
                           </a:rPr>
                         </m:ctrlPr>
@@ -5605,7 +5575,7 @@
                       <m:dPr>
                         <m:ctrlPr>
                           <a:rPr lang="en-US" sz="2800" b="0" i="1" smtClean="0">
-                            <a:latin typeface="Cambria Math"/>
+                            <a:latin typeface="Cambria Math" panose="02040503050406030204" pitchFamily="18" charset="0"/>
                             <a:ea typeface="Cambria Math"/>
                           </a:rPr>
                         </m:ctrlPr>
@@ -5638,7 +5608,7 @@
                       <m:dPr>
                         <m:ctrlPr>
                           <a:rPr lang="en-US" sz="2800" b="0" i="1" smtClean="0">
-                            <a:latin typeface="Cambria Math"/>
+                            <a:latin typeface="Cambria Math" panose="02040503050406030204" pitchFamily="18" charset="0"/>
                             <a:ea typeface="Cambria Math"/>
                           </a:rPr>
                         </m:ctrlPr>
@@ -5648,7 +5618,7 @@
                           <m:sSubPr>
                             <m:ctrlPr>
                               <a:rPr lang="en-US" sz="2800" i="1">
-                                <a:latin typeface="Cambria Math"/>
+                                <a:latin typeface="Cambria Math" panose="02040503050406030204" pitchFamily="18" charset="0"/>
                               </a:rPr>
                             </m:ctrlPr>
                           </m:sSubPr>
@@ -5685,7 +5655,7 @@
                           <m:sSubPr>
                             <m:ctrlPr>
                               <a:rPr lang="en-US" sz="2800" b="0" i="1" smtClean="0">
-                                <a:latin typeface="Cambria Math"/>
+                                <a:latin typeface="Cambria Math" panose="02040503050406030204" pitchFamily="18" charset="0"/>
                               </a:rPr>
                             </m:ctrlPr>
                           </m:sSubPr>
@@ -5716,14 +5686,14 @@
                     </m:d>
                   </m:oMath>
                 </a14:m>
-                <a:endParaRPr lang="en-US" sz="2800" b="1" dirty="0" smtClean="0"/>
+                <a:endParaRPr lang="en-US" sz="2800" b="1" dirty="0"/>
               </a:p>
               <a:p>
                 <a:pPr marL="514350" indent="-514350">
                   <a:buAutoNum type="arabicPeriod"/>
                 </a:pPr>
                 <a:r>
-                  <a:rPr lang="en-US" sz="2800" b="1" dirty="0" smtClean="0"/>
+                  <a:rPr lang="en-US" sz="2800" b="1" dirty="0"/>
                   <a:t>Trend (T): </a:t>
                 </a:r>
                 <a14:m>
@@ -5732,7 +5702,7 @@
                       <m:sSubPr>
                         <m:ctrlPr>
                           <a:rPr lang="en-US" sz="2800" i="1">
-                            <a:latin typeface="Cambria Math"/>
+                            <a:latin typeface="Cambria Math" panose="02040503050406030204" pitchFamily="18" charset="0"/>
                           </a:rPr>
                         </m:ctrlPr>
                       </m:sSubPr>
@@ -5770,7 +5740,7 @@
                       <m:dPr>
                         <m:ctrlPr>
                           <a:rPr lang="en-US" sz="2800" i="1" smtClean="0">
-                            <a:latin typeface="Cambria Math"/>
+                            <a:latin typeface="Cambria Math" panose="02040503050406030204" pitchFamily="18" charset="0"/>
                             <a:ea typeface="Cambria Math"/>
                           </a:rPr>
                         </m:ctrlPr>
@@ -5780,7 +5750,7 @@
                           <m:sSubPr>
                             <m:ctrlPr>
                               <a:rPr lang="en-US" sz="2800" i="1" smtClean="0">
-                                <a:latin typeface="Cambria Math"/>
+                                <a:latin typeface="Cambria Math" panose="02040503050406030204" pitchFamily="18" charset="0"/>
                                 <a:ea typeface="Cambria Math"/>
                               </a:rPr>
                             </m:ctrlPr>
@@ -5815,7 +5785,7 @@
                           <m:sSubPr>
                             <m:ctrlPr>
                               <a:rPr lang="en-US" sz="2800" i="1">
-                                <a:latin typeface="Cambria Math"/>
+                                <a:latin typeface="Cambria Math" panose="02040503050406030204" pitchFamily="18" charset="0"/>
                                 <a:ea typeface="Cambria Math"/>
                               </a:rPr>
                             </m:ctrlPr>
@@ -5859,7 +5829,7 @@
                       <m:dPr>
                         <m:ctrlPr>
                           <a:rPr lang="en-US" sz="2800" i="1" smtClean="0">
-                            <a:latin typeface="Cambria Math"/>
+                            <a:latin typeface="Cambria Math" panose="02040503050406030204" pitchFamily="18" charset="0"/>
                             <a:ea typeface="Cambria Math"/>
                           </a:rPr>
                         </m:ctrlPr>
@@ -5885,7 +5855,7 @@
                       <m:sSubPr>
                         <m:ctrlPr>
                           <a:rPr lang="en-US" sz="2800" i="1">
-                            <a:latin typeface="Cambria Math"/>
+                            <a:latin typeface="Cambria Math" panose="02040503050406030204" pitchFamily="18" charset="0"/>
                           </a:rPr>
                         </m:ctrlPr>
                       </m:sSubPr>
@@ -5914,20 +5884,20 @@
                     </m:sSub>
                   </m:oMath>
                 </a14:m>
-                <a:endParaRPr lang="en-US" sz="2800" dirty="0" smtClean="0"/>
+                <a:endParaRPr lang="en-US" sz="2800" dirty="0"/>
               </a:p>
               <a:p>
-                <a:endParaRPr lang="en-US" sz="1400" dirty="0" smtClean="0"/>
+                <a:endParaRPr lang="en-US" sz="1400" dirty="0"/>
               </a:p>
               <a:p>
                 <a:r>
-                  <a:rPr lang="en-US" sz="2800" i="1" dirty="0" smtClean="0"/>
+                  <a:rPr lang="en-US" sz="2800" i="1" dirty="0"/>
                   <a:t>Where:</a:t>
                 </a:r>
               </a:p>
               <a:p>
                 <a:r>
-                  <a:rPr lang="en-US" sz="2400" dirty="0" smtClean="0"/>
+                  <a:rPr lang="en-US" sz="2400" dirty="0"/>
                   <a:t> </a:t>
                 </a:r>
                 <a14:m>
@@ -5936,7 +5906,7 @@
                       <m:sSubPr>
                         <m:ctrlPr>
                           <a:rPr lang="en-US" sz="2400" i="1">
-                            <a:latin typeface="Cambria Math"/>
+                            <a:latin typeface="Cambria Math" panose="02040503050406030204" pitchFamily="18" charset="0"/>
                             <a:ea typeface="Cambria Math"/>
                           </a:rPr>
                         </m:ctrlPr>
@@ -5963,7 +5933,7 @@
                   </m:oMath>
                 </a14:m>
                 <a:r>
-                  <a:rPr lang="en-US" sz="2400" dirty="0" smtClean="0"/>
+                  <a:rPr lang="en-US" sz="2400" dirty="0"/>
                   <a:t>  is the actual value at time t.</a:t>
                 </a:r>
               </a:p>
@@ -5980,7 +5950,7 @@
                   </m:oMath>
                 </a14:m>
                 <a:r>
-                  <a:rPr lang="en-US" sz="2400" dirty="0" smtClean="0"/>
+                  <a:rPr lang="en-US" sz="2400" dirty="0"/>
                   <a:t>    is the smoothing parameter for the level (0 &lt; </a:t>
                 </a:r>
                 <a14:m>
@@ -5995,7 +5965,7 @@
                   </m:oMath>
                 </a14:m>
                 <a:r>
-                  <a:rPr lang="en-US" sz="2400" dirty="0" smtClean="0"/>
+                  <a:rPr lang="en-US" sz="2400" dirty="0"/>
                   <a:t> &lt; 1)</a:t>
                 </a:r>
               </a:p>
@@ -6020,15 +5990,7 @@
                 </a14:m>
                 <a:r>
                   <a:rPr lang="en-US" sz="2400" dirty="0"/>
-                  <a:t>is the smoothing parameter for the </a:t>
-                </a:r>
-                <a:r>
-                  <a:rPr lang="en-US" sz="2400" dirty="0" smtClean="0"/>
-                  <a:t>trend </a:t>
-                </a:r>
-                <a:r>
-                  <a:rPr lang="en-US" sz="2400" dirty="0"/>
-                  <a:t>(0 &lt; </a:t>
+                  <a:t>is the smoothing parameter for the trend (0 &lt; </a:t>
                 </a:r>
                 <a14:m>
                   <m:oMath xmlns:m="http://schemas.openxmlformats.org/officeDocument/2006/math">
@@ -6053,7 +6015,7 @@
                       <m:sSubPr>
                         <m:ctrlPr>
                           <a:rPr lang="en-US" sz="2400" i="1">
-                            <a:latin typeface="Cambria Math"/>
+                            <a:latin typeface="Cambria Math" panose="02040503050406030204" pitchFamily="18" charset="0"/>
                           </a:rPr>
                         </m:ctrlPr>
                       </m:sSubPr>
@@ -6083,7 +6045,7 @@
                   </m:oMath>
                 </a14:m>
                 <a:r>
-                  <a:rPr lang="en-US" sz="2400" dirty="0" smtClean="0"/>
+                  <a:rPr lang="en-US" sz="2400" dirty="0"/>
                   <a:t> and </a:t>
                 </a:r>
                 <a14:m>
@@ -6092,7 +6054,7 @@
                       <m:sSubPr>
                         <m:ctrlPr>
                           <a:rPr lang="en-US" sz="2400" i="1">
-                            <a:latin typeface="Cambria Math"/>
+                            <a:latin typeface="Cambria Math" panose="02040503050406030204" pitchFamily="18" charset="0"/>
                           </a:rPr>
                         </m:ctrlPr>
                       </m:sSubPr>
@@ -6122,18 +6084,17 @@
                   </m:oMath>
                 </a14:m>
                 <a:r>
-                  <a:rPr lang="en-US" sz="2400" dirty="0" smtClean="0"/>
+                  <a:rPr lang="en-US" sz="2400" dirty="0"/>
                   <a:t> are the level and trend estimates at time </a:t>
                 </a:r>
                 <a:r>
-                  <a:rPr lang="en-US" sz="2400" i="1" dirty="0" smtClean="0"/>
+                  <a:rPr lang="en-US" sz="2400" i="1" dirty="0"/>
                   <a:t>t – 1</a:t>
                 </a:r>
                 <a:r>
-                  <a:rPr lang="en-US" sz="2400" dirty="0" smtClean="0"/>
+                  <a:rPr lang="en-US" sz="2400" dirty="0"/>
                   <a:t>, respectively</a:t>
                 </a:r>
-                <a:endParaRPr lang="en-US" sz="2400" dirty="0"/>
               </a:p>
             </p:txBody>
           </p:sp>
@@ -6187,13 +6148,6 @@
   <p:clrMapOvr>
     <a:masterClrMapping/>
   </p:clrMapOvr>
-  <p:timing>
-    <p:tnLst>
-      <p:par>
-        <p:cTn id="1" dur="indefinite" restart="never" nodeType="tmRoot"/>
-      </p:par>
-    </p:tnLst>
-  </p:timing>
 </p:sld>
 </file>
 
@@ -6268,7 +6222,7 @@
               <a:lstStyle/>
               <a:p>
                 <a:r>
-                  <a:rPr lang="en-US" sz="2800" dirty="0" smtClean="0"/>
+                  <a:rPr lang="en-US" sz="2800" dirty="0"/>
                   <a:t>Given the following data, assume Level smoothing factor (</a:t>
                 </a:r>
                 <a14:m>
@@ -6283,7 +6237,7 @@
                   </m:oMath>
                 </a14:m>
                 <a:r>
-                  <a:rPr lang="en-US" sz="2800" dirty="0" smtClean="0"/>
+                  <a:rPr lang="en-US" sz="2800" dirty="0"/>
                   <a:t>) = 0.8, and Trend smoothing factor (</a:t>
                 </a:r>
                 <a14:m>
@@ -6298,7 +6252,7 @@
                   </m:oMath>
                 </a14:m>
                 <a:r>
-                  <a:rPr lang="en-US" sz="2800" dirty="0" smtClean="0"/>
+                  <a:rPr lang="en-US" sz="2800" dirty="0"/>
                   <a:t>)= 0.2</a:t>
                 </a:r>
               </a:p>
@@ -6371,8 +6325,20 @@
                     <a:tableStyleId>{5940675A-B579-460E-94D1-54222C63F5DA}</a:tableStyleId>
                   </a:tblPr>
                   <a:tblGrid>
-                    <a:gridCol w="4366768"/>
-                    <a:gridCol w="4366768"/>
+                    <a:gridCol w="4366768">
+                      <a:extLst>
+                        <a:ext uri="{9D8B030D-6E8A-4147-A177-3AD203B41FA5}">
+                          <a16:colId xmlns:a16="http://schemas.microsoft.com/office/drawing/2014/main" val="20000"/>
+                        </a:ext>
+                      </a:extLst>
+                    </a:gridCol>
+                    <a:gridCol w="4366768">
+                      <a:extLst>
+                        <a:ext uri="{9D8B030D-6E8A-4147-A177-3AD203B41FA5}">
+                          <a16:colId xmlns:a16="http://schemas.microsoft.com/office/drawing/2014/main" val="20001"/>
+                        </a:ext>
+                      </a:extLst>
+                    </a:gridCol>
                   </a:tblGrid>
                   <a:tr h="538142">
                     <a:tc>
@@ -6382,15 +6348,15 @@
                         <a:p>
                           <a:pPr algn="ctr"/>
                           <a:r>
-                            <a:rPr lang="en-US" sz="2400" b="1" dirty="0" smtClean="0"/>
+                            <a:rPr lang="en-US" sz="2400" b="1" dirty="0"/>
                             <a:t>Time (</a:t>
                           </a:r>
                           <a:r>
-                            <a:rPr lang="en-US" sz="2400" b="1" i="1" dirty="0" smtClean="0"/>
+                            <a:rPr lang="en-US" sz="2400" b="1" i="1" dirty="0"/>
                             <a:t>t</a:t>
                           </a:r>
                           <a:r>
-                            <a:rPr lang="en-US" sz="2400" b="1" dirty="0" smtClean="0"/>
+                            <a:rPr lang="en-US" sz="2400" b="1" dirty="0"/>
                             <a:t>)</a:t>
                           </a:r>
                           <a:endParaRPr lang="en-PH" sz="2400" b="1" dirty="0"/>
@@ -6405,7 +6371,7 @@
                         <a:p>
                           <a:pPr algn="ctr"/>
                           <a:r>
-                            <a:rPr lang="en-US" sz="2400" b="1" dirty="0" smtClean="0"/>
+                            <a:rPr lang="en-US" sz="2400" b="1" dirty="0"/>
                             <a:t>Observation (</a:t>
                           </a:r>
                           <a14:m>
@@ -6414,7 +6380,7 @@
                                 <m:sSubPr>
                                   <m:ctrlPr>
                                     <a:rPr lang="en-US" sz="2400" b="1" i="1" smtClean="0">
-                                      <a:latin typeface="Cambria Math"/>
+                                      <a:latin typeface="Cambria Math" panose="02040503050406030204" pitchFamily="18" charset="0"/>
                                     </a:rPr>
                                   </m:ctrlPr>
                                 </m:sSubPr>
@@ -6438,14 +6404,18 @@
                             </m:oMath>
                           </a14:m>
                           <a:r>
-                            <a:rPr lang="en-PH" sz="2400" b="1" dirty="0" smtClean="0"/>
+                            <a:rPr lang="en-PH" sz="2400" b="1" dirty="0"/>
                             <a:t>)</a:t>
                           </a:r>
-                          <a:endParaRPr lang="en-PH" sz="2400" b="1" dirty="0"/>
                         </a:p>
                       </a:txBody>
                       <a:tcPr anchor="ctr"/>
                     </a:tc>
+                    <a:extLst>
+                      <a:ext uri="{0D108BD9-81ED-4DB2-BD59-A6C34878D82A}">
+                        <a16:rowId xmlns:a16="http://schemas.microsoft.com/office/drawing/2014/main" val="10000"/>
+                      </a:ext>
+                    </a:extLst>
                   </a:tr>
                   <a:tr h="688313">
                     <a:tc>
@@ -6455,7 +6425,7 @@
                         <a:p>
                           <a:pPr algn="ctr"/>
                           <a:r>
-                            <a:rPr lang="en-US" sz="2400" dirty="0" smtClean="0"/>
+                            <a:rPr lang="en-US" sz="2400" dirty="0"/>
                             <a:t>1</a:t>
                           </a:r>
                           <a:endParaRPr lang="en-PH" sz="2400" dirty="0"/>
@@ -6470,7 +6440,7 @@
                         <a:p>
                           <a:pPr algn="ctr"/>
                           <a:r>
-                            <a:rPr lang="en-US" sz="2400" dirty="0" smtClean="0"/>
+                            <a:rPr lang="en-US" sz="2400" dirty="0"/>
                             <a:t>50</a:t>
                           </a:r>
                           <a:endParaRPr lang="en-PH" sz="2400" dirty="0"/>
@@ -6478,6 +6448,11 @@
                       </a:txBody>
                       <a:tcPr anchor="ctr"/>
                     </a:tc>
+                    <a:extLst>
+                      <a:ext uri="{0D108BD9-81ED-4DB2-BD59-A6C34878D82A}">
+                        <a16:rowId xmlns:a16="http://schemas.microsoft.com/office/drawing/2014/main" val="10001"/>
+                      </a:ext>
+                    </a:extLst>
                   </a:tr>
                   <a:tr h="688313">
                     <a:tc>
@@ -6487,7 +6462,7 @@
                         <a:p>
                           <a:pPr algn="ctr"/>
                           <a:r>
-                            <a:rPr lang="en-US" sz="2400" dirty="0" smtClean="0"/>
+                            <a:rPr lang="en-US" sz="2400" dirty="0"/>
                             <a:t>2</a:t>
                           </a:r>
                           <a:endParaRPr lang="en-PH" sz="2400" dirty="0"/>
@@ -6502,7 +6477,7 @@
                         <a:p>
                           <a:pPr algn="ctr"/>
                           <a:r>
-                            <a:rPr lang="en-US" sz="2400" dirty="0" smtClean="0"/>
+                            <a:rPr lang="en-US" sz="2400" dirty="0"/>
                             <a:t>53</a:t>
                           </a:r>
                           <a:endParaRPr lang="en-PH" sz="2400" dirty="0"/>
@@ -6510,6 +6485,11 @@
                       </a:txBody>
                       <a:tcPr anchor="ctr"/>
                     </a:tc>
+                    <a:extLst>
+                      <a:ext uri="{0D108BD9-81ED-4DB2-BD59-A6C34878D82A}">
+                        <a16:rowId xmlns:a16="http://schemas.microsoft.com/office/drawing/2014/main" val="10002"/>
+                      </a:ext>
+                    </a:extLst>
                   </a:tr>
                   <a:tr h="688313">
                     <a:tc>
@@ -6519,7 +6499,7 @@
                         <a:p>
                           <a:pPr algn="ctr"/>
                           <a:r>
-                            <a:rPr lang="en-US" sz="2400" dirty="0" smtClean="0"/>
+                            <a:rPr lang="en-US" sz="2400" dirty="0"/>
                             <a:t>3</a:t>
                           </a:r>
                           <a:endParaRPr lang="en-PH" sz="2400" dirty="0"/>
@@ -6534,7 +6514,7 @@
                         <a:p>
                           <a:pPr algn="ctr"/>
                           <a:r>
-                            <a:rPr lang="en-US" sz="2400" dirty="0" smtClean="0"/>
+                            <a:rPr lang="en-US" sz="2400" dirty="0"/>
                             <a:t>56</a:t>
                           </a:r>
                           <a:endParaRPr lang="en-PH" sz="2400" dirty="0"/>
@@ -6542,6 +6522,11 @@
                       </a:txBody>
                       <a:tcPr anchor="ctr"/>
                     </a:tc>
+                    <a:extLst>
+                      <a:ext uri="{0D108BD9-81ED-4DB2-BD59-A6C34878D82A}">
+                        <a16:rowId xmlns:a16="http://schemas.microsoft.com/office/drawing/2014/main" val="10003"/>
+                      </a:ext>
+                    </a:extLst>
                   </a:tr>
                 </a:tbl>
               </a:graphicData>
@@ -6731,13 +6716,6 @@
   <p:clrMapOvr>
     <a:masterClrMapping/>
   </p:clrMapOvr>
-  <p:timing>
-    <p:tnLst>
-      <p:par>
-        <p:cTn id="1" dur="indefinite" restart="never" nodeType="tmRoot"/>
-      </p:par>
-    </p:tnLst>
-  </p:timing>
 </p:sld>
 </file>
 
@@ -6812,16 +6790,16 @@
               <a:lstStyle/>
               <a:p>
                 <a:r>
-                  <a:rPr lang="en-US" sz="2800" b="1" dirty="0" smtClean="0"/>
+                  <a:rPr lang="en-US" sz="2800" b="1" dirty="0"/>
                   <a:t>Initialization:</a:t>
                 </a:r>
               </a:p>
               <a:p>
-                <a:endParaRPr lang="en-US" sz="2800" b="1" dirty="0" smtClean="0"/>
+                <a:endParaRPr lang="en-US" sz="2800" b="1" dirty="0"/>
               </a:p>
               <a:p>
                 <a:r>
-                  <a:rPr lang="en-US" sz="2800" dirty="0" smtClean="0"/>
+                  <a:rPr lang="en-US" sz="2800" dirty="0"/>
                   <a:t>Initial Level (</a:t>
                 </a:r>
                 <a14:m>
@@ -6830,7 +6808,7 @@
                       <m:sSubPr>
                         <m:ctrlPr>
                           <a:rPr lang="en-US" sz="2800" i="1">
-                            <a:latin typeface="Cambria Math"/>
+                            <a:latin typeface="Cambria Math" panose="02040503050406030204" pitchFamily="18" charset="0"/>
                           </a:rPr>
                         </m:ctrlPr>
                       </m:sSubPr>
@@ -6854,7 +6832,7 @@
                   </m:oMath>
                 </a14:m>
                 <a:r>
-                  <a:rPr lang="en-US" sz="2800" dirty="0" smtClean="0"/>
+                  <a:rPr lang="en-US" sz="2800" dirty="0"/>
                   <a:t>): Set the first observation: </a:t>
                 </a:r>
                 <a14:m>
@@ -6866,7 +6844,7 @@
                             <a:solidFill>
                               <a:srgbClr val="FF0000"/>
                             </a:solidFill>
-                            <a:latin typeface="Cambria Math"/>
+                            <a:latin typeface="Cambria Math" panose="02040503050406030204" pitchFamily="18" charset="0"/>
                           </a:rPr>
                         </m:ctrlPr>
                       </m:sSubPr>
@@ -6896,7 +6874,7 @@
                   </m:oMath>
                 </a14:m>
                 <a:r>
-                  <a:rPr lang="en-US" sz="2800" b="1" dirty="0" smtClean="0">
+                  <a:rPr lang="en-US" sz="2800" b="1" dirty="0">
                     <a:solidFill>
                       <a:srgbClr val="FF0000"/>
                     </a:solidFill>
@@ -6912,7 +6890,7 @@
                             <a:solidFill>
                               <a:srgbClr val="FF0000"/>
                             </a:solidFill>
-                            <a:latin typeface="Cambria Math"/>
+                            <a:latin typeface="Cambria Math" panose="02040503050406030204" pitchFamily="18" charset="0"/>
                           </a:rPr>
                         </m:ctrlPr>
                       </m:sSubPr>
@@ -6942,7 +6920,7 @@
                   </m:oMath>
                 </a14:m>
                 <a:r>
-                  <a:rPr lang="en-US" sz="2800" b="1" dirty="0" smtClean="0">
+                  <a:rPr lang="en-US" sz="2800" b="1" dirty="0">
                     <a:solidFill>
                       <a:srgbClr val="FF0000"/>
                     </a:solidFill>
@@ -6951,7 +6929,7 @@
                 </a:r>
               </a:p>
               <a:p>
-                <a:endParaRPr lang="en-US" sz="2800" dirty="0" smtClean="0">
+                <a:endParaRPr lang="en-US" sz="2800" dirty="0">
                   <a:solidFill>
                     <a:srgbClr val="FF0000"/>
                   </a:solidFill>
@@ -6959,7 +6937,7 @@
               </a:p>
               <a:p>
                 <a:r>
-                  <a:rPr lang="en-US" sz="2800" dirty="0" smtClean="0"/>
+                  <a:rPr lang="en-US" sz="2800" dirty="0"/>
                   <a:t>Initial Trend (</a:t>
                 </a:r>
                 <a14:m>
@@ -6968,7 +6946,7 @@
                       <m:sSubPr>
                         <m:ctrlPr>
                           <a:rPr lang="en-US" sz="2800" i="1">
-                            <a:latin typeface="Cambria Math"/>
+                            <a:latin typeface="Cambria Math" panose="02040503050406030204" pitchFamily="18" charset="0"/>
                           </a:rPr>
                         </m:ctrlPr>
                       </m:sSubPr>
@@ -6992,7 +6970,7 @@
                   </m:oMath>
                 </a14:m>
                 <a:r>
-                  <a:rPr lang="en-US" sz="2800" dirty="0" smtClean="0"/>
+                  <a:rPr lang="en-US" sz="2800" dirty="0"/>
                   <a:t>): Estimated different between the two: </a:t>
                 </a:r>
               </a:p>
@@ -7006,7 +6984,7 @@
                             <a:solidFill>
                               <a:srgbClr val="FF0000"/>
                             </a:solidFill>
-                            <a:latin typeface="Cambria Math"/>
+                            <a:latin typeface="Cambria Math" panose="02040503050406030204" pitchFamily="18" charset="0"/>
                           </a:rPr>
                         </m:ctrlPr>
                       </m:sSubPr>
@@ -7036,7 +7014,7 @@
                   </m:oMath>
                 </a14:m>
                 <a:r>
-                  <a:rPr lang="en-US" sz="2800" dirty="0" smtClean="0">
+                  <a:rPr lang="en-US" sz="2800" dirty="0">
                     <a:solidFill>
                       <a:srgbClr val="FF0000"/>
                     </a:solidFill>
@@ -7052,7 +7030,7 @@
                             <a:solidFill>
                               <a:srgbClr val="FF0000"/>
                             </a:solidFill>
-                            <a:latin typeface="Cambria Math"/>
+                            <a:latin typeface="Cambria Math" panose="02040503050406030204" pitchFamily="18" charset="0"/>
                             <a:ea typeface="Cambria Math"/>
                           </a:rPr>
                         </m:ctrlPr>
@@ -7085,7 +7063,7 @@
                   </m:oMath>
                 </a14:m>
                 <a:r>
-                  <a:rPr lang="en-US" sz="2800" dirty="0" smtClean="0">
+                  <a:rPr lang="en-US" sz="2800" dirty="0">
                     <a:solidFill>
                       <a:srgbClr val="FF0000"/>
                     </a:solidFill>
@@ -7101,7 +7079,7 @@
                             <a:solidFill>
                               <a:srgbClr val="FF0000"/>
                             </a:solidFill>
-                            <a:latin typeface="Cambria Math"/>
+                            <a:latin typeface="Cambria Math" panose="02040503050406030204" pitchFamily="18" charset="0"/>
                             <a:ea typeface="Cambria Math"/>
                           </a:rPr>
                         </m:ctrlPr>
@@ -7134,21 +7112,16 @@
                   </m:oMath>
                 </a14:m>
                 <a:r>
-                  <a:rPr lang="en-US" sz="2800" dirty="0" smtClean="0">
+                  <a:rPr lang="en-US" sz="2800" dirty="0">
                     <a:solidFill>
                       <a:srgbClr val="FF0000"/>
                     </a:solidFill>
                   </a:rPr>
                   <a:t> = 53 – 50 = 3</a:t>
                 </a:r>
-                <a:endParaRPr lang="en-US" sz="2800" dirty="0">
-                  <a:solidFill>
-                    <a:srgbClr val="FF0000"/>
-                  </a:solidFill>
-                </a:endParaRPr>
               </a:p>
               <a:p>
-                <a:endParaRPr lang="en-US" sz="2400" b="1" dirty="0" smtClean="0"/>
+                <a:endParaRPr lang="en-US" sz="2400" b="1" dirty="0"/>
               </a:p>
             </p:txBody>
           </p:sp>
@@ -7202,13 +7175,6 @@
   <p:clrMapOvr>
     <a:masterClrMapping/>
   </p:clrMapOvr>
-  <p:timing>
-    <p:tnLst>
-      <p:par>
-        <p:cTn id="1" dur="indefinite" restart="never" nodeType="tmRoot"/>
-      </p:par>
-    </p:tnLst>
-  </p:timing>
 </p:sld>
 </file>
 
@@ -7283,16 +7249,16 @@
               <a:lstStyle/>
               <a:p>
                 <a:r>
-                  <a:rPr lang="en-US" sz="2800" b="1" i="1" dirty="0" smtClean="0"/>
+                  <a:rPr lang="en-US" sz="2800" b="1" i="1" dirty="0"/>
                   <a:t>Time t = 2:</a:t>
                 </a:r>
               </a:p>
               <a:p>
-                <a:endParaRPr lang="en-US" sz="1600" b="1" dirty="0" smtClean="0"/>
+                <a:endParaRPr lang="en-US" sz="1600" b="1" dirty="0"/>
               </a:p>
               <a:p>
                 <a:r>
-                  <a:rPr lang="en-US" sz="2400" dirty="0" smtClean="0"/>
+                  <a:rPr lang="en-US" sz="2400" dirty="0"/>
                   <a:t>Level (</a:t>
                 </a:r>
                 <a14:m>
@@ -7301,7 +7267,7 @@
                       <m:sSubPr>
                         <m:ctrlPr>
                           <a:rPr lang="en-US" sz="2400" i="1">
-                            <a:latin typeface="Cambria Math"/>
+                            <a:latin typeface="Cambria Math" panose="02040503050406030204" pitchFamily="18" charset="0"/>
                           </a:rPr>
                         </m:ctrlPr>
                       </m:sSubPr>
@@ -7325,7 +7291,7 @@
                   </m:oMath>
                 </a14:m>
                 <a:r>
-                  <a:rPr lang="en-US" sz="2400" dirty="0" smtClean="0"/>
+                  <a:rPr lang="en-US" sz="2400" dirty="0"/>
                   <a:t>): </a:t>
                 </a:r>
                 <a14:m>
@@ -7334,7 +7300,7 @@
                       <m:sSubPr>
                         <m:ctrlPr>
                           <a:rPr lang="en-US" sz="2400" i="1">
-                            <a:latin typeface="Cambria Math"/>
+                            <a:latin typeface="Cambria Math" panose="02040503050406030204" pitchFamily="18" charset="0"/>
                           </a:rPr>
                         </m:ctrlPr>
                       </m:sSubPr>
@@ -7372,7 +7338,7 @@
                       <m:sSubPr>
                         <m:ctrlPr>
                           <a:rPr lang="en-US" sz="2400" i="1">
-                            <a:latin typeface="Cambria Math"/>
+                            <a:latin typeface="Cambria Math" panose="02040503050406030204" pitchFamily="18" charset="0"/>
                             <a:ea typeface="Cambria Math"/>
                           </a:rPr>
                         </m:ctrlPr>
@@ -7407,7 +7373,7 @@
                       <m:dPr>
                         <m:ctrlPr>
                           <a:rPr lang="en-US" sz="2400" i="1">
-                            <a:latin typeface="Cambria Math"/>
+                            <a:latin typeface="Cambria Math" panose="02040503050406030204" pitchFamily="18" charset="0"/>
                             <a:ea typeface="Cambria Math"/>
                           </a:rPr>
                         </m:ctrlPr>
@@ -7440,7 +7406,7 @@
                       <m:dPr>
                         <m:ctrlPr>
                           <a:rPr lang="en-US" sz="2400" i="1">
-                            <a:latin typeface="Cambria Math"/>
+                            <a:latin typeface="Cambria Math" panose="02040503050406030204" pitchFamily="18" charset="0"/>
                             <a:ea typeface="Cambria Math"/>
                           </a:rPr>
                         </m:ctrlPr>
@@ -7450,7 +7416,7 @@
                           <m:sSubPr>
                             <m:ctrlPr>
                               <a:rPr lang="en-US" sz="2400" i="1">
-                                <a:latin typeface="Cambria Math"/>
+                                <a:latin typeface="Cambria Math" panose="02040503050406030204" pitchFamily="18" charset="0"/>
                               </a:rPr>
                             </m:ctrlPr>
                           </m:sSubPr>
@@ -7481,7 +7447,7 @@
                           <m:sSubPr>
                             <m:ctrlPr>
                               <a:rPr lang="en-US" sz="2400" i="1">
-                                <a:latin typeface="Cambria Math"/>
+                                <a:latin typeface="Cambria Math" panose="02040503050406030204" pitchFamily="18" charset="0"/>
                               </a:rPr>
                             </m:ctrlPr>
                           </m:sSubPr>
@@ -7506,19 +7472,19 @@
                     </m:d>
                   </m:oMath>
                 </a14:m>
-                <a:endParaRPr lang="en-US" sz="2800" dirty="0" smtClean="0"/>
+                <a:endParaRPr lang="en-US" sz="2800" dirty="0"/>
               </a:p>
               <a:p>
-                <a:endParaRPr lang="en-US" sz="2800" dirty="0" smtClean="0"/>
+                <a:endParaRPr lang="en-US" sz="2800" dirty="0"/>
               </a:p>
               <a:p>
                 <a:r>
-                  <a:rPr lang="en-US" sz="2800" i="1" dirty="0" smtClean="0"/>
+                  <a:rPr lang="en-US" sz="2800" i="1" dirty="0"/>
                   <a:t>Substituting the values:</a:t>
                 </a:r>
               </a:p>
               <a:p>
-                <a:endParaRPr lang="en-US" sz="2800" dirty="0" smtClean="0"/>
+                <a:endParaRPr lang="en-US" sz="2800" dirty="0"/>
               </a:p>
               <a:p>
                 <a:pPr/>
@@ -7532,7 +7498,7 @@
                         <m:sSubPr>
                           <m:ctrlPr>
                             <a:rPr lang="en-US" sz="2400" i="1">
-                              <a:latin typeface="Cambria Math"/>
+                              <a:latin typeface="Cambria Math" panose="02040503050406030204" pitchFamily="18" charset="0"/>
                               <a:ea typeface="Cambria Math"/>
                             </a:rPr>
                           </m:ctrlPr>
@@ -7567,7 +7533,7 @@
                         <m:dPr>
                           <m:ctrlPr>
                             <a:rPr lang="en-US" sz="2400" i="1">
-                              <a:latin typeface="Cambria Math"/>
+                              <a:latin typeface="Cambria Math" panose="02040503050406030204" pitchFamily="18" charset="0"/>
                               <a:ea typeface="Cambria Math"/>
                             </a:rPr>
                           </m:ctrlPr>
@@ -7596,7 +7562,7 @@
                         <m:dPr>
                           <m:ctrlPr>
                             <a:rPr lang="en-US" sz="2400" i="1">
-                              <a:latin typeface="Cambria Math"/>
+                              <a:latin typeface="Cambria Math" panose="02040503050406030204" pitchFamily="18" charset="0"/>
                               <a:ea typeface="Cambria Math"/>
                             </a:rPr>
                           </m:ctrlPr>
@@ -7631,7 +7597,7 @@
                         <m:sSubPr>
                           <m:ctrlPr>
                             <a:rPr lang="en-US" sz="2400" i="1">
-                              <a:latin typeface="Cambria Math"/>
+                              <a:latin typeface="Cambria Math" panose="02040503050406030204" pitchFamily="18" charset="0"/>
                             </a:rPr>
                           </m:ctrlPr>
                         </m:sSubPr>
@@ -7676,7 +7642,7 @@
                         <m:dPr>
                           <m:ctrlPr>
                             <a:rPr lang="en-US" sz="2400" i="1">
-                              <a:latin typeface="Cambria Math"/>
+                              <a:latin typeface="Cambria Math" panose="02040503050406030204" pitchFamily="18" charset="0"/>
                               <a:ea typeface="Cambria Math"/>
                             </a:rPr>
                           </m:ctrlPr>
@@ -7695,7 +7661,7 @@
                         <m:dPr>
                           <m:ctrlPr>
                             <a:rPr lang="en-US" sz="2400" i="1">
-                              <a:latin typeface="Cambria Math"/>
+                              <a:latin typeface="Cambria Math" panose="02040503050406030204" pitchFamily="18" charset="0"/>
                               <a:ea typeface="Cambria Math"/>
                             </a:rPr>
                           </m:ctrlPr>
@@ -7712,7 +7678,7 @@
                     </m:oMath>
                   </m:oMathPara>
                 </a14:m>
-                <a:endParaRPr lang="en-US" sz="2400" b="1" dirty="0" smtClean="0"/>
+                <a:endParaRPr lang="en-US" sz="2400" b="1" dirty="0"/>
               </a:p>
               <a:p>
                 <a:pPr/>
@@ -7729,7 +7695,7 @@
                               <a:solidFill>
                                 <a:srgbClr val="FF0000"/>
                               </a:solidFill>
-                              <a:latin typeface="Cambria Math"/>
+                              <a:latin typeface="Cambria Math" panose="02040503050406030204" pitchFamily="18" charset="0"/>
                             </a:rPr>
                           </m:ctrlPr>
                         </m:sSubPr>
@@ -7858,7 +7824,7 @@
                     </m:oMath>
                   </m:oMathPara>
                 </a14:m>
-                <a:endParaRPr lang="en-US" sz="2400" b="1" dirty="0" smtClean="0">
+                <a:endParaRPr lang="en-US" sz="2400" b="1" dirty="0">
                   <a:solidFill>
                     <a:srgbClr val="FF0000"/>
                   </a:solidFill>
@@ -7931,16 +7897,16 @@
               <a:lstStyle/>
               <a:p>
                 <a:r>
-                  <a:rPr lang="en-US" sz="2800" b="1" i="1" dirty="0" smtClean="0"/>
+                  <a:rPr lang="en-US" sz="2800" b="1" i="1" dirty="0"/>
                   <a:t>Time t = 2:</a:t>
                 </a:r>
               </a:p>
               <a:p>
-                <a:endParaRPr lang="en-US" sz="1600" b="1" dirty="0" smtClean="0"/>
+                <a:endParaRPr lang="en-US" sz="1600" b="1" dirty="0"/>
               </a:p>
               <a:p>
                 <a:r>
-                  <a:rPr lang="en-US" sz="2400" dirty="0" smtClean="0"/>
+                  <a:rPr lang="en-US" sz="2400" dirty="0"/>
                   <a:t>Trend (</a:t>
                 </a:r>
                 <a14:m>
@@ -7949,7 +7915,7 @@
                       <m:sSubPr>
                         <m:ctrlPr>
                           <a:rPr lang="en-US" sz="2400" i="1">
-                            <a:latin typeface="Cambria Math"/>
+                            <a:latin typeface="Cambria Math" panose="02040503050406030204" pitchFamily="18" charset="0"/>
                           </a:rPr>
                         </m:ctrlPr>
                       </m:sSubPr>
@@ -7973,7 +7939,7 @@
                   </m:oMath>
                 </a14:m>
                 <a:r>
-                  <a:rPr lang="en-US" sz="2400" dirty="0" smtClean="0"/>
+                  <a:rPr lang="en-US" sz="2400" dirty="0"/>
                   <a:t>):</a:t>
                 </a:r>
                 <a14:m>
@@ -7982,7 +7948,7 @@
                       <m:sSubPr>
                         <m:ctrlPr>
                           <a:rPr lang="en-US" sz="2400" i="1">
-                            <a:latin typeface="Cambria Math"/>
+                            <a:latin typeface="Cambria Math" panose="02040503050406030204" pitchFamily="18" charset="0"/>
                           </a:rPr>
                         </m:ctrlPr>
                       </m:sSubPr>
@@ -8032,7 +7998,7 @@
                       <m:dPr>
                         <m:ctrlPr>
                           <a:rPr lang="en-US" sz="2400" i="1">
-                            <a:latin typeface="Cambria Math"/>
+                            <a:latin typeface="Cambria Math" panose="02040503050406030204" pitchFamily="18" charset="0"/>
                             <a:ea typeface="Cambria Math"/>
                           </a:rPr>
                         </m:ctrlPr>
@@ -8042,7 +8008,7 @@
                           <m:sSubPr>
                             <m:ctrlPr>
                               <a:rPr lang="en-US" sz="2400" i="1">
-                                <a:latin typeface="Cambria Math"/>
+                                <a:latin typeface="Cambria Math" panose="02040503050406030204" pitchFamily="18" charset="0"/>
                                 <a:ea typeface="Cambria Math"/>
                               </a:rPr>
                             </m:ctrlPr>
@@ -8077,7 +8043,7 @@
                           <m:sSubPr>
                             <m:ctrlPr>
                               <a:rPr lang="en-US" sz="2400" i="1">
-                                <a:latin typeface="Cambria Math"/>
+                                <a:latin typeface="Cambria Math" panose="02040503050406030204" pitchFamily="18" charset="0"/>
                                 <a:ea typeface="Cambria Math"/>
                               </a:rPr>
                             </m:ctrlPr>
@@ -8114,7 +8080,7 @@
                       <m:dPr>
                         <m:ctrlPr>
                           <a:rPr lang="en-US" sz="2400" i="1">
-                            <a:latin typeface="Cambria Math"/>
+                            <a:latin typeface="Cambria Math" panose="02040503050406030204" pitchFamily="18" charset="0"/>
                             <a:ea typeface="Cambria Math"/>
                           </a:rPr>
                         </m:ctrlPr>
@@ -8140,7 +8106,7 @@
                       <m:sSubPr>
                         <m:ctrlPr>
                           <a:rPr lang="en-US" sz="2400" i="1">
-                            <a:latin typeface="Cambria Math"/>
+                            <a:latin typeface="Cambria Math" panose="02040503050406030204" pitchFamily="18" charset="0"/>
                           </a:rPr>
                         </m:ctrlPr>
                       </m:sSubPr>
@@ -8163,19 +8129,19 @@
                     </m:sSub>
                   </m:oMath>
                 </a14:m>
-                <a:endParaRPr lang="en-US" sz="2800" dirty="0" smtClean="0"/>
+                <a:endParaRPr lang="en-US" sz="2800" dirty="0"/>
               </a:p>
               <a:p>
-                <a:endParaRPr lang="en-US" sz="2800" dirty="0" smtClean="0"/>
+                <a:endParaRPr lang="en-US" sz="2800" dirty="0"/>
               </a:p>
               <a:p>
                 <a:r>
-                  <a:rPr lang="en-US" sz="2800" i="1" dirty="0" smtClean="0"/>
+                  <a:rPr lang="en-US" sz="2800" i="1" dirty="0"/>
                   <a:t>Substituting the values:</a:t>
                 </a:r>
               </a:p>
               <a:p>
-                <a:endParaRPr lang="en-US" sz="2800" dirty="0" smtClean="0"/>
+                <a:endParaRPr lang="en-US" sz="2800" dirty="0"/>
               </a:p>
               <a:p>
                 <a:pPr/>
@@ -8189,7 +8155,7 @@
                         <m:sSubPr>
                           <m:ctrlPr>
                             <a:rPr lang="en-US" sz="2400" i="1">
-                              <a:latin typeface="Cambria Math"/>
+                              <a:latin typeface="Cambria Math" panose="02040503050406030204" pitchFamily="18" charset="0"/>
                             </a:rPr>
                           </m:ctrlPr>
                         </m:sSubPr>
@@ -8227,7 +8193,7 @@
                         <m:dPr>
                           <m:ctrlPr>
                             <a:rPr lang="en-US" sz="2400" i="1">
-                              <a:latin typeface="Cambria Math"/>
+                              <a:latin typeface="Cambria Math" panose="02040503050406030204" pitchFamily="18" charset="0"/>
                               <a:ea typeface="Cambria Math"/>
                             </a:rPr>
                           </m:ctrlPr>
@@ -8267,7 +8233,7 @@
                         <m:dPr>
                           <m:ctrlPr>
                             <a:rPr lang="en-US" sz="2400" i="1">
-                              <a:latin typeface="Cambria Math"/>
+                              <a:latin typeface="Cambria Math" panose="02040503050406030204" pitchFamily="18" charset="0"/>
                               <a:ea typeface="Cambria Math"/>
                             </a:rPr>
                           </m:ctrlPr>
@@ -8308,7 +8274,7 @@
                         <m:sSubPr>
                           <m:ctrlPr>
                             <a:rPr lang="en-US" sz="2400" i="1">
-                              <a:latin typeface="Cambria Math"/>
+                              <a:latin typeface="Cambria Math" panose="02040503050406030204" pitchFamily="18" charset="0"/>
                             </a:rPr>
                           </m:ctrlPr>
                         </m:sSubPr>
@@ -8346,7 +8312,7 @@
                         <m:dPr>
                           <m:ctrlPr>
                             <a:rPr lang="en-US" sz="2400" i="1">
-                              <a:latin typeface="Cambria Math"/>
+                              <a:latin typeface="Cambria Math" panose="02040503050406030204" pitchFamily="18" charset="0"/>
                               <a:ea typeface="Cambria Math"/>
                             </a:rPr>
                           </m:ctrlPr>
@@ -8371,7 +8337,7 @@
                         <m:dPr>
                           <m:ctrlPr>
                             <a:rPr lang="en-US" sz="2400" i="1">
-                              <a:latin typeface="Cambria Math"/>
+                              <a:latin typeface="Cambria Math" panose="02040503050406030204" pitchFamily="18" charset="0"/>
                               <a:ea typeface="Cambria Math"/>
                             </a:rPr>
                           </m:ctrlPr>
@@ -8394,7 +8360,7 @@
                     </m:oMath>
                   </m:oMathPara>
                 </a14:m>
-                <a:endParaRPr lang="en-US" sz="2400" b="1" dirty="0" smtClean="0"/>
+                <a:endParaRPr lang="en-US" sz="2400" b="1" dirty="0"/>
               </a:p>
               <a:p>
                 <a:pPr/>
@@ -8411,7 +8377,7 @@
                               <a:solidFill>
                                 <a:srgbClr val="FF0000"/>
                               </a:solidFill>
-                              <a:latin typeface="Cambria Math"/>
+                              <a:latin typeface="Cambria Math" panose="02040503050406030204" pitchFamily="18" charset="0"/>
                             </a:rPr>
                           </m:ctrlPr>
                         </m:sSubPr>
@@ -8540,7 +8506,7 @@
                     </m:oMath>
                   </m:oMathPara>
                 </a14:m>
-                <a:endParaRPr lang="en-US" sz="2400" b="1" dirty="0" smtClean="0">
+                <a:endParaRPr lang="en-US" sz="2400" b="1" dirty="0">
                   <a:solidFill>
                     <a:srgbClr val="FF0000"/>
                   </a:solidFill>
@@ -8598,13 +8564,6 @@
   <p:clrMapOvr>
     <a:masterClrMapping/>
   </p:clrMapOvr>
-  <p:timing>
-    <p:tnLst>
-      <p:par>
-        <p:cTn id="1" dur="indefinite" restart="never" nodeType="tmRoot"/>
-      </p:par>
-    </p:tnLst>
-  </p:timing>
 </p:sld>
 </file>
 
@@ -8648,24 +8607,23 @@
           <a:lstStyle/>
           <a:p>
             <a:r>
-              <a:rPr lang="en-US" sz="4400" b="1" dirty="0" smtClean="0"/>
+              <a:rPr lang="en-US" sz="4400" b="1" dirty="0"/>
               <a:t>Motivation:</a:t>
             </a:r>
-            <a:endParaRPr lang="en-US" sz="4400" b="1" dirty="0"/>
           </a:p>
           <a:p>
             <a:endParaRPr lang="en-US" sz="2400" b="1" dirty="0"/>
           </a:p>
           <a:p>
             <a:r>
-              <a:rPr lang="en-US" sz="4000" dirty="0" smtClean="0">
+              <a:rPr lang="en-US" sz="4000" dirty="0">
                 <a:latin typeface="+mj-lt"/>
                 <a:cs typeface="Arial" pitchFamily="34" charset="0"/>
               </a:rPr>
               <a:t>Forecasting is </a:t>
             </a:r>
             <a:r>
-              <a:rPr lang="en-US" sz="4000" dirty="0" smtClean="0">
+              <a:rPr lang="en-US" sz="4000" dirty="0">
                 <a:solidFill>
                   <a:srgbClr val="C00000"/>
                 </a:solidFill>
@@ -8675,7 +8633,7 @@
               <a:t>more than predicting numbers</a:t>
             </a:r>
             <a:r>
-              <a:rPr lang="en-US" sz="4000" dirty="0" smtClean="0">
+              <a:rPr lang="en-US" sz="4000" dirty="0">
                 <a:latin typeface="+mj-lt"/>
                 <a:cs typeface="Arial" pitchFamily="34" charset="0"/>
               </a:rPr>
@@ -8914,16 +8872,16 @@
               <a:lstStyle/>
               <a:p>
                 <a:r>
-                  <a:rPr lang="en-US" sz="2800" b="1" i="1" dirty="0" smtClean="0"/>
+                  <a:rPr lang="en-US" sz="2800" b="1" i="1" dirty="0"/>
                   <a:t>Time t = 3:</a:t>
                 </a:r>
               </a:p>
               <a:p>
-                <a:endParaRPr lang="en-US" sz="1600" b="1" dirty="0" smtClean="0"/>
+                <a:endParaRPr lang="en-US" sz="1600" b="1" dirty="0"/>
               </a:p>
               <a:p>
                 <a:r>
-                  <a:rPr lang="en-US" sz="2400" dirty="0" smtClean="0"/>
+                  <a:rPr lang="en-US" sz="2400" dirty="0"/>
                   <a:t>Level (</a:t>
                 </a:r>
                 <a14:m>
@@ -8932,7 +8890,7 @@
                       <m:sSubPr>
                         <m:ctrlPr>
                           <a:rPr lang="en-US" sz="2400" i="1">
-                            <a:latin typeface="Cambria Math"/>
+                            <a:latin typeface="Cambria Math" panose="02040503050406030204" pitchFamily="18" charset="0"/>
                           </a:rPr>
                         </m:ctrlPr>
                       </m:sSubPr>
@@ -8956,7 +8914,7 @@
                   </m:oMath>
                 </a14:m>
                 <a:r>
-                  <a:rPr lang="en-US" sz="2400" dirty="0" smtClean="0"/>
+                  <a:rPr lang="en-US" sz="2400" dirty="0"/>
                   <a:t>): </a:t>
                 </a:r>
                 <a14:m>
@@ -8965,7 +8923,7 @@
                       <m:sSubPr>
                         <m:ctrlPr>
                           <a:rPr lang="en-US" sz="2400" i="1">
-                            <a:latin typeface="Cambria Math"/>
+                            <a:latin typeface="Cambria Math" panose="02040503050406030204" pitchFamily="18" charset="0"/>
                           </a:rPr>
                         </m:ctrlPr>
                       </m:sSubPr>
@@ -9003,7 +8961,7 @@
                       <m:sSubPr>
                         <m:ctrlPr>
                           <a:rPr lang="en-US" sz="2400" i="1">
-                            <a:latin typeface="Cambria Math"/>
+                            <a:latin typeface="Cambria Math" panose="02040503050406030204" pitchFamily="18" charset="0"/>
                             <a:ea typeface="Cambria Math"/>
                           </a:rPr>
                         </m:ctrlPr>
@@ -9038,7 +8996,7 @@
                       <m:dPr>
                         <m:ctrlPr>
                           <a:rPr lang="en-US" sz="2400" i="1">
-                            <a:latin typeface="Cambria Math"/>
+                            <a:latin typeface="Cambria Math" panose="02040503050406030204" pitchFamily="18" charset="0"/>
                             <a:ea typeface="Cambria Math"/>
                           </a:rPr>
                         </m:ctrlPr>
@@ -9071,7 +9029,7 @@
                       <m:dPr>
                         <m:ctrlPr>
                           <a:rPr lang="en-US" sz="2400" i="1">
-                            <a:latin typeface="Cambria Math"/>
+                            <a:latin typeface="Cambria Math" panose="02040503050406030204" pitchFamily="18" charset="0"/>
                             <a:ea typeface="Cambria Math"/>
                           </a:rPr>
                         </m:ctrlPr>
@@ -9081,7 +9039,7 @@
                           <m:sSubPr>
                             <m:ctrlPr>
                               <a:rPr lang="en-US" sz="2400" i="1">
-                                <a:latin typeface="Cambria Math"/>
+                                <a:latin typeface="Cambria Math" panose="02040503050406030204" pitchFamily="18" charset="0"/>
                               </a:rPr>
                             </m:ctrlPr>
                           </m:sSubPr>
@@ -9112,7 +9070,7 @@
                           <m:sSubPr>
                             <m:ctrlPr>
                               <a:rPr lang="en-US" sz="2400" i="1">
-                                <a:latin typeface="Cambria Math"/>
+                                <a:latin typeface="Cambria Math" panose="02040503050406030204" pitchFamily="18" charset="0"/>
                               </a:rPr>
                             </m:ctrlPr>
                           </m:sSubPr>
@@ -9137,19 +9095,19 @@
                     </m:d>
                   </m:oMath>
                 </a14:m>
-                <a:endParaRPr lang="en-US" sz="2800" dirty="0" smtClean="0"/>
+                <a:endParaRPr lang="en-US" sz="2800" dirty="0"/>
               </a:p>
               <a:p>
-                <a:endParaRPr lang="en-US" sz="2800" dirty="0" smtClean="0"/>
+                <a:endParaRPr lang="en-US" sz="2800" dirty="0"/>
               </a:p>
               <a:p>
                 <a:r>
-                  <a:rPr lang="en-US" sz="2800" i="1" dirty="0" smtClean="0"/>
+                  <a:rPr lang="en-US" sz="2800" i="1" dirty="0"/>
                   <a:t>Substituting the values:</a:t>
                 </a:r>
               </a:p>
               <a:p>
-                <a:endParaRPr lang="en-US" sz="2800" dirty="0" smtClean="0"/>
+                <a:endParaRPr lang="en-US" sz="2800" dirty="0"/>
               </a:p>
               <a:p>
                 <a:pPr/>
@@ -9163,7 +9121,7 @@
                         <m:sSubPr>
                           <m:ctrlPr>
                             <a:rPr lang="en-US" sz="2400" i="1">
-                              <a:latin typeface="Cambria Math"/>
+                              <a:latin typeface="Cambria Math" panose="02040503050406030204" pitchFamily="18" charset="0"/>
                               <a:ea typeface="Cambria Math"/>
                             </a:rPr>
                           </m:ctrlPr>
@@ -9212,7 +9170,7 @@
                         <m:dPr>
                           <m:ctrlPr>
                             <a:rPr lang="en-US" sz="2400" i="1">
-                              <a:latin typeface="Cambria Math"/>
+                              <a:latin typeface="Cambria Math" panose="02040503050406030204" pitchFamily="18" charset="0"/>
                               <a:ea typeface="Cambria Math"/>
                             </a:rPr>
                           </m:ctrlPr>
@@ -9241,7 +9199,7 @@
                         <m:dPr>
                           <m:ctrlPr>
                             <a:rPr lang="en-US" sz="2400" i="1">
-                              <a:latin typeface="Cambria Math"/>
+                              <a:latin typeface="Cambria Math" panose="02040503050406030204" pitchFamily="18" charset="0"/>
                               <a:ea typeface="Cambria Math"/>
                             </a:rPr>
                           </m:ctrlPr>
@@ -9290,7 +9248,7 @@
                         <m:sSubPr>
                           <m:ctrlPr>
                             <a:rPr lang="en-US" sz="2400" i="1">
-                              <a:latin typeface="Cambria Math"/>
+                              <a:latin typeface="Cambria Math" panose="02040503050406030204" pitchFamily="18" charset="0"/>
                             </a:rPr>
                           </m:ctrlPr>
                         </m:sSubPr>
@@ -9335,7 +9293,7 @@
                         <m:dPr>
                           <m:ctrlPr>
                             <a:rPr lang="en-US" sz="2400" i="1">
-                              <a:latin typeface="Cambria Math"/>
+                              <a:latin typeface="Cambria Math" panose="02040503050406030204" pitchFamily="18" charset="0"/>
                               <a:ea typeface="Cambria Math"/>
                             </a:rPr>
                           </m:ctrlPr>
@@ -9354,7 +9312,7 @@
                         <m:dPr>
                           <m:ctrlPr>
                             <a:rPr lang="en-US" sz="2400" i="1">
-                              <a:latin typeface="Cambria Math"/>
+                              <a:latin typeface="Cambria Math" panose="02040503050406030204" pitchFamily="18" charset="0"/>
                               <a:ea typeface="Cambria Math"/>
                             </a:rPr>
                           </m:ctrlPr>
@@ -9377,7 +9335,7 @@
                     </m:oMath>
                   </m:oMathPara>
                 </a14:m>
-                <a:endParaRPr lang="en-US" sz="2400" b="1" dirty="0" smtClean="0"/>
+                <a:endParaRPr lang="en-US" sz="2400" b="1" dirty="0"/>
               </a:p>
               <a:p>
                 <a:pPr/>
@@ -9394,7 +9352,7 @@
                               <a:solidFill>
                                 <a:srgbClr val="FF0000"/>
                               </a:solidFill>
-                              <a:latin typeface="Cambria Math"/>
+                              <a:latin typeface="Cambria Math" panose="02040503050406030204" pitchFamily="18" charset="0"/>
                             </a:rPr>
                           </m:ctrlPr>
                         </m:sSubPr>
@@ -9523,7 +9481,7 @@
                     </m:oMath>
                   </m:oMathPara>
                 </a14:m>
-                <a:endParaRPr lang="en-US" sz="2400" b="1" dirty="0" smtClean="0">
+                <a:endParaRPr lang="en-US" sz="2400" b="1" dirty="0">
                   <a:solidFill>
                     <a:srgbClr val="FF0000"/>
                   </a:solidFill>
@@ -9596,16 +9554,16 @@
               <a:lstStyle/>
               <a:p>
                 <a:r>
-                  <a:rPr lang="en-US" sz="2800" b="1" i="1" dirty="0" smtClean="0"/>
+                  <a:rPr lang="en-US" sz="2800" b="1" i="1" dirty="0"/>
                   <a:t>Time t = 3:</a:t>
                 </a:r>
               </a:p>
               <a:p>
-                <a:endParaRPr lang="en-US" sz="1600" b="1" dirty="0" smtClean="0"/>
+                <a:endParaRPr lang="en-US" sz="1600" b="1" dirty="0"/>
               </a:p>
               <a:p>
                 <a:r>
-                  <a:rPr lang="en-US" sz="2400" dirty="0" smtClean="0"/>
+                  <a:rPr lang="en-US" sz="2400" dirty="0"/>
                   <a:t>Trend (</a:t>
                 </a:r>
                 <a14:m>
@@ -9614,7 +9572,7 @@
                       <m:sSubPr>
                         <m:ctrlPr>
                           <a:rPr lang="en-US" sz="2400" i="1">
-                            <a:latin typeface="Cambria Math"/>
+                            <a:latin typeface="Cambria Math" panose="02040503050406030204" pitchFamily="18" charset="0"/>
                           </a:rPr>
                         </m:ctrlPr>
                       </m:sSubPr>
@@ -9638,7 +9596,7 @@
                   </m:oMath>
                 </a14:m>
                 <a:r>
-                  <a:rPr lang="en-US" sz="2400" dirty="0" smtClean="0"/>
+                  <a:rPr lang="en-US" sz="2400" dirty="0"/>
                   <a:t>):</a:t>
                 </a:r>
                 <a14:m>
@@ -9647,7 +9605,7 @@
                       <m:sSubPr>
                         <m:ctrlPr>
                           <a:rPr lang="en-US" sz="2400" i="1">
-                            <a:latin typeface="Cambria Math"/>
+                            <a:latin typeface="Cambria Math" panose="02040503050406030204" pitchFamily="18" charset="0"/>
                           </a:rPr>
                         </m:ctrlPr>
                       </m:sSubPr>
@@ -9691,7 +9649,7 @@
                       <m:dPr>
                         <m:ctrlPr>
                           <a:rPr lang="en-US" sz="2400" i="1">
-                            <a:latin typeface="Cambria Math"/>
+                            <a:latin typeface="Cambria Math" panose="02040503050406030204" pitchFamily="18" charset="0"/>
                             <a:ea typeface="Cambria Math"/>
                           </a:rPr>
                         </m:ctrlPr>
@@ -9701,7 +9659,7 @@
                           <m:sSubPr>
                             <m:ctrlPr>
                               <a:rPr lang="en-US" sz="2400" i="1">
-                                <a:latin typeface="Cambria Math"/>
+                                <a:latin typeface="Cambria Math" panose="02040503050406030204" pitchFamily="18" charset="0"/>
                                 <a:ea typeface="Cambria Math"/>
                               </a:rPr>
                             </m:ctrlPr>
@@ -9736,7 +9694,7 @@
                           <m:sSubPr>
                             <m:ctrlPr>
                               <a:rPr lang="en-US" sz="2400" i="1">
-                                <a:latin typeface="Cambria Math"/>
+                                <a:latin typeface="Cambria Math" panose="02040503050406030204" pitchFamily="18" charset="0"/>
                                 <a:ea typeface="Cambria Math"/>
                               </a:rPr>
                             </m:ctrlPr>
@@ -9773,7 +9731,7 @@
                       <m:dPr>
                         <m:ctrlPr>
                           <a:rPr lang="en-US" sz="2400" i="1">
-                            <a:latin typeface="Cambria Math"/>
+                            <a:latin typeface="Cambria Math" panose="02040503050406030204" pitchFamily="18" charset="0"/>
                             <a:ea typeface="Cambria Math"/>
                           </a:rPr>
                         </m:ctrlPr>
@@ -9799,7 +9757,7 @@
                       <m:sSubPr>
                         <m:ctrlPr>
                           <a:rPr lang="en-US" sz="2400" i="1">
-                            <a:latin typeface="Cambria Math"/>
+                            <a:latin typeface="Cambria Math" panose="02040503050406030204" pitchFamily="18" charset="0"/>
                           </a:rPr>
                         </m:ctrlPr>
                       </m:sSubPr>
@@ -9822,19 +9780,19 @@
                     </m:sSub>
                   </m:oMath>
                 </a14:m>
-                <a:endParaRPr lang="en-US" sz="2800" dirty="0" smtClean="0"/>
+                <a:endParaRPr lang="en-US" sz="2800" dirty="0"/>
               </a:p>
               <a:p>
-                <a:endParaRPr lang="en-US" sz="2800" dirty="0" smtClean="0"/>
+                <a:endParaRPr lang="en-US" sz="2800" dirty="0"/>
               </a:p>
               <a:p>
                 <a:r>
-                  <a:rPr lang="en-US" sz="2800" i="1" dirty="0" smtClean="0"/>
+                  <a:rPr lang="en-US" sz="2800" i="1" dirty="0"/>
                   <a:t>Substituting the values:</a:t>
                 </a:r>
               </a:p>
               <a:p>
-                <a:endParaRPr lang="en-US" sz="2800" dirty="0" smtClean="0"/>
+                <a:endParaRPr lang="en-US" sz="2800" dirty="0"/>
               </a:p>
               <a:p>
                 <a:pPr/>
@@ -9848,7 +9806,7 @@
                         <m:sSubPr>
                           <m:ctrlPr>
                             <a:rPr lang="en-US" sz="2400" i="1">
-                              <a:latin typeface="Cambria Math"/>
+                              <a:latin typeface="Cambria Math" panose="02040503050406030204" pitchFamily="18" charset="0"/>
                             </a:rPr>
                           </m:ctrlPr>
                         </m:sSubPr>
@@ -9886,7 +9844,7 @@
                         <m:dPr>
                           <m:ctrlPr>
                             <a:rPr lang="en-US" sz="2400" i="1">
-                              <a:latin typeface="Cambria Math"/>
+                              <a:latin typeface="Cambria Math" panose="02040503050406030204" pitchFamily="18" charset="0"/>
                               <a:ea typeface="Cambria Math"/>
                             </a:rPr>
                           </m:ctrlPr>
@@ -9926,7 +9884,7 @@
                         <m:dPr>
                           <m:ctrlPr>
                             <a:rPr lang="en-US" sz="2400" i="1">
-                              <a:latin typeface="Cambria Math"/>
+                              <a:latin typeface="Cambria Math" panose="02040503050406030204" pitchFamily="18" charset="0"/>
                               <a:ea typeface="Cambria Math"/>
                             </a:rPr>
                           </m:ctrlPr>
@@ -9967,7 +9925,7 @@
                         <m:sSubPr>
                           <m:ctrlPr>
                             <a:rPr lang="en-US" sz="2400" i="1">
-                              <a:latin typeface="Cambria Math"/>
+                              <a:latin typeface="Cambria Math" panose="02040503050406030204" pitchFamily="18" charset="0"/>
                             </a:rPr>
                           </m:ctrlPr>
                         </m:sSubPr>
@@ -10005,7 +9963,7 @@
                         <m:dPr>
                           <m:ctrlPr>
                             <a:rPr lang="en-US" sz="2400" i="1">
-                              <a:latin typeface="Cambria Math"/>
+                              <a:latin typeface="Cambria Math" panose="02040503050406030204" pitchFamily="18" charset="0"/>
                               <a:ea typeface="Cambria Math"/>
                             </a:rPr>
                           </m:ctrlPr>
@@ -10030,7 +9988,7 @@
                         <m:dPr>
                           <m:ctrlPr>
                             <a:rPr lang="en-US" sz="2400" i="1">
-                              <a:latin typeface="Cambria Math"/>
+                              <a:latin typeface="Cambria Math" panose="02040503050406030204" pitchFamily="18" charset="0"/>
                               <a:ea typeface="Cambria Math"/>
                             </a:rPr>
                           </m:ctrlPr>
@@ -10053,7 +10011,7 @@
                     </m:oMath>
                   </m:oMathPara>
                 </a14:m>
-                <a:endParaRPr lang="en-US" sz="2400" b="1" dirty="0" smtClean="0"/>
+                <a:endParaRPr lang="en-US" sz="2400" b="1" dirty="0"/>
               </a:p>
               <a:p>
                 <a:pPr/>
@@ -10070,7 +10028,7 @@
                               <a:solidFill>
                                 <a:srgbClr val="FF0000"/>
                               </a:solidFill>
-                              <a:latin typeface="Cambria Math"/>
+                              <a:latin typeface="Cambria Math" panose="02040503050406030204" pitchFamily="18" charset="0"/>
                             </a:rPr>
                           </m:ctrlPr>
                         </m:sSubPr>
@@ -10199,7 +10157,7 @@
                     </m:oMath>
                   </m:oMathPara>
                 </a14:m>
-                <a:endParaRPr lang="en-US" sz="2400" b="1" dirty="0" smtClean="0">
+                <a:endParaRPr lang="en-US" sz="2400" b="1" dirty="0">
                   <a:solidFill>
                     <a:srgbClr val="FF0000"/>
                   </a:solidFill>
@@ -10257,13 +10215,6 @@
   <p:clrMapOvr>
     <a:masterClrMapping/>
   </p:clrMapOvr>
-  <p:timing>
-    <p:tnLst>
-      <p:par>
-        <p:cTn id="1" dur="indefinite" restart="never" nodeType="tmRoot"/>
-      </p:par>
-    </p:tnLst>
-  </p:timing>
 </p:sld>
 </file>
 
@@ -10338,16 +10289,16 @@
               <a:lstStyle/>
               <a:p>
                 <a:r>
-                  <a:rPr lang="en-US" sz="2800" b="1" i="1" dirty="0" smtClean="0"/>
+                  <a:rPr lang="en-US" sz="2800" b="1" i="1" dirty="0"/>
                   <a:t>Forecasting (t = 4)</a:t>
                 </a:r>
               </a:p>
               <a:p>
-                <a:endParaRPr lang="en-US" sz="1600" b="1" dirty="0" smtClean="0"/>
+                <a:endParaRPr lang="en-US" sz="1600" b="1" dirty="0"/>
               </a:p>
               <a:p>
                 <a:r>
-                  <a:rPr lang="en-US" sz="2400" dirty="0" smtClean="0"/>
+                  <a:rPr lang="en-US" sz="2400" dirty="0"/>
                   <a:t>Forecast (</a:t>
                 </a:r>
                 <a14:m>
@@ -10356,7 +10307,7 @@
                       <m:sSubPr>
                         <m:ctrlPr>
                           <a:rPr lang="en-US" sz="2400" i="1">
-                            <a:latin typeface="Cambria Math"/>
+                            <a:latin typeface="Cambria Math" panose="02040503050406030204" pitchFamily="18" charset="0"/>
                           </a:rPr>
                         </m:ctrlPr>
                       </m:sSubPr>
@@ -10380,7 +10331,7 @@
                   </m:oMath>
                 </a14:m>
                 <a:r>
-                  <a:rPr lang="en-US" sz="2400" dirty="0" smtClean="0"/>
+                  <a:rPr lang="en-US" sz="2400" dirty="0"/>
                   <a:t>): </a:t>
                 </a:r>
                 <a14:m>
@@ -10389,7 +10340,7 @@
                       <m:sSubPr>
                         <m:ctrlPr>
                           <a:rPr lang="en-US" sz="2400" i="1" smtClean="0">
-                            <a:latin typeface="Cambria Math"/>
+                            <a:latin typeface="Cambria Math" panose="02040503050406030204" pitchFamily="18" charset="0"/>
                           </a:rPr>
                         </m:ctrlPr>
                       </m:sSubPr>
@@ -10420,7 +10371,7 @@
                       <m:sSubPr>
                         <m:ctrlPr>
                           <a:rPr lang="en-US" sz="2400" i="1">
-                            <a:latin typeface="Cambria Math"/>
+                            <a:latin typeface="Cambria Math" panose="02040503050406030204" pitchFamily="18" charset="0"/>
                           </a:rPr>
                         </m:ctrlPr>
                       </m:sSubPr>
@@ -10444,7 +10395,7 @@
                   </m:oMath>
                 </a14:m>
                 <a:r>
-                  <a:rPr lang="en-US" sz="2800" dirty="0" smtClean="0"/>
+                  <a:rPr lang="en-US" sz="2800" dirty="0"/>
                   <a:t> + </a:t>
                 </a:r>
                 <a14:m>
@@ -10453,7 +10404,7 @@
                       <m:sSubPr>
                         <m:ctrlPr>
                           <a:rPr lang="en-US" sz="2800" i="1">
-                            <a:latin typeface="Cambria Math"/>
+                            <a:latin typeface="Cambria Math" panose="02040503050406030204" pitchFamily="18" charset="0"/>
                           </a:rPr>
                         </m:ctrlPr>
                       </m:sSubPr>
@@ -10476,19 +10427,19 @@
                     </m:sSub>
                   </m:oMath>
                 </a14:m>
-                <a:endParaRPr lang="en-US" sz="2800" dirty="0" smtClean="0"/>
+                <a:endParaRPr lang="en-US" sz="2800" dirty="0"/>
               </a:p>
               <a:p>
-                <a:endParaRPr lang="en-US" sz="2800" i="1" dirty="0" smtClean="0"/>
+                <a:endParaRPr lang="en-US" sz="2800" i="1" dirty="0"/>
               </a:p>
               <a:p>
                 <a:r>
-                  <a:rPr lang="en-US" sz="2800" i="1" dirty="0" smtClean="0"/>
+                  <a:rPr lang="en-US" sz="2800" i="1" dirty="0"/>
                   <a:t>Substituting the values:</a:t>
                 </a:r>
               </a:p>
               <a:p>
-                <a:endParaRPr lang="en-US" sz="2800" dirty="0" smtClean="0"/>
+                <a:endParaRPr lang="en-US" sz="2800" dirty="0"/>
               </a:p>
               <a:p>
                 <a:pPr/>
@@ -10502,7 +10453,7 @@
                         <m:sSubPr>
                           <m:ctrlPr>
                             <a:rPr lang="en-US" sz="2400" i="1">
-                              <a:latin typeface="Cambria Math"/>
+                              <a:latin typeface="Cambria Math" panose="02040503050406030204" pitchFamily="18" charset="0"/>
                             </a:rPr>
                           </m:ctrlPr>
                         </m:sSubPr>
@@ -10533,7 +10484,7 @@
                         <m:sSubPr>
                           <m:ctrlPr>
                             <a:rPr lang="en-US" sz="2400" i="1">
-                              <a:latin typeface="Cambria Math"/>
+                              <a:latin typeface="Cambria Math" panose="02040503050406030204" pitchFamily="18" charset="0"/>
                             </a:rPr>
                           </m:ctrlPr>
                         </m:sSubPr>
@@ -10565,7 +10516,7 @@
                         <m:sSubPr>
                           <m:ctrlPr>
                             <a:rPr lang="en-US" sz="2800" i="1">
-                              <a:latin typeface="Cambria Math"/>
+                              <a:latin typeface="Cambria Math" panose="02040503050406030204" pitchFamily="18" charset="0"/>
                             </a:rPr>
                           </m:ctrlPr>
                         </m:sSubPr>
@@ -10606,7 +10557,7 @@
                         <m:sSubPr>
                           <m:ctrlPr>
                             <a:rPr lang="en-US" sz="2400" i="1">
-                              <a:latin typeface="Cambria Math"/>
+                              <a:latin typeface="Cambria Math" panose="02040503050406030204" pitchFamily="18" charset="0"/>
                             </a:rPr>
                           </m:ctrlPr>
                         </m:sSubPr>
@@ -10657,7 +10608,7 @@
                     </m:oMath>
                   </m:oMathPara>
                 </a14:m>
-                <a:endParaRPr lang="en-US" sz="2400" b="1" dirty="0" smtClean="0"/>
+                <a:endParaRPr lang="en-US" sz="2400" b="1" dirty="0"/>
               </a:p>
               <a:p>
                 <a:pPr/>
@@ -10674,7 +10625,7 @@
                               <a:solidFill>
                                 <a:srgbClr val="FF0000"/>
                               </a:solidFill>
-                              <a:latin typeface="Cambria Math"/>
+                              <a:latin typeface="Cambria Math" panose="02040503050406030204" pitchFamily="18" charset="0"/>
                             </a:rPr>
                           </m:ctrlPr>
                         </m:sSubPr>
@@ -10723,7 +10674,7 @@
                     </m:oMath>
                   </m:oMathPara>
                 </a14:m>
-                <a:endParaRPr lang="en-US" sz="2400" b="1" dirty="0" smtClean="0">
+                <a:endParaRPr lang="en-US" sz="2400" b="1" dirty="0">
                   <a:solidFill>
                     <a:srgbClr val="FF0000"/>
                   </a:solidFill>
@@ -10781,13 +10732,6 @@
   <p:clrMapOvr>
     <a:masterClrMapping/>
   </p:clrMapOvr>
-  <p:timing>
-    <p:tnLst>
-      <p:par>
-        <p:cTn id="1" dur="indefinite" restart="never" nodeType="tmRoot"/>
-      </p:par>
-    </p:tnLst>
-  </p:timing>
 </p:sld>
 </file>
 
@@ -10831,10 +10775,9 @@
           <a:lstStyle/>
           <a:p>
             <a:r>
-              <a:rPr lang="en-US" sz="3600" b="1" dirty="0" smtClean="0"/>
+              <a:rPr lang="en-US" sz="3600" b="1" dirty="0"/>
               <a:t>Triple Exponential Smoothing (Holt-Winter’s Method)</a:t>
             </a:r>
-            <a:endParaRPr lang="en-US" sz="3600" b="1" dirty="0"/>
           </a:p>
           <a:p>
             <a:endParaRPr lang="en-US" sz="2400" b="1" dirty="0"/>
@@ -10845,7 +10788,7 @@
               <a:buChar char="-"/>
             </a:pPr>
             <a:r>
-              <a:rPr lang="en-US" sz="3200" dirty="0" smtClean="0">
+              <a:rPr lang="en-US" sz="3200" dirty="0">
                 <a:latin typeface="+mj-lt"/>
                 <a:cs typeface="Arial" pitchFamily="34" charset="0"/>
               </a:rPr>
@@ -10861,7 +10804,7 @@
               <a:buFontTx/>
               <a:buChar char="-"/>
             </a:pPr>
-            <a:endParaRPr lang="en-US" sz="3200" dirty="0" smtClean="0">
+            <a:endParaRPr lang="en-US" sz="3200" dirty="0">
               <a:latin typeface="+mj-lt"/>
               <a:cs typeface="Arial" pitchFamily="34" charset="0"/>
             </a:endParaRPr>
@@ -10872,13 +10815,13 @@
               <a:buChar char="-"/>
             </a:pPr>
             <a:r>
-              <a:rPr lang="en-US" sz="2800" dirty="0" smtClean="0">
+              <a:rPr lang="en-US" sz="2800" dirty="0">
                 <a:latin typeface="+mj-lt"/>
                 <a:cs typeface="Arial" pitchFamily="34" charset="0"/>
               </a:rPr>
               <a:t>Computationally intensive, requiring more historical data and careful parameter tuning</a:t>
             </a:r>
-            <a:endParaRPr lang="en-US" sz="3200" dirty="0" smtClean="0">
+            <a:endParaRPr lang="en-US" sz="3200" dirty="0">
               <a:latin typeface="+mj-lt"/>
               <a:cs typeface="Arial" pitchFamily="34" charset="0"/>
             </a:endParaRPr>
@@ -10895,13 +10838,6 @@
   <p:clrMapOvr>
     <a:masterClrMapping/>
   </p:clrMapOvr>
-  <p:timing>
-    <p:tnLst>
-      <p:par>
-        <p:cTn id="1" dur="indefinite" restart="never" nodeType="tmRoot"/>
-      </p:par>
-    </p:tnLst>
-  </p:timing>
 </p:sld>
 </file>
 
@@ -10945,20 +10881,8 @@
           <a:lstStyle/>
           <a:p>
             <a:r>
-              <a:rPr lang="en-US" sz="3600" b="1" dirty="0" smtClean="0"/>
-              <a:t>Triple </a:t>
-            </a:r>
-            <a:r>
               <a:rPr lang="en-US" sz="3600" b="1" dirty="0"/>
-              <a:t>Exponential Smoothing (</a:t>
-            </a:r>
-            <a:r>
-              <a:rPr lang="en-US" sz="3600" b="1" dirty="0" smtClean="0"/>
-              <a:t>Holt-Winter’s </a:t>
-            </a:r>
-            <a:r>
-              <a:rPr lang="en-US" sz="3600" b="1" dirty="0"/>
-              <a:t>Method)</a:t>
+              <a:t>Triple Exponential Smoothing (Holt-Winter’s Method)</a:t>
             </a:r>
           </a:p>
         </p:txBody>
@@ -10988,26 +10912,26 @@
               <a:lstStyle/>
               <a:p>
                 <a:r>
-                  <a:rPr lang="en-US" sz="2800" b="1" dirty="0" smtClean="0"/>
+                  <a:rPr lang="en-US" sz="2800" b="1" dirty="0"/>
                   <a:t>Formula and Parameters:</a:t>
                 </a:r>
-                <a:endParaRPr lang="en-US" sz="2400" b="1" dirty="0" smtClean="0"/>
+                <a:endParaRPr lang="en-US" sz="2400" b="1" dirty="0"/>
               </a:p>
               <a:p>
                 <a:r>
-                  <a:rPr lang="en-US" sz="2800" dirty="0" smtClean="0"/>
+                  <a:rPr lang="en-US" sz="2800" dirty="0"/>
                   <a:t>The HW involves three main equations:</a:t>
                 </a:r>
               </a:p>
               <a:p>
-                <a:endParaRPr lang="en-US" sz="1200" dirty="0" smtClean="0"/>
+                <a:endParaRPr lang="en-US" sz="1200" dirty="0"/>
               </a:p>
               <a:p>
                 <a:pPr marL="514350" indent="-514350">
                   <a:buAutoNum type="arabicPeriod"/>
                 </a:pPr>
                 <a:r>
-                  <a:rPr lang="en-US" sz="2800" b="1" dirty="0" smtClean="0"/>
+                  <a:rPr lang="en-US" sz="2800" b="1" dirty="0"/>
                   <a:t>Level </a:t>
                 </a:r>
                 <a14:m>
@@ -11016,7 +10940,7 @@
                       <m:sSubPr>
                         <m:ctrlPr>
                           <a:rPr lang="en-US" sz="2800" b="0" i="1" smtClean="0">
-                            <a:latin typeface="Cambria Math"/>
+                            <a:latin typeface="Cambria Math" panose="02040503050406030204" pitchFamily="18" charset="0"/>
                           </a:rPr>
                         </m:ctrlPr>
                       </m:sSubPr>
@@ -11046,11 +10970,11 @@
                   </m:oMath>
                 </a14:m>
                 <a:r>
-                  <a:rPr lang="en-US" sz="2800" b="1" dirty="0" smtClean="0"/>
+                  <a:rPr lang="en-US" sz="2800" b="1" dirty="0"/>
                   <a:t>  </a:t>
                 </a:r>
                 <a:r>
-                  <a:rPr lang="en-US" sz="2800" dirty="0" smtClean="0"/>
+                  <a:rPr lang="en-US" sz="2800" dirty="0"/>
                   <a:t>The smoothed value of the series at time t.</a:t>
                 </a:r>
               </a:p>
@@ -11059,7 +10983,7 @@
                   <a:buAutoNum type="arabicPeriod"/>
                 </a:pPr>
                 <a:r>
-                  <a:rPr lang="en-US" sz="2800" b="1" dirty="0" smtClean="0"/>
+                  <a:rPr lang="en-US" sz="2800" b="1" dirty="0"/>
                   <a:t>Trend </a:t>
                 </a:r>
                 <a14:m>
@@ -11068,7 +10992,7 @@
                       <m:sSubPr>
                         <m:ctrlPr>
                           <a:rPr lang="en-US" sz="2800" i="1" smtClean="0">
-                            <a:latin typeface="Cambria Math"/>
+                            <a:latin typeface="Cambria Math" panose="02040503050406030204" pitchFamily="18" charset="0"/>
                           </a:rPr>
                         </m:ctrlPr>
                       </m:sSubPr>
@@ -11098,11 +11022,11 @@
                   </m:oMath>
                 </a14:m>
                 <a:r>
-                  <a:rPr lang="en-US" sz="2800" i="1" dirty="0" smtClean="0"/>
+                  <a:rPr lang="en-US" sz="2800" i="1" dirty="0"/>
                   <a:t> </a:t>
                 </a:r>
                 <a:r>
-                  <a:rPr lang="en-US" sz="2800" dirty="0" smtClean="0"/>
+                  <a:rPr lang="en-US" sz="2800" dirty="0"/>
                   <a:t>Captures the direction and rate of change in the series</a:t>
                 </a:r>
               </a:p>
@@ -11111,7 +11035,7 @@
                   <a:buAutoNum type="arabicPeriod"/>
                 </a:pPr>
                 <a:r>
-                  <a:rPr lang="en-US" sz="2800" b="1" dirty="0" smtClean="0"/>
+                  <a:rPr lang="en-US" sz="2800" b="1" dirty="0"/>
                   <a:t>Seasonality </a:t>
                 </a:r>
                 <a14:m>
@@ -11120,7 +11044,7 @@
                       <m:sSubPr>
                         <m:ctrlPr>
                           <a:rPr lang="en-US" sz="2800" i="1">
-                            <a:latin typeface="Cambria Math"/>
+                            <a:latin typeface="Cambria Math" panose="02040503050406030204" pitchFamily="18" charset="0"/>
                           </a:rPr>
                         </m:ctrlPr>
                       </m:sSubPr>
@@ -11144,20 +11068,20 @@
                   </m:oMath>
                 </a14:m>
                 <a:r>
-                  <a:rPr lang="en-US" sz="2800" b="1" dirty="0" smtClean="0"/>
+                  <a:rPr lang="en-US" sz="2800" b="1" dirty="0"/>
                   <a:t>: </a:t>
                 </a:r>
                 <a:r>
-                  <a:rPr lang="en-US" sz="2800" dirty="0" smtClean="0"/>
+                  <a:rPr lang="en-US" sz="2800" dirty="0"/>
                   <a:t>Accounts for repeating patterns or cycles in the data</a:t>
                 </a:r>
               </a:p>
               <a:p>
-                <a:endParaRPr lang="en-US" sz="2800" i="1" dirty="0" smtClean="0"/>
+                <a:endParaRPr lang="en-US" sz="2800" i="1" dirty="0"/>
               </a:p>
               <a:p>
                 <a:r>
-                  <a:rPr lang="en-US" sz="2800" dirty="0" smtClean="0"/>
+                  <a:rPr lang="en-US" sz="2800" dirty="0"/>
                   <a:t>There are two variations of HW:</a:t>
                 </a:r>
               </a:p>
@@ -11166,7 +11090,7 @@
                   <a:buAutoNum type="arabicPeriod"/>
                 </a:pPr>
                 <a:r>
-                  <a:rPr lang="en-US" sz="2800" dirty="0" smtClean="0"/>
+                  <a:rPr lang="en-US" sz="2800" dirty="0"/>
                   <a:t>Additive Seasonality</a:t>
                 </a:r>
               </a:p>
@@ -11175,10 +11099,9 @@
                   <a:buAutoNum type="arabicPeriod"/>
                 </a:pPr>
                 <a:r>
-                  <a:rPr lang="en-US" sz="2800" dirty="0" smtClean="0"/>
+                  <a:rPr lang="en-US" sz="2800" dirty="0"/>
                   <a:t>Multiplicative Seasonality</a:t>
                 </a:r>
-                <a:endParaRPr lang="en-US" sz="2800" dirty="0"/>
               </a:p>
             </p:txBody>
           </p:sp>
@@ -11232,13 +11155,6 @@
   <p:clrMapOvr>
     <a:masterClrMapping/>
   </p:clrMapOvr>
-  <p:timing>
-    <p:tnLst>
-      <p:par>
-        <p:cTn id="1" dur="indefinite" restart="never" nodeType="tmRoot"/>
-      </p:par>
-    </p:tnLst>
-  </p:timing>
 </p:sld>
 </file>
 
@@ -11282,20 +11198,8 @@
           <a:lstStyle/>
           <a:p>
             <a:r>
-              <a:rPr lang="en-US" sz="3600" b="1" dirty="0" smtClean="0"/>
-              <a:t>Triple </a:t>
-            </a:r>
-            <a:r>
               <a:rPr lang="en-US" sz="3600" b="1" dirty="0"/>
-              <a:t>Exponential Smoothing (</a:t>
-            </a:r>
-            <a:r>
-              <a:rPr lang="en-US" sz="3600" b="1" dirty="0" smtClean="0"/>
-              <a:t>Holt-Winter’s </a:t>
-            </a:r>
-            <a:r>
-              <a:rPr lang="en-US" sz="3600" b="1" dirty="0"/>
-              <a:t>Method)</a:t>
+              <a:t>Triple Exponential Smoothing (Holt-Winter’s Method)</a:t>
             </a:r>
           </a:p>
         </p:txBody>
@@ -11325,13 +11229,13 @@
               <a:lstStyle/>
               <a:p>
                 <a:r>
-                  <a:rPr lang="en-US" sz="2800" b="1" dirty="0" smtClean="0"/>
+                  <a:rPr lang="en-US" sz="2800" b="1" dirty="0"/>
                   <a:t>Additive Method:</a:t>
                 </a:r>
-                <a:endParaRPr lang="en-US" sz="2400" b="1" dirty="0" smtClean="0"/>
+                <a:endParaRPr lang="en-US" sz="2400" b="1" dirty="0"/>
               </a:p>
               <a:p>
-                <a:endParaRPr lang="en-US" sz="1200" dirty="0" smtClean="0"/>
+                <a:endParaRPr lang="en-US" sz="1200" dirty="0"/>
               </a:p>
               <a:p>
                 <a:pPr/>
@@ -11345,7 +11249,7 @@
                         <m:sSubPr>
                           <m:ctrlPr>
                             <a:rPr lang="en-US" sz="2200" i="1" smtClean="0">
-                              <a:latin typeface="Cambria Math"/>
+                              <a:latin typeface="Cambria Math" panose="02040503050406030204" pitchFamily="18" charset="0"/>
                             </a:rPr>
                           </m:ctrlPr>
                         </m:sSubPr>
@@ -11386,7 +11290,7 @@
                         <m:dPr>
                           <m:ctrlPr>
                             <a:rPr lang="el-GR" sz="2200" b="0" i="1" smtClean="0">
-                              <a:latin typeface="Cambria Math"/>
+                              <a:latin typeface="Cambria Math" panose="02040503050406030204" pitchFamily="18" charset="0"/>
                               <a:ea typeface="Cambria Math"/>
                             </a:rPr>
                           </m:ctrlPr>
@@ -11396,7 +11300,7 @@
                             <m:sSubPr>
                               <m:ctrlPr>
                                 <a:rPr lang="el-GR" sz="2200" b="0" i="1" smtClean="0">
-                                  <a:latin typeface="Cambria Math"/>
+                                  <a:latin typeface="Cambria Math" panose="02040503050406030204" pitchFamily="18" charset="0"/>
                                   <a:ea typeface="Cambria Math"/>
                                 </a:rPr>
                               </m:ctrlPr>
@@ -11431,7 +11335,7 @@
                             <m:sSubPr>
                               <m:ctrlPr>
                                 <a:rPr lang="el-GR" sz="2200" i="1">
-                                  <a:latin typeface="Cambria Math"/>
+                                  <a:latin typeface="Cambria Math" panose="02040503050406030204" pitchFamily="18" charset="0"/>
                                   <a:ea typeface="Cambria Math"/>
                                 </a:rPr>
                               </m:ctrlPr>
@@ -11482,7 +11386,7 @@
                         <m:dPr>
                           <m:ctrlPr>
                             <a:rPr lang="en-US" sz="2200" b="0" i="1" smtClean="0">
-                              <a:latin typeface="Cambria Math"/>
+                              <a:latin typeface="Cambria Math" panose="02040503050406030204" pitchFamily="18" charset="0"/>
                               <a:ea typeface="Cambria Math"/>
                             </a:rPr>
                           </m:ctrlPr>
@@ -11511,7 +11415,7 @@
                         <m:dPr>
                           <m:ctrlPr>
                             <a:rPr lang="en-US" sz="2200" b="0" i="1" smtClean="0">
-                              <a:latin typeface="Cambria Math"/>
+                              <a:latin typeface="Cambria Math" panose="02040503050406030204" pitchFamily="18" charset="0"/>
                               <a:ea typeface="Cambria Math"/>
                             </a:rPr>
                           </m:ctrlPr>
@@ -11521,7 +11425,7 @@
                             <m:sSubPr>
                               <m:ctrlPr>
                                 <a:rPr lang="el-GR" sz="2200" i="1">
-                                  <a:latin typeface="Cambria Math"/>
+                                  <a:latin typeface="Cambria Math" panose="02040503050406030204" pitchFamily="18" charset="0"/>
                                   <a:ea typeface="Cambria Math"/>
                                 </a:rPr>
                               </m:ctrlPr>
@@ -11563,7 +11467,7 @@
                             <m:sSubPr>
                               <m:ctrlPr>
                                 <a:rPr lang="el-GR" sz="2200" i="1">
-                                  <a:latin typeface="Cambria Math"/>
+                                  <a:latin typeface="Cambria Math" panose="02040503050406030204" pitchFamily="18" charset="0"/>
                                   <a:ea typeface="Cambria Math"/>
                                 </a:rPr>
                               </m:ctrlPr>
@@ -11605,7 +11509,7 @@
                     </m:oMath>
                   </m:oMathPara>
                 </a14:m>
-                <a:endParaRPr lang="en-US" sz="2200" b="0" dirty="0" smtClean="0"/>
+                <a:endParaRPr lang="en-US" sz="2200" b="0" dirty="0"/>
               </a:p>
               <a:p>
                 <a:pPr/>
@@ -11619,7 +11523,7 @@
                         <m:sSubPr>
                           <m:ctrlPr>
                             <a:rPr lang="en-US" sz="2200" i="1">
-                              <a:latin typeface="Cambria Math"/>
+                              <a:latin typeface="Cambria Math" panose="02040503050406030204" pitchFamily="18" charset="0"/>
                             </a:rPr>
                           </m:ctrlPr>
                         </m:sSubPr>
@@ -11657,7 +11561,7 @@
                         <m:dPr>
                           <m:ctrlPr>
                             <a:rPr lang="el-GR" sz="2200" i="1">
-                              <a:latin typeface="Cambria Math"/>
+                              <a:latin typeface="Cambria Math" panose="02040503050406030204" pitchFamily="18" charset="0"/>
                             </a:rPr>
                           </m:ctrlPr>
                         </m:dPr>
@@ -11666,7 +11570,7 @@
                             <m:sSubPr>
                               <m:ctrlPr>
                                 <a:rPr lang="el-GR" sz="2200" i="1">
-                                  <a:latin typeface="Cambria Math"/>
+                                  <a:latin typeface="Cambria Math" panose="02040503050406030204" pitchFamily="18" charset="0"/>
                                 </a:rPr>
                               </m:ctrlPr>
                             </m:sSubPr>
@@ -11697,7 +11601,7 @@
                             <m:sSubPr>
                               <m:ctrlPr>
                                 <a:rPr lang="el-GR" sz="2200" i="1">
-                                  <a:latin typeface="Cambria Math"/>
+                                  <a:latin typeface="Cambria Math" panose="02040503050406030204" pitchFamily="18" charset="0"/>
                                 </a:rPr>
                               </m:ctrlPr>
                             </m:sSubPr>
@@ -11736,7 +11640,7 @@
                         <m:dPr>
                           <m:ctrlPr>
                             <a:rPr lang="en-US" sz="2200" i="1">
-                              <a:latin typeface="Cambria Math"/>
+                              <a:latin typeface="Cambria Math" panose="02040503050406030204" pitchFamily="18" charset="0"/>
                             </a:rPr>
                           </m:ctrlPr>
                         </m:dPr>
@@ -11760,7 +11664,7 @@
                         <m:sSubPr>
                           <m:ctrlPr>
                             <a:rPr lang="el-GR" sz="2200" i="1">
-                              <a:latin typeface="Cambria Math"/>
+                              <a:latin typeface="Cambria Math" panose="02040503050406030204" pitchFamily="18" charset="0"/>
                               <a:ea typeface="Cambria Math"/>
                             </a:rPr>
                           </m:ctrlPr>
@@ -11794,7 +11698,7 @@
                     </m:oMath>
                   </m:oMathPara>
                 </a14:m>
-                <a:endParaRPr lang="en-US" sz="2200" i="1" dirty="0" smtClean="0">
+                <a:endParaRPr lang="en-US" sz="2200" i="1" dirty="0">
                   <a:latin typeface="Cambria Math"/>
                 </a:endParaRPr>
               </a:p>
@@ -11810,7 +11714,7 @@
                         <m:sSubPr>
                           <m:ctrlPr>
                             <a:rPr lang="en-US" sz="2200" i="1">
-                              <a:latin typeface="Cambria Math"/>
+                              <a:latin typeface="Cambria Math" panose="02040503050406030204" pitchFamily="18" charset="0"/>
                             </a:rPr>
                           </m:ctrlPr>
                         </m:sSubPr>
@@ -11848,7 +11752,7 @@
                         <m:dPr>
                           <m:ctrlPr>
                             <a:rPr lang="el-GR" sz="2200" i="1">
-                              <a:latin typeface="Cambria Math"/>
+                              <a:latin typeface="Cambria Math" panose="02040503050406030204" pitchFamily="18" charset="0"/>
                             </a:rPr>
                           </m:ctrlPr>
                         </m:dPr>
@@ -11857,7 +11761,7 @@
                             <m:sSubPr>
                               <m:ctrlPr>
                                 <a:rPr lang="el-GR" sz="2200" i="1">
-                                  <a:latin typeface="Cambria Math"/>
+                                  <a:latin typeface="Cambria Math" panose="02040503050406030204" pitchFamily="18" charset="0"/>
                                 </a:rPr>
                               </m:ctrlPr>
                             </m:sSubPr>
@@ -11888,7 +11792,7 @@
                             <m:sSubPr>
                               <m:ctrlPr>
                                 <a:rPr lang="el-GR" sz="2200" i="1">
-                                  <a:latin typeface="Cambria Math"/>
+                                  <a:latin typeface="Cambria Math" panose="02040503050406030204" pitchFamily="18" charset="0"/>
                                 </a:rPr>
                               </m:ctrlPr>
                             </m:sSubPr>
@@ -11921,7 +11825,7 @@
                         <m:dPr>
                           <m:ctrlPr>
                             <a:rPr lang="en-US" sz="2200" i="1">
-                              <a:latin typeface="Cambria Math"/>
+                              <a:latin typeface="Cambria Math" panose="02040503050406030204" pitchFamily="18" charset="0"/>
                             </a:rPr>
                           </m:ctrlPr>
                         </m:dPr>
@@ -11945,7 +11849,7 @@
                         <m:sSubPr>
                           <m:ctrlPr>
                             <a:rPr lang="el-GR" sz="2200" i="1">
-                              <a:latin typeface="Cambria Math"/>
+                              <a:latin typeface="Cambria Math" panose="02040503050406030204" pitchFamily="18" charset="0"/>
                               <a:ea typeface="Cambria Math"/>
                             </a:rPr>
                           </m:ctrlPr>
@@ -12002,7 +11906,7 @@
                         <m:sSubPr>
                           <m:ctrlPr>
                             <a:rPr lang="en-US" sz="2200" i="1">
-                              <a:latin typeface="Cambria Math"/>
+                              <a:latin typeface="Cambria Math" panose="02040503050406030204" pitchFamily="18" charset="0"/>
                             </a:rPr>
                           </m:ctrlPr>
                         </m:sSubPr>
@@ -12045,7 +11949,7 @@
                         <m:sSubPr>
                           <m:ctrlPr>
                             <a:rPr lang="en-US" sz="2200" b="0" i="1" smtClean="0">
-                              <a:latin typeface="Cambria Math"/>
+                              <a:latin typeface="Cambria Math" panose="02040503050406030204" pitchFamily="18" charset="0"/>
                             </a:rPr>
                           </m:ctrlPr>
                         </m:sSubPr>
@@ -12082,7 +11986,7 @@
                         <m:sSubPr>
                           <m:ctrlPr>
                             <a:rPr lang="en-US" sz="2200" i="1">
-                              <a:latin typeface="Cambria Math"/>
+                              <a:latin typeface="Cambria Math" panose="02040503050406030204" pitchFamily="18" charset="0"/>
                             </a:rPr>
                           </m:ctrlPr>
                         </m:sSubPr>
@@ -12113,7 +12017,7 @@
                         <m:sSubPr>
                           <m:ctrlPr>
                             <a:rPr lang="en-US" sz="2200" i="1">
-                              <a:latin typeface="Cambria Math"/>
+                              <a:latin typeface="Cambria Math" panose="02040503050406030204" pitchFamily="18" charset="0"/>
                             </a:rPr>
                           </m:ctrlPr>
                         </m:sSubPr>
@@ -12160,7 +12064,7 @@
                             <m:dPr>
                               <m:ctrlPr>
                                 <a:rPr lang="en-US" sz="2200" b="0" i="1" smtClean="0">
-                                  <a:latin typeface="Cambria Math"/>
+                                  <a:latin typeface="Cambria Math" panose="02040503050406030204" pitchFamily="18" charset="0"/>
                                 </a:rPr>
                               </m:ctrlPr>
                             </m:dPr>
@@ -12254,7 +12158,7 @@
               <a:lstStyle/>
               <a:p>
                 <a:r>
-                  <a:rPr lang="en-US" sz="2000" b="1" i="1" dirty="0" smtClean="0"/>
+                  <a:rPr lang="en-US" sz="2000" b="1" i="1" dirty="0"/>
                   <a:t>Where:</a:t>
                 </a:r>
               </a:p>
@@ -12269,7 +12173,7 @@
                       <m:sSubPr>
                         <m:ctrlPr>
                           <a:rPr lang="en-US" i="1">
-                            <a:latin typeface="Cambria Math"/>
+                            <a:latin typeface="Cambria Math" panose="02040503050406030204" pitchFamily="18" charset="0"/>
                             <a:ea typeface="Cambria Math"/>
                           </a:rPr>
                         </m:ctrlPr>
@@ -12368,11 +12272,7 @@
                 </a14:m>
                 <a:r>
                   <a:rPr lang="en-US" dirty="0"/>
-                  <a:t> &lt; 1</a:t>
-                </a:r>
-                <a:r>
-                  <a:rPr lang="en-US" dirty="0" smtClean="0"/>
-                  <a:t>)</a:t>
+                  <a:t> &lt; 1)</a:t>
                 </a:r>
               </a:p>
               <a:p>
@@ -12388,12 +12288,8 @@
                   </m:oMath>
                 </a14:m>
                 <a:r>
-                  <a:rPr lang="en-US" dirty="0" smtClean="0"/>
-                  <a:t>    is the seasonal smoothing parameter </a:t>
-                </a:r>
-                <a:r>
                   <a:rPr lang="en-US" dirty="0"/>
-                  <a:t>(0 &lt;</a:t>
+                  <a:t>    is the seasonal smoothing parameter (0 &lt;</a:t>
                 </a:r>
                 <a14:m>
                   <m:oMath xmlns:m="http://schemas.openxmlformats.org/officeDocument/2006/math">
@@ -12414,16 +12310,8 @@
                   </m:oMath>
                 </a14:m>
                 <a:r>
-                  <a:rPr lang="en-US" dirty="0" smtClean="0"/>
-                  <a:t> </a:t>
-                </a:r>
-                <a:r>
                   <a:rPr lang="en-US" dirty="0"/>
-                  <a:t>&lt; 1</a:t>
-                </a:r>
-                <a:r>
-                  <a:rPr lang="en-US" dirty="0" smtClean="0"/>
-                  <a:t>)</a:t>
+                  <a:t> &lt; 1)</a:t>
                 </a:r>
               </a:p>
               <a:p>
@@ -12440,11 +12328,7 @@
                 </a14:m>
                 <a:r>
                   <a:rPr lang="en-US" dirty="0"/>
-                  <a:t>    is </a:t>
-                </a:r>
-                <a:r>
-                  <a:rPr lang="en-US" dirty="0" smtClean="0"/>
-                  <a:t>the number of periods in a full seasonal cycle</a:t>
+                  <a:t>    is the number of periods in a full seasonal cycle</a:t>
                 </a:r>
               </a:p>
               <a:p>
@@ -12461,13 +12345,8 @@
                 </a14:m>
                 <a:r>
                   <a:rPr lang="en-US" dirty="0"/>
-                  <a:t>    is </a:t>
+                  <a:t>    is the number of periods ahead for forecasting</a:t>
                 </a:r>
-                <a:r>
-                  <a:rPr lang="en-US" dirty="0" smtClean="0"/>
-                  <a:t>the number of periods ahead for forecasting</a:t>
-                </a:r>
-                <a:endParaRPr lang="en-US" dirty="0"/>
               </a:p>
               <a:p>
                 <a14:m>
@@ -12483,11 +12362,7 @@
                 </a14:m>
                 <a:r>
                   <a:rPr lang="en-US" dirty="0"/>
-                  <a:t>    </a:t>
-                </a:r>
-                <a:r>
-                  <a:rPr lang="en-US" dirty="0" smtClean="0"/>
-                  <a:t>is the integer part of </a:t>
+                  <a:t>    is the integer part of </a:t>
                 </a:r>
                 <a14:m>
                   <m:oMath xmlns:m="http://schemas.openxmlformats.org/officeDocument/2006/math">
@@ -12495,7 +12370,7 @@
                       <m:fPr>
                         <m:ctrlPr>
                           <a:rPr lang="en-US" i="1" smtClean="0">
-                            <a:latin typeface="Cambria Math"/>
+                            <a:latin typeface="Cambria Math" panose="02040503050406030204" pitchFamily="18" charset="0"/>
                           </a:rPr>
                         </m:ctrlPr>
                       </m:fPr>
@@ -12525,10 +12400,9 @@
                   </m:oMath>
                 </a14:m>
                 <a:r>
-                  <a:rPr lang="en-US" dirty="0" smtClean="0"/>
+                  <a:rPr lang="en-US" dirty="0"/>
                   <a:t> , ensuring the correct seasonal index is used for forecasting</a:t>
                 </a:r>
-                <a:endParaRPr lang="en-US" dirty="0"/>
               </a:p>
             </p:txBody>
           </p:sp>
@@ -12582,13 +12456,6 @@
   <p:clrMapOvr>
     <a:masterClrMapping/>
   </p:clrMapOvr>
-  <p:timing>
-    <p:tnLst>
-      <p:par>
-        <p:cTn id="1" dur="indefinite" restart="never" nodeType="tmRoot"/>
-      </p:par>
-    </p:tnLst>
-  </p:timing>
 </p:sld>
 </file>
 
@@ -12632,20 +12499,8 @@
           <a:lstStyle/>
           <a:p>
             <a:r>
-              <a:rPr lang="en-US" sz="3600" b="1" dirty="0" smtClean="0"/>
-              <a:t>Triple </a:t>
-            </a:r>
-            <a:r>
               <a:rPr lang="en-US" sz="3600" b="1" dirty="0"/>
-              <a:t>Exponential Smoothing (</a:t>
-            </a:r>
-            <a:r>
-              <a:rPr lang="en-US" sz="3600" b="1" dirty="0" smtClean="0"/>
-              <a:t>Holt-Winter’s </a:t>
-            </a:r>
-            <a:r>
-              <a:rPr lang="en-US" sz="3600" b="1" dirty="0"/>
-              <a:t>Method)</a:t>
+              <a:t>Triple Exponential Smoothing (Holt-Winter’s Method)</a:t>
             </a:r>
           </a:p>
         </p:txBody>
@@ -12675,16 +12530,16 @@
               <a:lstStyle/>
               <a:p>
                 <a:r>
-                  <a:rPr lang="en-US" sz="2800" b="1" dirty="0" smtClean="0"/>
+                  <a:rPr lang="en-US" sz="2800" b="1" dirty="0"/>
                   <a:t>Multiplicative Method:</a:t>
                 </a:r>
-                <a:endParaRPr lang="en-US" sz="2400" b="1" dirty="0" smtClean="0"/>
+                <a:endParaRPr lang="en-US" sz="2400" b="1" dirty="0"/>
               </a:p>
               <a:p>
                 <a:endParaRPr lang="en-US" sz="1200" dirty="0"/>
               </a:p>
               <a:p>
-                <a:endParaRPr lang="en-US" sz="1200" dirty="0" smtClean="0"/>
+                <a:endParaRPr lang="en-US" sz="1200" dirty="0"/>
               </a:p>
               <a:p>
                 <a:pPr/>
@@ -12698,7 +12553,7 @@
                         <m:sSubPr>
                           <m:ctrlPr>
                             <a:rPr lang="en-US" sz="2200" i="1" smtClean="0">
-                              <a:latin typeface="Cambria Math"/>
+                              <a:latin typeface="Cambria Math" panose="02040503050406030204" pitchFamily="18" charset="0"/>
                             </a:rPr>
                           </m:ctrlPr>
                         </m:sSubPr>
@@ -12739,7 +12594,7 @@
                         <m:dPr>
                           <m:ctrlPr>
                             <a:rPr lang="el-GR" sz="2200" b="0" i="1" smtClean="0">
-                              <a:latin typeface="Cambria Math"/>
+                              <a:latin typeface="Cambria Math" panose="02040503050406030204" pitchFamily="18" charset="0"/>
                               <a:ea typeface="Cambria Math"/>
                             </a:rPr>
                           </m:ctrlPr>
@@ -12756,7 +12611,7 @@
                             <m:fPr>
                               <m:ctrlPr>
                                 <a:rPr lang="en-US" sz="2200" b="0" i="1" smtClean="0">
-                                  <a:latin typeface="Cambria Math"/>
+                                  <a:latin typeface="Cambria Math" panose="02040503050406030204" pitchFamily="18" charset="0"/>
                                   <a:ea typeface="Cambria Math"/>
                                 </a:rPr>
                               </m:ctrlPr>
@@ -12766,7 +12621,7 @@
                                 <m:sSubPr>
                                   <m:ctrlPr>
                                     <a:rPr lang="el-GR" sz="2200" i="1">
-                                      <a:latin typeface="Cambria Math"/>
+                                      <a:latin typeface="Cambria Math" panose="02040503050406030204" pitchFamily="18" charset="0"/>
                                       <a:ea typeface="Cambria Math"/>
                                     </a:rPr>
                                   </m:ctrlPr>
@@ -12796,7 +12651,7 @@
                                 <m:sSubPr>
                                   <m:ctrlPr>
                                     <a:rPr lang="el-GR" sz="2200" i="1">
-                                      <a:latin typeface="Cambria Math"/>
+                                      <a:latin typeface="Cambria Math" panose="02040503050406030204" pitchFamily="18" charset="0"/>
                                       <a:ea typeface="Cambria Math"/>
                                     </a:rPr>
                                   </m:ctrlPr>
@@ -12849,7 +12704,7 @@
                         <m:dPr>
                           <m:ctrlPr>
                             <a:rPr lang="en-US" sz="2200" b="0" i="1" smtClean="0">
-                              <a:latin typeface="Cambria Math"/>
+                              <a:latin typeface="Cambria Math" panose="02040503050406030204" pitchFamily="18" charset="0"/>
                               <a:ea typeface="Cambria Math"/>
                             </a:rPr>
                           </m:ctrlPr>
@@ -12878,7 +12733,7 @@
                         <m:dPr>
                           <m:ctrlPr>
                             <a:rPr lang="en-US" sz="2200" b="0" i="1" smtClean="0">
-                              <a:latin typeface="Cambria Math"/>
+                              <a:latin typeface="Cambria Math" panose="02040503050406030204" pitchFamily="18" charset="0"/>
                               <a:ea typeface="Cambria Math"/>
                             </a:rPr>
                           </m:ctrlPr>
@@ -12888,7 +12743,7 @@
                             <m:sSubPr>
                               <m:ctrlPr>
                                 <a:rPr lang="el-GR" sz="2200" i="1">
-                                  <a:latin typeface="Cambria Math"/>
+                                  <a:latin typeface="Cambria Math" panose="02040503050406030204" pitchFamily="18" charset="0"/>
                                   <a:ea typeface="Cambria Math"/>
                                 </a:rPr>
                               </m:ctrlPr>
@@ -12930,7 +12785,7 @@
                             <m:sSubPr>
                               <m:ctrlPr>
                                 <a:rPr lang="el-GR" sz="2200" i="1">
-                                  <a:latin typeface="Cambria Math"/>
+                                  <a:latin typeface="Cambria Math" panose="02040503050406030204" pitchFamily="18" charset="0"/>
                                   <a:ea typeface="Cambria Math"/>
                                 </a:rPr>
                               </m:ctrlPr>
@@ -12972,7 +12827,7 @@
                     </m:oMath>
                   </m:oMathPara>
                 </a14:m>
-                <a:endParaRPr lang="en-US" sz="2200" b="0" dirty="0" smtClean="0"/>
+                <a:endParaRPr lang="en-US" sz="2200" b="0" dirty="0"/>
               </a:p>
               <a:p>
                 <a:pPr/>
@@ -12986,7 +12841,7 @@
                         <m:sSubPr>
                           <m:ctrlPr>
                             <a:rPr lang="en-US" sz="2200" i="1">
-                              <a:latin typeface="Cambria Math"/>
+                              <a:latin typeface="Cambria Math" panose="02040503050406030204" pitchFamily="18" charset="0"/>
                             </a:rPr>
                           </m:ctrlPr>
                         </m:sSubPr>
@@ -13024,7 +12879,7 @@
                         <m:dPr>
                           <m:ctrlPr>
                             <a:rPr lang="el-GR" sz="2200" i="1">
-                              <a:latin typeface="Cambria Math"/>
+                              <a:latin typeface="Cambria Math" panose="02040503050406030204" pitchFamily="18" charset="0"/>
                             </a:rPr>
                           </m:ctrlPr>
                         </m:dPr>
@@ -13033,7 +12888,7 @@
                             <m:sSubPr>
                               <m:ctrlPr>
                                 <a:rPr lang="el-GR" sz="2200" i="1">
-                                  <a:latin typeface="Cambria Math"/>
+                                  <a:latin typeface="Cambria Math" panose="02040503050406030204" pitchFamily="18" charset="0"/>
                                 </a:rPr>
                               </m:ctrlPr>
                             </m:sSubPr>
@@ -13064,7 +12919,7 @@
                             <m:sSubPr>
                               <m:ctrlPr>
                                 <a:rPr lang="el-GR" sz="2200" i="1">
-                                  <a:latin typeface="Cambria Math"/>
+                                  <a:latin typeface="Cambria Math" panose="02040503050406030204" pitchFamily="18" charset="0"/>
                                 </a:rPr>
                               </m:ctrlPr>
                             </m:sSubPr>
@@ -13103,7 +12958,7 @@
                         <m:dPr>
                           <m:ctrlPr>
                             <a:rPr lang="en-US" sz="2200" i="1">
-                              <a:latin typeface="Cambria Math"/>
+                              <a:latin typeface="Cambria Math" panose="02040503050406030204" pitchFamily="18" charset="0"/>
                             </a:rPr>
                           </m:ctrlPr>
                         </m:dPr>
@@ -13127,7 +12982,7 @@
                         <m:sSubPr>
                           <m:ctrlPr>
                             <a:rPr lang="el-GR" sz="2200" i="1">
-                              <a:latin typeface="Cambria Math"/>
+                              <a:latin typeface="Cambria Math" panose="02040503050406030204" pitchFamily="18" charset="0"/>
                               <a:ea typeface="Cambria Math"/>
                             </a:rPr>
                           </m:ctrlPr>
@@ -13161,7 +13016,7 @@
                     </m:oMath>
                   </m:oMathPara>
                 </a14:m>
-                <a:endParaRPr lang="en-US" sz="2200" i="1" dirty="0" smtClean="0">
+                <a:endParaRPr lang="en-US" sz="2200" i="1" dirty="0">
                   <a:latin typeface="Cambria Math"/>
                 </a:endParaRPr>
               </a:p>
@@ -13177,7 +13032,7 @@
                         <m:sSubPr>
                           <m:ctrlPr>
                             <a:rPr lang="en-US" sz="2200" i="1">
-                              <a:latin typeface="Cambria Math"/>
+                              <a:latin typeface="Cambria Math" panose="02040503050406030204" pitchFamily="18" charset="0"/>
                             </a:rPr>
                           </m:ctrlPr>
                         </m:sSubPr>
@@ -13215,7 +13070,7 @@
                         <m:dPr>
                           <m:ctrlPr>
                             <a:rPr lang="el-GR" sz="2200" i="1">
-                              <a:latin typeface="Cambria Math"/>
+                              <a:latin typeface="Cambria Math" panose="02040503050406030204" pitchFamily="18" charset="0"/>
                             </a:rPr>
                           </m:ctrlPr>
                         </m:dPr>
@@ -13224,7 +13079,7 @@
                             <m:fPr>
                               <m:ctrlPr>
                                 <a:rPr lang="en-US" sz="2200" b="0" i="1" smtClean="0">
-                                  <a:latin typeface="Cambria Math"/>
+                                  <a:latin typeface="Cambria Math" panose="02040503050406030204" pitchFamily="18" charset="0"/>
                                 </a:rPr>
                               </m:ctrlPr>
                             </m:fPr>
@@ -13233,7 +13088,7 @@
                                 <m:sSubPr>
                                   <m:ctrlPr>
                                     <a:rPr lang="el-GR" sz="2200" i="1">
-                                      <a:latin typeface="Cambria Math"/>
+                                      <a:latin typeface="Cambria Math" panose="02040503050406030204" pitchFamily="18" charset="0"/>
                                     </a:rPr>
                                   </m:ctrlPr>
                                 </m:sSubPr>
@@ -13260,7 +13115,7 @@
                                 <m:sSubPr>
                                   <m:ctrlPr>
                                     <a:rPr lang="el-GR" sz="2200" i="1">
-                                      <a:latin typeface="Cambria Math"/>
+                                      <a:latin typeface="Cambria Math" panose="02040503050406030204" pitchFamily="18" charset="0"/>
                                     </a:rPr>
                                   </m:ctrlPr>
                                 </m:sSubPr>
@@ -13295,7 +13150,7 @@
                         <m:dPr>
                           <m:ctrlPr>
                             <a:rPr lang="en-US" sz="2200" i="1">
-                              <a:latin typeface="Cambria Math"/>
+                              <a:latin typeface="Cambria Math" panose="02040503050406030204" pitchFamily="18" charset="0"/>
                             </a:rPr>
                           </m:ctrlPr>
                         </m:dPr>
@@ -13319,7 +13174,7 @@
                         <m:sSubPr>
                           <m:ctrlPr>
                             <a:rPr lang="el-GR" sz="2200" i="1">
-                              <a:latin typeface="Cambria Math"/>
+                              <a:latin typeface="Cambria Math" panose="02040503050406030204" pitchFamily="18" charset="0"/>
                               <a:ea typeface="Cambria Math"/>
                             </a:rPr>
                           </m:ctrlPr>
@@ -13376,7 +13231,7 @@
                         <m:sSubPr>
                           <m:ctrlPr>
                             <a:rPr lang="en-US" sz="2200" i="1">
-                              <a:latin typeface="Cambria Math"/>
+                              <a:latin typeface="Cambria Math" panose="02040503050406030204" pitchFamily="18" charset="0"/>
                             </a:rPr>
                           </m:ctrlPr>
                         </m:sSubPr>
@@ -13419,7 +13274,7 @@
                         <m:sSubPr>
                           <m:ctrlPr>
                             <a:rPr lang="en-US" sz="2200" b="0" i="1" smtClean="0">
-                              <a:latin typeface="Cambria Math"/>
+                              <a:latin typeface="Cambria Math" panose="02040503050406030204" pitchFamily="18" charset="0"/>
                             </a:rPr>
                           </m:ctrlPr>
                         </m:sSubPr>
@@ -13456,7 +13311,7 @@
                         <m:sSubPr>
                           <m:ctrlPr>
                             <a:rPr lang="en-US" sz="2200" i="1">
-                              <a:latin typeface="Cambria Math"/>
+                              <a:latin typeface="Cambria Math" panose="02040503050406030204" pitchFamily="18" charset="0"/>
                             </a:rPr>
                           </m:ctrlPr>
                         </m:sSubPr>
@@ -13487,7 +13342,7 @@
                         <m:sSubPr>
                           <m:ctrlPr>
                             <a:rPr lang="en-US" sz="2200" i="1">
-                              <a:latin typeface="Cambria Math"/>
+                              <a:latin typeface="Cambria Math" panose="02040503050406030204" pitchFamily="18" charset="0"/>
                             </a:rPr>
                           </m:ctrlPr>
                         </m:sSubPr>
@@ -13534,7 +13389,7 @@
                             <m:dPr>
                               <m:ctrlPr>
                                 <a:rPr lang="en-US" sz="2200" b="0" i="1" smtClean="0">
-                                  <a:latin typeface="Cambria Math"/>
+                                  <a:latin typeface="Cambria Math" panose="02040503050406030204" pitchFamily="18" charset="0"/>
                                 </a:rPr>
                               </m:ctrlPr>
                             </m:dPr>
@@ -13628,7 +13483,7 @@
               <a:lstStyle/>
               <a:p>
                 <a:r>
-                  <a:rPr lang="en-US" sz="2000" b="1" i="1" dirty="0" smtClean="0"/>
+                  <a:rPr lang="en-US" sz="2000" b="1" i="1" dirty="0"/>
                   <a:t>Where:</a:t>
                 </a:r>
               </a:p>
@@ -13643,7 +13498,7 @@
                       <m:sSubPr>
                         <m:ctrlPr>
                           <a:rPr lang="en-US" i="1">
-                            <a:latin typeface="Cambria Math"/>
+                            <a:latin typeface="Cambria Math" panose="02040503050406030204" pitchFamily="18" charset="0"/>
                             <a:ea typeface="Cambria Math"/>
                           </a:rPr>
                         </m:ctrlPr>
@@ -13742,11 +13597,7 @@
                 </a14:m>
                 <a:r>
                   <a:rPr lang="en-US" dirty="0"/>
-                  <a:t> &lt; 1</a:t>
-                </a:r>
-                <a:r>
-                  <a:rPr lang="en-US" dirty="0" smtClean="0"/>
-                  <a:t>)</a:t>
+                  <a:t> &lt; 1)</a:t>
                 </a:r>
               </a:p>
               <a:p>
@@ -13762,12 +13613,8 @@
                   </m:oMath>
                 </a14:m>
                 <a:r>
-                  <a:rPr lang="en-US" dirty="0" smtClean="0"/>
-                  <a:t>    is the seasonal smoothing parameter </a:t>
-                </a:r>
-                <a:r>
                   <a:rPr lang="en-US" dirty="0"/>
-                  <a:t>(0 &lt;</a:t>
+                  <a:t>    is the seasonal smoothing parameter (0 &lt;</a:t>
                 </a:r>
                 <a14:m>
                   <m:oMath xmlns:m="http://schemas.openxmlformats.org/officeDocument/2006/math">
@@ -13788,16 +13635,8 @@
                   </m:oMath>
                 </a14:m>
                 <a:r>
-                  <a:rPr lang="en-US" dirty="0" smtClean="0"/>
-                  <a:t> </a:t>
-                </a:r>
-                <a:r>
                   <a:rPr lang="en-US" dirty="0"/>
-                  <a:t>&lt; 1</a:t>
-                </a:r>
-                <a:r>
-                  <a:rPr lang="en-US" dirty="0" smtClean="0"/>
-                  <a:t>)</a:t>
+                  <a:t> &lt; 1)</a:t>
                 </a:r>
               </a:p>
               <a:p>
@@ -13814,11 +13653,7 @@
                 </a14:m>
                 <a:r>
                   <a:rPr lang="en-US" dirty="0"/>
-                  <a:t>    is </a:t>
-                </a:r>
-                <a:r>
-                  <a:rPr lang="en-US" dirty="0" smtClean="0"/>
-                  <a:t>the number of periods in a full seasonal cycle</a:t>
+                  <a:t>    is the number of periods in a full seasonal cycle</a:t>
                 </a:r>
               </a:p>
               <a:p>
@@ -13835,13 +13670,8 @@
                 </a14:m>
                 <a:r>
                   <a:rPr lang="en-US" dirty="0"/>
-                  <a:t>    is </a:t>
+                  <a:t>    is the number of periods ahead for forecasting</a:t>
                 </a:r>
-                <a:r>
-                  <a:rPr lang="en-US" dirty="0" smtClean="0"/>
-                  <a:t>the number of periods ahead for forecasting</a:t>
-                </a:r>
-                <a:endParaRPr lang="en-US" dirty="0"/>
               </a:p>
               <a:p>
                 <a14:m>
@@ -13857,11 +13687,7 @@
                 </a14:m>
                 <a:r>
                   <a:rPr lang="en-US" dirty="0"/>
-                  <a:t>    </a:t>
-                </a:r>
-                <a:r>
-                  <a:rPr lang="en-US" dirty="0" smtClean="0"/>
-                  <a:t>is the integer part of </a:t>
+                  <a:t>    is the integer part of </a:t>
                 </a:r>
                 <a14:m>
                   <m:oMath xmlns:m="http://schemas.openxmlformats.org/officeDocument/2006/math">
@@ -13869,7 +13695,7 @@
                       <m:fPr>
                         <m:ctrlPr>
                           <a:rPr lang="en-US" i="1" smtClean="0">
-                            <a:latin typeface="Cambria Math"/>
+                            <a:latin typeface="Cambria Math" panose="02040503050406030204" pitchFamily="18" charset="0"/>
                           </a:rPr>
                         </m:ctrlPr>
                       </m:fPr>
@@ -13899,10 +13725,9 @@
                   </m:oMath>
                 </a14:m>
                 <a:r>
-                  <a:rPr lang="en-US" dirty="0" smtClean="0"/>
+                  <a:rPr lang="en-US" dirty="0"/>
                   <a:t> , ensuring the correct seasonal index is used for forecasting</a:t>
                 </a:r>
-                <a:endParaRPr lang="en-US" dirty="0"/>
               </a:p>
             </p:txBody>
           </p:sp>
@@ -13956,13 +13781,6 @@
   <p:clrMapOvr>
     <a:masterClrMapping/>
   </p:clrMapOvr>
-  <p:timing>
-    <p:tnLst>
-      <p:par>
-        <p:cTn id="1" dur="indefinite" restart="never" nodeType="tmRoot"/>
-      </p:par>
-    </p:tnLst>
-  </p:timing>
 </p:sld>
 </file>
 
@@ -14006,20 +13824,8 @@
           <a:lstStyle/>
           <a:p>
             <a:r>
-              <a:rPr lang="en-US" sz="3600" b="1" dirty="0" smtClean="0"/>
-              <a:t>Triple </a:t>
-            </a:r>
-            <a:r>
               <a:rPr lang="en-US" sz="3600" b="1" dirty="0"/>
-              <a:t>Exponential Smoothing (</a:t>
-            </a:r>
-            <a:r>
-              <a:rPr lang="en-US" sz="3600" b="1" dirty="0" smtClean="0"/>
-              <a:t>Holt-Winter’s </a:t>
-            </a:r>
-            <a:r>
-              <a:rPr lang="en-US" sz="3600" b="1" dirty="0"/>
-              <a:t>Method)</a:t>
+              <a:t>Triple Exponential Smoothing (Holt-Winter’s Method)</a:t>
             </a:r>
           </a:p>
         </p:txBody>
@@ -14047,7 +13853,7 @@
           <a:lstStyle/>
           <a:p>
             <a:r>
-              <a:rPr lang="en-US" sz="2800" dirty="0" smtClean="0"/>
+              <a:rPr lang="en-US" sz="2800" dirty="0"/>
               <a:t>Given the following data, assume seasonal period (m) = 2, level smoothing (a) = 0.5, trend smoothing (B) = 0.3, and seasonal smoothing (y) = 02.</a:t>
             </a:r>
           </a:p>
@@ -14080,8 +13886,20 @@
                     <a:tableStyleId>{5940675A-B579-460E-94D1-54222C63F5DA}</a:tableStyleId>
                   </a:tblPr>
                   <a:tblGrid>
-                    <a:gridCol w="4366768"/>
-                    <a:gridCol w="4366768"/>
+                    <a:gridCol w="4366768">
+                      <a:extLst>
+                        <a:ext uri="{9D8B030D-6E8A-4147-A177-3AD203B41FA5}">
+                          <a16:colId xmlns:a16="http://schemas.microsoft.com/office/drawing/2014/main" val="20000"/>
+                        </a:ext>
+                      </a:extLst>
+                    </a:gridCol>
+                    <a:gridCol w="4366768">
+                      <a:extLst>
+                        <a:ext uri="{9D8B030D-6E8A-4147-A177-3AD203B41FA5}">
+                          <a16:colId xmlns:a16="http://schemas.microsoft.com/office/drawing/2014/main" val="20001"/>
+                        </a:ext>
+                      </a:extLst>
+                    </a:gridCol>
                   </a:tblGrid>
                   <a:tr h="538142">
                     <a:tc>
@@ -14091,15 +13909,15 @@
                         <a:p>
                           <a:pPr algn="ctr"/>
                           <a:r>
-                            <a:rPr lang="en-US" sz="2400" b="1" dirty="0" smtClean="0"/>
+                            <a:rPr lang="en-US" sz="2400" b="1" dirty="0"/>
                             <a:t>Time (</a:t>
                           </a:r>
                           <a:r>
-                            <a:rPr lang="en-US" sz="2400" b="1" i="1" dirty="0" smtClean="0"/>
+                            <a:rPr lang="en-US" sz="2400" b="1" i="1" dirty="0"/>
                             <a:t>t</a:t>
                           </a:r>
                           <a:r>
-                            <a:rPr lang="en-US" sz="2400" b="1" dirty="0" smtClean="0"/>
+                            <a:rPr lang="en-US" sz="2400" b="1" dirty="0"/>
                             <a:t>)</a:t>
                           </a:r>
                           <a:endParaRPr lang="en-PH" sz="2400" b="1" dirty="0"/>
@@ -14114,7 +13932,7 @@
                         <a:p>
                           <a:pPr algn="ctr"/>
                           <a:r>
-                            <a:rPr lang="en-US" sz="2400" b="1" dirty="0" smtClean="0"/>
+                            <a:rPr lang="en-US" sz="2400" b="1" dirty="0"/>
                             <a:t>Observation (</a:t>
                           </a:r>
                           <a14:m>
@@ -14123,7 +13941,7 @@
                                 <m:sSubPr>
                                   <m:ctrlPr>
                                     <a:rPr lang="en-US" sz="2400" b="1" i="1" smtClean="0">
-                                      <a:latin typeface="Cambria Math"/>
+                                      <a:latin typeface="Cambria Math" panose="02040503050406030204" pitchFamily="18" charset="0"/>
                                     </a:rPr>
                                   </m:ctrlPr>
                                 </m:sSubPr>
@@ -14147,14 +13965,18 @@
                             </m:oMath>
                           </a14:m>
                           <a:r>
-                            <a:rPr lang="en-PH" sz="2400" b="1" dirty="0" smtClean="0"/>
+                            <a:rPr lang="en-PH" sz="2400" b="1" dirty="0"/>
                             <a:t>)</a:t>
                           </a:r>
-                          <a:endParaRPr lang="en-PH" sz="2400" b="1" dirty="0"/>
                         </a:p>
                       </a:txBody>
                       <a:tcPr anchor="ctr"/>
                     </a:tc>
+                    <a:extLst>
+                      <a:ext uri="{0D108BD9-81ED-4DB2-BD59-A6C34878D82A}">
+                        <a16:rowId xmlns:a16="http://schemas.microsoft.com/office/drawing/2014/main" val="10000"/>
+                      </a:ext>
+                    </a:extLst>
                   </a:tr>
                   <a:tr h="688313">
                     <a:tc>
@@ -14164,7 +13986,7 @@
                         <a:p>
                           <a:pPr algn="ctr"/>
                           <a:r>
-                            <a:rPr lang="en-US" sz="2400" dirty="0" smtClean="0"/>
+                            <a:rPr lang="en-US" sz="2400" dirty="0"/>
                             <a:t>1</a:t>
                           </a:r>
                           <a:endParaRPr lang="en-PH" sz="2400" dirty="0"/>
@@ -14179,7 +14001,7 @@
                         <a:p>
                           <a:pPr algn="ctr"/>
                           <a:r>
-                            <a:rPr lang="en-US" sz="2400" dirty="0" smtClean="0"/>
+                            <a:rPr lang="en-US" sz="2400" dirty="0"/>
                             <a:t>50</a:t>
                           </a:r>
                           <a:endParaRPr lang="en-PH" sz="2400" dirty="0"/>
@@ -14187,6 +14009,11 @@
                       </a:txBody>
                       <a:tcPr anchor="ctr"/>
                     </a:tc>
+                    <a:extLst>
+                      <a:ext uri="{0D108BD9-81ED-4DB2-BD59-A6C34878D82A}">
+                        <a16:rowId xmlns:a16="http://schemas.microsoft.com/office/drawing/2014/main" val="10001"/>
+                      </a:ext>
+                    </a:extLst>
                   </a:tr>
                   <a:tr h="688313">
                     <a:tc>
@@ -14196,7 +14023,7 @@
                         <a:p>
                           <a:pPr algn="ctr"/>
                           <a:r>
-                            <a:rPr lang="en-US" sz="2400" dirty="0" smtClean="0"/>
+                            <a:rPr lang="en-US" sz="2400" dirty="0"/>
                             <a:t>2</a:t>
                           </a:r>
                           <a:endParaRPr lang="en-PH" sz="2400" dirty="0"/>
@@ -14211,7 +14038,7 @@
                         <a:p>
                           <a:pPr algn="ctr"/>
                           <a:r>
-                            <a:rPr lang="en-US" sz="2400" dirty="0" smtClean="0"/>
+                            <a:rPr lang="en-US" sz="2400" dirty="0"/>
                             <a:t>53</a:t>
                           </a:r>
                           <a:endParaRPr lang="en-PH" sz="2400" dirty="0"/>
@@ -14219,6 +14046,11 @@
                       </a:txBody>
                       <a:tcPr anchor="ctr"/>
                     </a:tc>
+                    <a:extLst>
+                      <a:ext uri="{0D108BD9-81ED-4DB2-BD59-A6C34878D82A}">
+                        <a16:rowId xmlns:a16="http://schemas.microsoft.com/office/drawing/2014/main" val="10002"/>
+                      </a:ext>
+                    </a:extLst>
                   </a:tr>
                   <a:tr h="688313">
                     <a:tc>
@@ -14228,7 +14060,7 @@
                         <a:p>
                           <a:pPr algn="ctr"/>
                           <a:r>
-                            <a:rPr lang="en-US" sz="2400" dirty="0" smtClean="0"/>
+                            <a:rPr lang="en-US" sz="2400" dirty="0"/>
                             <a:t>3</a:t>
                           </a:r>
                           <a:endParaRPr lang="en-PH" sz="2400" dirty="0"/>
@@ -14243,7 +14075,7 @@
                         <a:p>
                           <a:pPr algn="ctr"/>
                           <a:r>
-                            <a:rPr lang="en-US" sz="2400" dirty="0" smtClean="0"/>
+                            <a:rPr lang="en-US" sz="2400" dirty="0"/>
                             <a:t>57</a:t>
                           </a:r>
                           <a:endParaRPr lang="en-PH" sz="2400" dirty="0"/>
@@ -14251,6 +14083,11 @@
                       </a:txBody>
                       <a:tcPr anchor="ctr"/>
                     </a:tc>
+                    <a:extLst>
+                      <a:ext uri="{0D108BD9-81ED-4DB2-BD59-A6C34878D82A}">
+                        <a16:rowId xmlns:a16="http://schemas.microsoft.com/office/drawing/2014/main" val="10003"/>
+                      </a:ext>
+                    </a:extLst>
                   </a:tr>
                 </a:tbl>
               </a:graphicData>
@@ -14440,13 +14277,6 @@
   <p:clrMapOvr>
     <a:masterClrMapping/>
   </p:clrMapOvr>
-  <p:timing>
-    <p:tnLst>
-      <p:par>
-        <p:cTn id="1" dur="indefinite" restart="never" nodeType="tmRoot"/>
-      </p:par>
-    </p:tnLst>
-  </p:timing>
 </p:sld>
 </file>
 
@@ -14490,20 +14320,8 @@
           <a:lstStyle/>
           <a:p>
             <a:r>
-              <a:rPr lang="en-US" sz="3600" b="1" dirty="0" smtClean="0"/>
-              <a:t>Triple </a:t>
-            </a:r>
-            <a:r>
               <a:rPr lang="en-US" sz="3600" b="1" dirty="0"/>
-              <a:t>Exponential Smoothing (</a:t>
-            </a:r>
-            <a:r>
-              <a:rPr lang="en-US" sz="3600" b="1" dirty="0" smtClean="0"/>
-              <a:t>Holt-Winter’s </a:t>
-            </a:r>
-            <a:r>
-              <a:rPr lang="en-US" sz="3600" b="1" dirty="0"/>
-              <a:t>Method)</a:t>
+              <a:t>Triple Exponential Smoothing (Holt-Winter’s Method)</a:t>
             </a:r>
           </a:p>
         </p:txBody>
@@ -14531,7 +14349,7 @@
           <a:lstStyle/>
           <a:p>
             <a:r>
-              <a:rPr lang="en-US" sz="2800" dirty="0" smtClean="0"/>
+              <a:rPr lang="en-US" sz="2800" dirty="0"/>
               <a:t>Initial Level L0:</a:t>
             </a:r>
           </a:p>
@@ -14540,7 +14358,7 @@
           </a:p>
           <a:p>
             <a:r>
-              <a:rPr lang="en-US" sz="2800" dirty="0" smtClean="0"/>
+              <a:rPr lang="en-US" sz="2800" dirty="0"/>
               <a:t>A common method is to take the average of the first season’s observations. We use the first two data points (since m = 2):</a:t>
             </a:r>
           </a:p>
@@ -14584,7 +14402,7 @@
                               <a:solidFill>
                                 <a:srgbClr val="FF0000"/>
                               </a:solidFill>
-                              <a:latin typeface="Cambria Math"/>
+                              <a:latin typeface="Cambria Math" panose="02040503050406030204" pitchFamily="18" charset="0"/>
                             </a:rPr>
                           </m:ctrlPr>
                         </m:sSubPr>
@@ -14621,7 +14439,7 @@
                         <m:fPr>
                           <m:ctrlPr>
                             <a:rPr lang="en-US" sz="2800" b="0" i="1" smtClean="0">
-                              <a:latin typeface="Cambria Math"/>
+                              <a:latin typeface="Cambria Math" panose="02040503050406030204" pitchFamily="18" charset="0"/>
                             </a:rPr>
                           </m:ctrlPr>
                         </m:fPr>
@@ -14630,7 +14448,7 @@
                             <m:sSubPr>
                               <m:ctrlPr>
                                 <a:rPr lang="en-PH" sz="2800" i="1">
-                                  <a:latin typeface="Cambria Math"/>
+                                  <a:latin typeface="Cambria Math" panose="02040503050406030204" pitchFamily="18" charset="0"/>
                                 </a:rPr>
                               </m:ctrlPr>
                             </m:sSubPr>
@@ -14661,7 +14479,7 @@
                             <m:sSubPr>
                               <m:ctrlPr>
                                 <a:rPr lang="en-PH" sz="2800" i="1">
-                                  <a:latin typeface="Cambria Math"/>
+                                  <a:latin typeface="Cambria Math" panose="02040503050406030204" pitchFamily="18" charset="0"/>
                                 </a:rPr>
                               </m:ctrlPr>
                             </m:sSubPr>
@@ -14702,7 +14520,7 @@
                         <m:fPr>
                           <m:ctrlPr>
                             <a:rPr lang="en-US" sz="2800" i="1">
-                              <a:latin typeface="Cambria Math"/>
+                              <a:latin typeface="Cambria Math" panose="02040503050406030204" pitchFamily="18" charset="0"/>
                             </a:rPr>
                           </m:ctrlPr>
                         </m:fPr>
@@ -14811,13 +14629,6 @@
   <p:clrMapOvr>
     <a:masterClrMapping/>
   </p:clrMapOvr>
-  <p:timing>
-    <p:tnLst>
-      <p:par>
-        <p:cTn id="1" dur="indefinite" restart="never" nodeType="tmRoot"/>
-      </p:par>
-    </p:tnLst>
-  </p:timing>
 </p:sld>
 </file>
 
@@ -14861,20 +14672,8 @@
           <a:lstStyle/>
           <a:p>
             <a:r>
-              <a:rPr lang="en-US" sz="3600" b="1" dirty="0" smtClean="0"/>
-              <a:t>Triple </a:t>
-            </a:r>
-            <a:r>
               <a:rPr lang="en-US" sz="3600" b="1" dirty="0"/>
-              <a:t>Exponential Smoothing (</a:t>
-            </a:r>
-            <a:r>
-              <a:rPr lang="en-US" sz="3600" b="1" dirty="0" smtClean="0"/>
-              <a:t>Holt-Winter’s </a:t>
-            </a:r>
-            <a:r>
-              <a:rPr lang="en-US" sz="3600" b="1" dirty="0"/>
-              <a:t>Method)</a:t>
+              <a:t>Triple Exponential Smoothing (Holt-Winter’s Method)</a:t>
             </a:r>
           </a:p>
         </p:txBody>
@@ -14904,7 +14703,7 @@
               <a:lstStyle/>
               <a:p>
                 <a:r>
-                  <a:rPr lang="en-US" sz="2800" dirty="0" smtClean="0"/>
+                  <a:rPr lang="en-US" sz="2800" dirty="0"/>
                   <a:t>Initial Trend </a:t>
                 </a:r>
                 <a14:m>
@@ -14916,7 +14715,7 @@
                             <a:solidFill>
                               <a:schemeClr val="tx1"/>
                             </a:solidFill>
-                            <a:latin typeface="Cambria Math"/>
+                            <a:latin typeface="Cambria Math" panose="02040503050406030204" pitchFamily="18" charset="0"/>
                           </a:rPr>
                         </m:ctrlPr>
                       </m:sSubPr>
@@ -14955,7 +14754,7 @@
                   </m:oMath>
                 </a14:m>
                 <a:r>
-                  <a:rPr lang="en-US" sz="2800" dirty="0" smtClean="0"/>
+                  <a:rPr lang="en-US" sz="2800" dirty="0"/>
                   <a:t>:</a:t>
                 </a:r>
               </a:p>
@@ -14964,7 +14763,7 @@
               </a:p>
               <a:p>
                 <a:r>
-                  <a:rPr lang="en-US" sz="2800" dirty="0" smtClean="0"/>
+                  <a:rPr lang="en-US" sz="2800" dirty="0"/>
                   <a:t>A simple estimate is the difference between the first two observations:</a:t>
                 </a:r>
               </a:p>
@@ -15048,7 +14847,7 @@
                               <a:solidFill>
                                 <a:srgbClr val="FF0000"/>
                               </a:solidFill>
-                              <a:latin typeface="Cambria Math"/>
+                              <a:latin typeface="Cambria Math" panose="02040503050406030204" pitchFamily="18" charset="0"/>
                             </a:rPr>
                           </m:ctrlPr>
                         </m:sSubPr>
@@ -15085,7 +14884,7 @@
                         <m:sSubPr>
                           <m:ctrlPr>
                             <a:rPr lang="en-PH" sz="2800" i="1">
-                              <a:latin typeface="Cambria Math"/>
+                              <a:latin typeface="Cambria Math" panose="02040503050406030204" pitchFamily="18" charset="0"/>
                             </a:rPr>
                           </m:ctrlPr>
                         </m:sSubPr>
@@ -15116,7 +14915,7 @@
                         <m:sSubPr>
                           <m:ctrlPr>
                             <a:rPr lang="en-PH" sz="2800" i="1">
-                              <a:latin typeface="Cambria Math"/>
+                              <a:latin typeface="Cambria Math" panose="02040503050406030204" pitchFamily="18" charset="0"/>
                             </a:rPr>
                           </m:ctrlPr>
                         </m:sSubPr>
@@ -15213,13 +15012,6 @@
   <p:clrMapOvr>
     <a:masterClrMapping/>
   </p:clrMapOvr>
-  <p:timing>
-    <p:tnLst>
-      <p:par>
-        <p:cTn id="1" dur="indefinite" restart="never" nodeType="tmRoot"/>
-      </p:par>
-    </p:tnLst>
-  </p:timing>
 </p:sld>
 </file>
 
@@ -15263,20 +15055,8 @@
           <a:lstStyle/>
           <a:p>
             <a:r>
-              <a:rPr lang="en-US" sz="3600" b="1" dirty="0" smtClean="0"/>
-              <a:t>Triple </a:t>
-            </a:r>
-            <a:r>
               <a:rPr lang="en-US" sz="3600" b="1" dirty="0"/>
-              <a:t>Exponential Smoothing (</a:t>
-            </a:r>
-            <a:r>
-              <a:rPr lang="en-US" sz="3600" b="1" dirty="0" smtClean="0"/>
-              <a:t>Holt-Winter’s </a:t>
-            </a:r>
-            <a:r>
-              <a:rPr lang="en-US" sz="3600" b="1" dirty="0"/>
-              <a:t>Method)</a:t>
+              <a:t>Triple Exponential Smoothing (Holt-Winter’s Method)</a:t>
             </a:r>
           </a:p>
         </p:txBody>
@@ -15306,7 +15086,7 @@
               <a:lstStyle/>
               <a:p>
                 <a:r>
-                  <a:rPr lang="en-US" sz="2800" dirty="0" smtClean="0"/>
+                  <a:rPr lang="en-US" sz="2800" dirty="0"/>
                   <a:t>Initial Seasonal Indices </a:t>
                 </a:r>
                 <a14:m>
@@ -15318,7 +15098,7 @@
                             <a:solidFill>
                               <a:srgbClr val="FF0000"/>
                             </a:solidFill>
-                            <a:latin typeface="Cambria Math"/>
+                            <a:latin typeface="Cambria Math" panose="02040503050406030204" pitchFamily="18" charset="0"/>
                           </a:rPr>
                         </m:ctrlPr>
                       </m:sSubPr>
@@ -15348,7 +15128,7 @@
                   </m:oMath>
                 </a14:m>
                 <a:r>
-                  <a:rPr lang="en-US" sz="2800" dirty="0" smtClean="0"/>
+                  <a:rPr lang="en-US" sz="2800" dirty="0"/>
                   <a:t> and </a:t>
                 </a:r>
                 <a14:m>
@@ -15360,7 +15140,7 @@
                             <a:solidFill>
                               <a:srgbClr val="FF0000"/>
                             </a:solidFill>
-                            <a:latin typeface="Cambria Math"/>
+                            <a:latin typeface="Cambria Math" panose="02040503050406030204" pitchFamily="18" charset="0"/>
                           </a:rPr>
                         </m:ctrlPr>
                       </m:sSubPr>
@@ -15399,7 +15179,7 @@
                   </m:oMath>
                 </a14:m>
                 <a:r>
-                  <a:rPr lang="en-US" sz="2800" dirty="0" smtClean="0"/>
+                  <a:rPr lang="en-US" sz="2800" dirty="0"/>
                   <a:t>:</a:t>
                 </a:r>
               </a:p>
@@ -15408,15 +15188,15 @@
               </a:p>
               <a:p>
                 <a:r>
-                  <a:rPr lang="en-US" sz="2800" dirty="0" smtClean="0"/>
+                  <a:rPr lang="en-US" sz="2800" dirty="0"/>
                   <a:t>For an </a:t>
                 </a:r>
                 <a:r>
-                  <a:rPr lang="en-US" sz="2800" u="sng" dirty="0" smtClean="0"/>
+                  <a:rPr lang="en-US" sz="2800" u="sng" dirty="0"/>
                   <a:t>additive model</a:t>
                 </a:r>
                 <a:r>
-                  <a:rPr lang="en-US" sz="2800" dirty="0" smtClean="0"/>
+                  <a:rPr lang="en-US" sz="2800" dirty="0"/>
                   <a:t>, the seasonal index is estimated as the difference between observation and the initial level:</a:t>
                 </a:r>
               </a:p>
@@ -15425,7 +15205,7 @@
               </a:p>
               <a:p>
                 <a:r>
-                  <a:rPr lang="en-US" sz="2800" i="1" dirty="0" smtClean="0"/>
+                  <a:rPr lang="en-US" sz="2800" i="1" dirty="0"/>
                   <a:t>For t = 1 (Season 1)</a:t>
                 </a:r>
               </a:p>
@@ -15509,7 +15289,7 @@
                               <a:solidFill>
                                 <a:srgbClr val="FF0000"/>
                               </a:solidFill>
-                              <a:latin typeface="Cambria Math"/>
+                              <a:latin typeface="Cambria Math" panose="02040503050406030204" pitchFamily="18" charset="0"/>
                             </a:rPr>
                           </m:ctrlPr>
                         </m:sSubPr>
@@ -15546,7 +15326,7 @@
                         <m:sSubPr>
                           <m:ctrlPr>
                             <a:rPr lang="en-PH" sz="2800" i="1">
-                              <a:latin typeface="Cambria Math"/>
+                              <a:latin typeface="Cambria Math" panose="02040503050406030204" pitchFamily="18" charset="0"/>
                             </a:rPr>
                           </m:ctrlPr>
                         </m:sSubPr>
@@ -15577,7 +15357,7 @@
                         <m:sSubPr>
                           <m:ctrlPr>
                             <a:rPr lang="en-PH" sz="2800" i="1">
-                              <a:latin typeface="Cambria Math"/>
+                              <a:latin typeface="Cambria Math" panose="02040503050406030204" pitchFamily="18" charset="0"/>
                             </a:rPr>
                           </m:ctrlPr>
                         </m:sSubPr>
@@ -15687,21 +15467,8 @@
           <a:p>
             <a:r>
               <a:rPr lang="en-US" sz="2800" i="1" dirty="0"/>
-              <a:t>For t = </a:t>
+              <a:t>For t = 2 (Season 2)</a:t>
             </a:r>
-            <a:r>
-              <a:rPr lang="en-US" sz="2800" i="1" dirty="0" smtClean="0"/>
-              <a:t>2 </a:t>
-            </a:r>
-            <a:r>
-              <a:rPr lang="en-US" sz="2800" i="1" dirty="0"/>
-              <a:t>(Season </a:t>
-            </a:r>
-            <a:r>
-              <a:rPr lang="en-US" sz="2800" i="1" dirty="0" smtClean="0"/>
-              <a:t>2)</a:t>
-            </a:r>
-            <a:endParaRPr lang="en-US" sz="2800" i="1" dirty="0"/>
           </a:p>
         </p:txBody>
       </p:sp>
@@ -15743,7 +15510,7 @@
                               <a:solidFill>
                                 <a:srgbClr val="FF0000"/>
                               </a:solidFill>
-                              <a:latin typeface="Cambria Math"/>
+                              <a:latin typeface="Cambria Math" panose="02040503050406030204" pitchFamily="18" charset="0"/>
                             </a:rPr>
                           </m:ctrlPr>
                         </m:sSubPr>
@@ -15780,7 +15547,7 @@
                         <m:sSubPr>
                           <m:ctrlPr>
                             <a:rPr lang="en-PH" sz="2800" i="1">
-                              <a:latin typeface="Cambria Math"/>
+                              <a:latin typeface="Cambria Math" panose="02040503050406030204" pitchFamily="18" charset="0"/>
                             </a:rPr>
                           </m:ctrlPr>
                         </m:sSubPr>
@@ -15811,7 +15578,7 @@
                         <m:sSubPr>
                           <m:ctrlPr>
                             <a:rPr lang="en-PH" sz="2800" i="1">
-                              <a:latin typeface="Cambria Math"/>
+                              <a:latin typeface="Cambria Math" panose="02040503050406030204" pitchFamily="18" charset="0"/>
                             </a:rPr>
                           </m:ctrlPr>
                         </m:sSubPr>
@@ -15908,13 +15675,6 @@
   <p:clrMapOvr>
     <a:masterClrMapping/>
   </p:clrMapOvr>
-  <p:timing>
-    <p:tnLst>
-      <p:par>
-        <p:cTn id="1" dur="indefinite" restart="never" nodeType="tmRoot"/>
-      </p:par>
-    </p:tnLst>
-  </p:timing>
 </p:sld>
 </file>
 
@@ -15958,24 +15718,23 @@
           <a:lstStyle/>
           <a:p>
             <a:r>
-              <a:rPr lang="en-US" sz="4400" b="1" dirty="0" smtClean="0"/>
+              <a:rPr lang="en-US" sz="4400" b="1" dirty="0"/>
               <a:t>Motivation:</a:t>
             </a:r>
-            <a:endParaRPr lang="en-US" sz="4400" b="1" dirty="0"/>
           </a:p>
           <a:p>
             <a:endParaRPr lang="en-US" sz="2400" b="1" dirty="0"/>
           </a:p>
           <a:p>
             <a:r>
-              <a:rPr lang="en-US" sz="4000" dirty="0" smtClean="0">
+              <a:rPr lang="en-US" sz="4000" dirty="0">
                 <a:latin typeface="+mj-lt"/>
                 <a:cs typeface="Arial" pitchFamily="34" charset="0"/>
               </a:rPr>
               <a:t>Ancient societies relied on weather forecasting to ensure food security. They predicted rainfall or drought for their </a:t>
             </a:r>
             <a:r>
-              <a:rPr lang="en-US" sz="4000" dirty="0" smtClean="0">
+              <a:rPr lang="en-US" sz="4000" dirty="0">
                 <a:solidFill>
                   <a:srgbClr val="C00000"/>
                 </a:solidFill>
@@ -15985,7 +15744,7 @@
               <a:t>survival</a:t>
             </a:r>
             <a:r>
-              <a:rPr lang="en-US" sz="4000" dirty="0" smtClean="0">
+              <a:rPr lang="en-US" sz="4000" dirty="0">
                 <a:latin typeface="+mj-lt"/>
                 <a:cs typeface="Arial" pitchFamily="34" charset="0"/>
               </a:rPr>
@@ -16150,13 +15909,6 @@
   <p:clrMapOvr>
     <a:masterClrMapping/>
   </p:clrMapOvr>
-  <p:timing>
-    <p:tnLst>
-      <p:par>
-        <p:cTn id="1" dur="indefinite" restart="never" nodeType="tmRoot"/>
-      </p:par>
-    </p:tnLst>
-  </p:timing>
 </p:sld>
 </file>
 
@@ -16200,20 +15952,8 @@
           <a:lstStyle/>
           <a:p>
             <a:r>
-              <a:rPr lang="en-US" sz="3600" b="1" dirty="0" smtClean="0"/>
-              <a:t>Triple </a:t>
-            </a:r>
-            <a:r>
               <a:rPr lang="en-US" sz="3600" b="1" dirty="0"/>
-              <a:t>Exponential Smoothing (</a:t>
-            </a:r>
-            <a:r>
-              <a:rPr lang="en-US" sz="3600" b="1" dirty="0" smtClean="0"/>
-              <a:t>Holt-Winter’s </a:t>
-            </a:r>
-            <a:r>
-              <a:rPr lang="en-US" sz="3600" b="1" dirty="0"/>
-              <a:t>Method)</a:t>
+              <a:t>Triple Exponential Smoothing (Holt-Winter’s Method)</a:t>
             </a:r>
           </a:p>
         </p:txBody>
@@ -16251,7 +15991,7 @@
                             <a:solidFill>
                               <a:schemeClr val="tx1"/>
                             </a:solidFill>
-                            <a:latin typeface="Cambria Math"/>
+                            <a:latin typeface="Cambria Math" panose="02040503050406030204" pitchFamily="18" charset="0"/>
                           </a:rPr>
                         </m:ctrlPr>
                       </m:sSubPr>
@@ -16281,7 +16021,7 @@
                   </m:oMath>
                 </a14:m>
                 <a:r>
-                  <a:rPr lang="en-US" sz="2800" b="1" i="1" dirty="0" smtClean="0"/>
+                  <a:rPr lang="en-US" sz="2800" b="1" i="1" dirty="0"/>
                   <a:t> and </a:t>
                 </a:r>
                 <a14:m>
@@ -16293,7 +16033,7 @@
                             <a:solidFill>
                               <a:schemeClr val="tx1"/>
                             </a:solidFill>
-                            <a:latin typeface="Cambria Math"/>
+                            <a:latin typeface="Cambria Math" panose="02040503050406030204" pitchFamily="18" charset="0"/>
                           </a:rPr>
                         </m:ctrlPr>
                       </m:sSubPr>
@@ -16323,7 +16063,7 @@
                   </m:oMath>
                 </a14:m>
                 <a:r>
-                  <a:rPr lang="en-US" sz="2800" b="1" i="1" dirty="0" smtClean="0"/>
+                  <a:rPr lang="en-US" sz="2800" b="1" i="1" dirty="0"/>
                   <a:t> at t = 2</a:t>
                 </a:r>
               </a:p>
@@ -16340,7 +16080,7 @@
                             <a:solidFill>
                               <a:srgbClr val="FF0000"/>
                             </a:solidFill>
-                            <a:latin typeface="Cambria Math"/>
+                            <a:latin typeface="Cambria Math" panose="02040503050406030204" pitchFamily="18" charset="0"/>
                           </a:rPr>
                         </m:ctrlPr>
                       </m:sSubPr>
@@ -16370,7 +16110,7 @@
                   </m:oMath>
                 </a14:m>
                 <a:r>
-                  <a:rPr lang="en-US" sz="2800" dirty="0" smtClean="0">
+                  <a:rPr lang="en-US" sz="2800" dirty="0">
                     <a:solidFill>
                       <a:srgbClr val="FF0000"/>
                     </a:solidFill>
@@ -16386,7 +16126,7 @@
                             <a:solidFill>
                               <a:srgbClr val="FF0000"/>
                             </a:solidFill>
-                            <a:latin typeface="Cambria Math"/>
+                            <a:latin typeface="Cambria Math" panose="02040503050406030204" pitchFamily="18" charset="0"/>
                           </a:rPr>
                         </m:ctrlPr>
                       </m:sSubPr>
@@ -16416,7 +16156,7 @@
                   </m:oMath>
                 </a14:m>
                 <a:r>
-                  <a:rPr lang="en-US" sz="2800" dirty="0" smtClean="0">
+                  <a:rPr lang="en-US" sz="2800" dirty="0">
                     <a:solidFill>
                       <a:srgbClr val="FF0000"/>
                     </a:solidFill>
@@ -16434,7 +16174,7 @@
                             <a:solidFill>
                               <a:srgbClr val="FF0000"/>
                             </a:solidFill>
-                            <a:latin typeface="Cambria Math"/>
+                            <a:latin typeface="Cambria Math" panose="02040503050406030204" pitchFamily="18" charset="0"/>
                           </a:rPr>
                         </m:ctrlPr>
                       </m:sSubPr>
@@ -16464,7 +16204,7 @@
                   </m:oMath>
                 </a14:m>
                 <a:r>
-                  <a:rPr lang="en-US" sz="2800" dirty="0" smtClean="0">
+                  <a:rPr lang="en-US" sz="2800" dirty="0">
                     <a:solidFill>
                       <a:srgbClr val="FF0000"/>
                     </a:solidFill>
@@ -16480,7 +16220,7 @@
                             <a:solidFill>
                               <a:srgbClr val="FF0000"/>
                             </a:solidFill>
-                            <a:latin typeface="Cambria Math"/>
+                            <a:latin typeface="Cambria Math" panose="02040503050406030204" pitchFamily="18" charset="0"/>
                           </a:rPr>
                         </m:ctrlPr>
                       </m:sSubPr>
@@ -16510,7 +16250,7 @@
                   </m:oMath>
                 </a14:m>
                 <a:r>
-                  <a:rPr lang="en-US" sz="2800" dirty="0" smtClean="0">
+                  <a:rPr lang="en-US" sz="2800" dirty="0">
                     <a:solidFill>
                       <a:srgbClr val="FF0000"/>
                     </a:solidFill>
@@ -16523,11 +16263,11 @@
               </a:p>
               <a:p>
                 <a:r>
-                  <a:rPr lang="en-US" sz="2800" dirty="0" smtClean="0"/>
+                  <a:rPr lang="en-US" sz="2800" dirty="0"/>
                   <a:t>This values serve as our ‘previous’ values when updating at </a:t>
                 </a:r>
                 <a:r>
-                  <a:rPr lang="en-US" sz="2800" i="1" dirty="0" smtClean="0"/>
+                  <a:rPr lang="en-US" sz="2800" i="1" dirty="0"/>
                   <a:t>t = 3</a:t>
                 </a:r>
               </a:p>
@@ -16586,13 +16326,6 @@
   <p:clrMapOvr>
     <a:masterClrMapping/>
   </p:clrMapOvr>
-  <p:timing>
-    <p:tnLst>
-      <p:par>
-        <p:cTn id="1" dur="indefinite" restart="never" nodeType="tmRoot"/>
-      </p:par>
-    </p:tnLst>
-  </p:timing>
 </p:sld>
 </file>
 
@@ -16636,20 +16369,8 @@
           <a:lstStyle/>
           <a:p>
             <a:r>
-              <a:rPr lang="en-US" sz="3600" b="1" dirty="0" smtClean="0"/>
-              <a:t>Triple </a:t>
-            </a:r>
-            <a:r>
               <a:rPr lang="en-US" sz="3600" b="1" dirty="0"/>
-              <a:t>Exponential Smoothing (</a:t>
-            </a:r>
-            <a:r>
-              <a:rPr lang="en-US" sz="3600" b="1" dirty="0" smtClean="0"/>
-              <a:t>Holt-Winter’s </a:t>
-            </a:r>
-            <a:r>
-              <a:rPr lang="en-US" sz="3600" b="1" dirty="0"/>
-              <a:t>Method)</a:t>
+              <a:t>Triple Exponential Smoothing (Holt-Winter’s Method)</a:t>
             </a:r>
           </a:p>
         </p:txBody>
@@ -16679,7 +16400,7 @@
               <a:lstStyle/>
               <a:p>
                 <a:r>
-                  <a:rPr lang="en-US" sz="2800" b="1" dirty="0" smtClean="0"/>
+                  <a:rPr lang="en-US" sz="2800" b="1" dirty="0"/>
                   <a:t>Update Level </a:t>
                 </a:r>
                 <a14:m>
@@ -16688,7 +16409,7 @@
                       <m:sSubPr>
                         <m:ctrlPr>
                           <a:rPr lang="en-US" sz="2800" b="1" i="1">
-                            <a:latin typeface="Cambria Math"/>
+                            <a:latin typeface="Cambria Math" panose="02040503050406030204" pitchFamily="18" charset="0"/>
                           </a:rPr>
                         </m:ctrlPr>
                       </m:sSubPr>
@@ -16712,7 +16433,7 @@
                   </m:oMath>
                 </a14:m>
                 <a:r>
-                  <a:rPr lang="en-US" sz="2800" b="1" dirty="0" smtClean="0"/>
+                  <a:rPr lang="en-US" sz="2800" b="1" dirty="0"/>
                   <a:t>:</a:t>
                 </a:r>
               </a:p>
@@ -16728,7 +16449,7 @@
                   </m:oMath>
                 </a14:m>
                 <a:r>
-                  <a:rPr lang="en-US" sz="2800" dirty="0" smtClean="0"/>
+                  <a:rPr lang="en-US" sz="2800" dirty="0"/>
                   <a:t> = 2</a:t>
                 </a:r>
               </a:p>
@@ -16739,7 +16460,7 @@
                       <m:sSubPr>
                         <m:ctrlPr>
                           <a:rPr lang="el-GR" sz="2800" i="1">
-                            <a:latin typeface="Cambria Math"/>
+                            <a:latin typeface="Cambria Math" panose="02040503050406030204" pitchFamily="18" charset="0"/>
                             <a:ea typeface="Cambria Math"/>
                           </a:rPr>
                         </m:ctrlPr>
@@ -16766,7 +16487,7 @@
                   </m:oMath>
                 </a14:m>
                 <a:r>
-                  <a:rPr lang="en-US" sz="2800" dirty="0" smtClean="0"/>
+                  <a:rPr lang="en-US" sz="2800" dirty="0"/>
                   <a:t> = 57</a:t>
                 </a:r>
               </a:p>
@@ -16777,7 +16498,7 @@
                       <m:sSubPr>
                         <m:ctrlPr>
                           <a:rPr lang="el-GR" sz="2800" i="1">
-                            <a:latin typeface="Cambria Math"/>
+                            <a:latin typeface="Cambria Math" panose="02040503050406030204" pitchFamily="18" charset="0"/>
                             <a:ea typeface="Cambria Math"/>
                           </a:rPr>
                         </m:ctrlPr>
@@ -16804,7 +16525,7 @@
                   </m:oMath>
                 </a14:m>
                 <a:r>
-                  <a:rPr lang="en-US" sz="2800" dirty="0" smtClean="0"/>
+                  <a:rPr lang="en-US" sz="2800" dirty="0"/>
                   <a:t> = </a:t>
                 </a:r>
                 <a14:m>
@@ -16813,7 +16534,7 @@
                       <m:sSubPr>
                         <m:ctrlPr>
                           <a:rPr lang="el-GR" sz="2800" i="1">
-                            <a:latin typeface="Cambria Math"/>
+                            <a:latin typeface="Cambria Math" panose="02040503050406030204" pitchFamily="18" charset="0"/>
                             <a:ea typeface="Cambria Math"/>
                           </a:rPr>
                         </m:ctrlPr>
@@ -16840,13 +16561,13 @@
                   </m:oMath>
                 </a14:m>
                 <a:r>
-                  <a:rPr lang="en-US" sz="2800" dirty="0" smtClean="0"/>
+                  <a:rPr lang="en-US" sz="2800" dirty="0"/>
                   <a:t> = -1.5</a:t>
                 </a:r>
               </a:p>
               <a:p>
                 <a:r>
-                  <a:rPr lang="en-US" sz="2800" dirty="0" smtClean="0"/>
+                  <a:rPr lang="en-US" sz="2800" dirty="0"/>
                   <a:t>Previous Level </a:t>
                 </a:r>
                 <a14:m>
@@ -16855,7 +16576,7 @@
                       <m:sSubPr>
                         <m:ctrlPr>
                           <a:rPr lang="en-US" sz="2800" i="1">
-                            <a:latin typeface="Cambria Math"/>
+                            <a:latin typeface="Cambria Math" panose="02040503050406030204" pitchFamily="18" charset="0"/>
                           </a:rPr>
                         </m:ctrlPr>
                       </m:sSubPr>
@@ -16879,13 +16600,13 @@
                   </m:oMath>
                 </a14:m>
                 <a:r>
-                  <a:rPr lang="en-US" sz="2800" dirty="0" smtClean="0"/>
+                  <a:rPr lang="en-US" sz="2800" dirty="0"/>
                   <a:t> = 53</a:t>
                 </a:r>
               </a:p>
               <a:p>
                 <a:r>
-                  <a:rPr lang="en-US" sz="2800" dirty="0" smtClean="0"/>
+                  <a:rPr lang="en-US" sz="2800" dirty="0"/>
                   <a:t>Previous Trend </a:t>
                 </a:r>
                 <a14:m>
@@ -16894,7 +16615,7 @@
                       <m:sSubPr>
                         <m:ctrlPr>
                           <a:rPr lang="el-GR" sz="2800" i="1">
-                            <a:latin typeface="Cambria Math"/>
+                            <a:latin typeface="Cambria Math" panose="02040503050406030204" pitchFamily="18" charset="0"/>
                             <a:ea typeface="Cambria Math"/>
                           </a:rPr>
                         </m:ctrlPr>
@@ -16921,13 +16642,13 @@
                   </m:oMath>
                 </a14:m>
                 <a:r>
-                  <a:rPr lang="en-US" sz="2800" dirty="0" smtClean="0"/>
+                  <a:rPr lang="en-US" sz="2800" dirty="0"/>
                   <a:t> = 3</a:t>
                 </a:r>
                 <a:endParaRPr lang="en-US" sz="1400" dirty="0"/>
               </a:p>
               <a:p>
-                <a:endParaRPr lang="en-US" sz="1100" dirty="0" smtClean="0"/>
+                <a:endParaRPr lang="en-US" sz="1100" dirty="0"/>
               </a:p>
             </p:txBody>
           </p:sp>
@@ -16995,10 +16716,9 @@
               <a:lstStyle/>
               <a:p>
                 <a:r>
-                  <a:rPr lang="en-US" sz="2800" dirty="0" smtClean="0"/>
+                  <a:rPr lang="en-US" sz="2800" dirty="0"/>
                   <a:t>Level:</a:t>
                 </a:r>
-                <a:endParaRPr lang="en-US" sz="2800" dirty="0"/>
               </a:p>
               <a:p>
                 <a:endParaRPr lang="en-US" sz="1000" dirty="0"/>
@@ -17018,7 +16738,7 @@
                         <m:sSubPr>
                           <m:ctrlPr>
                             <a:rPr lang="en-US" sz="2400" i="1">
-                              <a:latin typeface="Cambria Math"/>
+                              <a:latin typeface="Cambria Math" panose="02040503050406030204" pitchFamily="18" charset="0"/>
                             </a:rPr>
                           </m:ctrlPr>
                         </m:sSubPr>
@@ -17059,7 +16779,7 @@
                         <m:dPr>
                           <m:ctrlPr>
                             <a:rPr lang="el-GR" sz="2400" i="1">
-                              <a:latin typeface="Cambria Math"/>
+                              <a:latin typeface="Cambria Math" panose="02040503050406030204" pitchFamily="18" charset="0"/>
                               <a:ea typeface="Cambria Math"/>
                             </a:rPr>
                           </m:ctrlPr>
@@ -17069,7 +16789,7 @@
                             <m:sSubPr>
                               <m:ctrlPr>
                                 <a:rPr lang="el-GR" sz="2400" i="1">
-                                  <a:latin typeface="Cambria Math"/>
+                                  <a:latin typeface="Cambria Math" panose="02040503050406030204" pitchFamily="18" charset="0"/>
                                   <a:ea typeface="Cambria Math"/>
                                 </a:rPr>
                               </m:ctrlPr>
@@ -17104,7 +16824,7 @@
                             <m:sSubPr>
                               <m:ctrlPr>
                                 <a:rPr lang="el-GR" sz="2400" i="1">
-                                  <a:latin typeface="Cambria Math"/>
+                                  <a:latin typeface="Cambria Math" panose="02040503050406030204" pitchFamily="18" charset="0"/>
                                   <a:ea typeface="Cambria Math"/>
                                 </a:rPr>
                               </m:ctrlPr>
@@ -17155,7 +16875,7 @@
                         <m:dPr>
                           <m:ctrlPr>
                             <a:rPr lang="en-US" sz="2400" i="1">
-                              <a:latin typeface="Cambria Math"/>
+                              <a:latin typeface="Cambria Math" panose="02040503050406030204" pitchFamily="18" charset="0"/>
                               <a:ea typeface="Cambria Math"/>
                             </a:rPr>
                           </m:ctrlPr>
@@ -17184,7 +16904,7 @@
                         <m:dPr>
                           <m:ctrlPr>
                             <a:rPr lang="en-US" sz="2400" i="1">
-                              <a:latin typeface="Cambria Math"/>
+                              <a:latin typeface="Cambria Math" panose="02040503050406030204" pitchFamily="18" charset="0"/>
                               <a:ea typeface="Cambria Math"/>
                             </a:rPr>
                           </m:ctrlPr>
@@ -17194,7 +16914,7 @@
                             <m:sSubPr>
                               <m:ctrlPr>
                                 <a:rPr lang="el-GR" sz="2400" i="1">
-                                  <a:latin typeface="Cambria Math"/>
+                                  <a:latin typeface="Cambria Math" panose="02040503050406030204" pitchFamily="18" charset="0"/>
                                   <a:ea typeface="Cambria Math"/>
                                 </a:rPr>
                               </m:ctrlPr>
@@ -17236,7 +16956,7 @@
                             <m:sSubPr>
                               <m:ctrlPr>
                                 <a:rPr lang="el-GR" sz="2400" i="1">
-                                  <a:latin typeface="Cambria Math"/>
+                                  <a:latin typeface="Cambria Math" panose="02040503050406030204" pitchFamily="18" charset="0"/>
                                   <a:ea typeface="Cambria Math"/>
                                 </a:rPr>
                               </m:ctrlPr>
@@ -17272,7 +16992,7 @@
                     </m:oMath>
                   </m:oMathPara>
                 </a14:m>
-                <a:endParaRPr lang="en-US" sz="2400" i="1" dirty="0" smtClean="0">
+                <a:endParaRPr lang="en-US" sz="2400" i="1" dirty="0">
                   <a:latin typeface="Cambria Math"/>
                   <a:ea typeface="Cambria Math"/>
                 </a:endParaRPr>
@@ -17289,7 +17009,7 @@
                         <m:sSubPr>
                           <m:ctrlPr>
                             <a:rPr lang="en-US" sz="2400" i="1">
-                              <a:latin typeface="Cambria Math"/>
+                              <a:latin typeface="Cambria Math" panose="02040503050406030204" pitchFamily="18" charset="0"/>
                             </a:rPr>
                           </m:ctrlPr>
                         </m:sSubPr>
@@ -17330,7 +17050,7 @@
                         <m:dPr>
                           <m:ctrlPr>
                             <a:rPr lang="el-GR" sz="2400" i="1">
-                              <a:latin typeface="Cambria Math"/>
+                              <a:latin typeface="Cambria Math" panose="02040503050406030204" pitchFamily="18" charset="0"/>
                               <a:ea typeface="Cambria Math"/>
                             </a:rPr>
                           </m:ctrlPr>
@@ -17340,7 +17060,7 @@
                             <m:sSubPr>
                               <m:ctrlPr>
                                 <a:rPr lang="el-GR" sz="2400" i="1">
-                                  <a:latin typeface="Cambria Math"/>
+                                  <a:latin typeface="Cambria Math" panose="02040503050406030204" pitchFamily="18" charset="0"/>
                                   <a:ea typeface="Cambria Math"/>
                                 </a:rPr>
                               </m:ctrlPr>
@@ -17375,7 +17095,7 @@
                             <m:sSubPr>
                               <m:ctrlPr>
                                 <a:rPr lang="el-GR" sz="2400" i="1">
-                                  <a:latin typeface="Cambria Math"/>
+                                  <a:latin typeface="Cambria Math" panose="02040503050406030204" pitchFamily="18" charset="0"/>
                                   <a:ea typeface="Cambria Math"/>
                                 </a:rPr>
                               </m:ctrlPr>
@@ -17412,7 +17132,7 @@
                         <m:dPr>
                           <m:ctrlPr>
                             <a:rPr lang="en-US" sz="2400" i="1">
-                              <a:latin typeface="Cambria Math"/>
+                              <a:latin typeface="Cambria Math" panose="02040503050406030204" pitchFamily="18" charset="0"/>
                               <a:ea typeface="Cambria Math"/>
                             </a:rPr>
                           </m:ctrlPr>
@@ -17441,7 +17161,7 @@
                         <m:dPr>
                           <m:ctrlPr>
                             <a:rPr lang="en-US" sz="2400" i="1">
-                              <a:latin typeface="Cambria Math"/>
+                              <a:latin typeface="Cambria Math" panose="02040503050406030204" pitchFamily="18" charset="0"/>
                               <a:ea typeface="Cambria Math"/>
                             </a:rPr>
                           </m:ctrlPr>
@@ -17451,7 +17171,7 @@
                             <m:sSubPr>
                               <m:ctrlPr>
                                 <a:rPr lang="el-GR" sz="2400" i="1">
-                                  <a:latin typeface="Cambria Math"/>
+                                  <a:latin typeface="Cambria Math" panose="02040503050406030204" pitchFamily="18" charset="0"/>
                                   <a:ea typeface="Cambria Math"/>
                                 </a:rPr>
                               </m:ctrlPr>
@@ -17486,7 +17206,7 @@
                             <m:sSubPr>
                               <m:ctrlPr>
                                 <a:rPr lang="el-GR" sz="2400" i="1">
-                                  <a:latin typeface="Cambria Math"/>
+                                  <a:latin typeface="Cambria Math" panose="02040503050406030204" pitchFamily="18" charset="0"/>
                                   <a:ea typeface="Cambria Math"/>
                                 </a:rPr>
                               </m:ctrlPr>
@@ -17521,7 +17241,7 @@
                     </m:oMath>
                   </m:oMathPara>
                 </a14:m>
-                <a:endParaRPr lang="en-US" sz="2400" dirty="0" smtClean="0"/>
+                <a:endParaRPr lang="en-US" sz="2400" dirty="0"/>
               </a:p>
               <a:p>
                 <a:pPr/>
@@ -17535,7 +17255,7 @@
                         <m:sSubPr>
                           <m:ctrlPr>
                             <a:rPr lang="en-US" sz="2400" i="1">
-                              <a:latin typeface="Cambria Math"/>
+                              <a:latin typeface="Cambria Math" panose="02040503050406030204" pitchFamily="18" charset="0"/>
                             </a:rPr>
                           </m:ctrlPr>
                         </m:sSubPr>
@@ -17573,7 +17293,7 @@
                         <m:dPr>
                           <m:ctrlPr>
                             <a:rPr lang="el-GR" sz="2400" i="1">
-                              <a:latin typeface="Cambria Math"/>
+                              <a:latin typeface="Cambria Math" panose="02040503050406030204" pitchFamily="18" charset="0"/>
                               <a:ea typeface="Cambria Math"/>
                             </a:rPr>
                           </m:ctrlPr>
@@ -17597,7 +17317,7 @@
                             <m:dPr>
                               <m:ctrlPr>
                                 <a:rPr lang="en-US" sz="2400" i="1" smtClean="0">
-                                  <a:latin typeface="Cambria Math"/>
+                                  <a:latin typeface="Cambria Math" panose="02040503050406030204" pitchFamily="18" charset="0"/>
                                   <a:ea typeface="Cambria Math"/>
                                 </a:rPr>
                               </m:ctrlPr>
@@ -17625,7 +17345,7 @@
                         <m:dPr>
                           <m:ctrlPr>
                             <a:rPr lang="en-US" sz="2400" i="1">
-                              <a:latin typeface="Cambria Math"/>
+                              <a:latin typeface="Cambria Math" panose="02040503050406030204" pitchFamily="18" charset="0"/>
                               <a:ea typeface="Cambria Math"/>
                             </a:rPr>
                           </m:ctrlPr>
@@ -17651,7 +17371,7 @@
                         <m:dPr>
                           <m:ctrlPr>
                             <a:rPr lang="en-US" sz="2400" i="1">
-                              <a:latin typeface="Cambria Math"/>
+                              <a:latin typeface="Cambria Math" panose="02040503050406030204" pitchFamily="18" charset="0"/>
                               <a:ea typeface="Cambria Math"/>
                             </a:rPr>
                           </m:ctrlPr>
@@ -17683,7 +17403,7 @@
                     </m:oMath>
                   </m:oMathPara>
                 </a14:m>
-                <a:endParaRPr lang="en-US" sz="2400" i="1" dirty="0" smtClean="0">
+                <a:endParaRPr lang="en-US" sz="2400" i="1" dirty="0">
                   <a:latin typeface="Cambria Math"/>
                   <a:ea typeface="Cambria Math"/>
                 </a:endParaRPr>
@@ -17700,7 +17420,7 @@
                         <m:sSubPr>
                           <m:ctrlPr>
                             <a:rPr lang="en-US" sz="2400" i="1">
-                              <a:latin typeface="Cambria Math"/>
+                              <a:latin typeface="Cambria Math" panose="02040503050406030204" pitchFamily="18" charset="0"/>
                             </a:rPr>
                           </m:ctrlPr>
                         </m:sSubPr>
@@ -17738,7 +17458,7 @@
                         <m:dPr>
                           <m:ctrlPr>
                             <a:rPr lang="el-GR" sz="2400" i="1">
-                              <a:latin typeface="Cambria Math"/>
+                              <a:latin typeface="Cambria Math" panose="02040503050406030204" pitchFamily="18" charset="0"/>
                               <a:ea typeface="Cambria Math"/>
                             </a:rPr>
                           </m:ctrlPr>
@@ -17764,7 +17484,7 @@
                         <m:dPr>
                           <m:ctrlPr>
                             <a:rPr lang="en-US" sz="2400" i="1">
-                              <a:latin typeface="Cambria Math"/>
+                              <a:latin typeface="Cambria Math" panose="02040503050406030204" pitchFamily="18" charset="0"/>
                               <a:ea typeface="Cambria Math"/>
                             </a:rPr>
                           </m:ctrlPr>
@@ -17783,7 +17503,7 @@
                         <m:dPr>
                           <m:ctrlPr>
                             <a:rPr lang="en-US" sz="2400" i="1">
-                              <a:latin typeface="Cambria Math"/>
+                              <a:latin typeface="Cambria Math" panose="02040503050406030204" pitchFamily="18" charset="0"/>
                               <a:ea typeface="Cambria Math"/>
                             </a:rPr>
                           </m:ctrlPr>
@@ -17814,7 +17534,7 @@
                     </m:oMath>
                   </m:oMathPara>
                 </a14:m>
-                <a:endParaRPr lang="en-US" sz="2400" dirty="0" smtClean="0"/>
+                <a:endParaRPr lang="en-US" sz="2400" dirty="0"/>
               </a:p>
               <a:p>
                 <a:pPr/>
@@ -17828,7 +17548,7 @@
                         <m:sSubPr>
                           <m:ctrlPr>
                             <a:rPr lang="en-US" sz="2400" i="1">
-                              <a:latin typeface="Cambria Math"/>
+                              <a:latin typeface="Cambria Math" panose="02040503050406030204" pitchFamily="18" charset="0"/>
                             </a:rPr>
                           </m:ctrlPr>
                         </m:sSubPr>
@@ -17879,7 +17599,7 @@
                     </m:oMath>
                   </m:oMathPara>
                 </a14:m>
-                <a:endParaRPr lang="en-US" sz="2400" dirty="0" smtClean="0"/>
+                <a:endParaRPr lang="en-US" sz="2400" dirty="0"/>
               </a:p>
               <a:p>
                 <a:pPr/>
@@ -17896,7 +17616,7 @@
                               <a:solidFill>
                                 <a:srgbClr val="FF0000"/>
                               </a:solidFill>
-                              <a:latin typeface="Cambria Math"/>
+                              <a:latin typeface="Cambria Math" panose="02040503050406030204" pitchFamily="18" charset="0"/>
                             </a:rPr>
                           </m:ctrlPr>
                         </m:sSubPr>
@@ -18003,13 +17723,6 @@
   <p:clrMapOvr>
     <a:masterClrMapping/>
   </p:clrMapOvr>
-  <p:timing>
-    <p:tnLst>
-      <p:par>
-        <p:cTn id="1" dur="indefinite" restart="never" nodeType="tmRoot"/>
-      </p:par>
-    </p:tnLst>
-  </p:timing>
 </p:sld>
 </file>
 
@@ -18053,20 +17766,8 @@
           <a:lstStyle/>
           <a:p>
             <a:r>
-              <a:rPr lang="en-US" sz="3600" b="1" dirty="0" smtClean="0"/>
-              <a:t>Triple </a:t>
-            </a:r>
-            <a:r>
               <a:rPr lang="en-US" sz="3600" b="1" dirty="0"/>
-              <a:t>Exponential Smoothing (</a:t>
-            </a:r>
-            <a:r>
-              <a:rPr lang="en-US" sz="3600" b="1" dirty="0" smtClean="0"/>
-              <a:t>Holt-Winter’s </a:t>
-            </a:r>
-            <a:r>
-              <a:rPr lang="en-US" sz="3600" b="1" dirty="0"/>
-              <a:t>Method)</a:t>
+              <a:t>Triple Exponential Smoothing (Holt-Winter’s Method)</a:t>
             </a:r>
           </a:p>
         </p:txBody>
@@ -18096,7 +17797,7 @@
               <a:lstStyle/>
               <a:p>
                 <a:r>
-                  <a:rPr lang="en-US" sz="2800" b="1" dirty="0" smtClean="0"/>
+                  <a:rPr lang="en-US" sz="2800" b="1" dirty="0"/>
                   <a:t>Update Trend </a:t>
                 </a:r>
                 <a14:m>
@@ -18105,7 +17806,7 @@
                       <m:sSubPr>
                         <m:ctrlPr>
                           <a:rPr lang="en-US" sz="2800" b="1" i="1">
-                            <a:latin typeface="Cambria Math"/>
+                            <a:latin typeface="Cambria Math" panose="02040503050406030204" pitchFamily="18" charset="0"/>
                           </a:rPr>
                         </m:ctrlPr>
                       </m:sSubPr>
@@ -18129,7 +17830,7 @@
                   </m:oMath>
                 </a14:m>
                 <a:r>
-                  <a:rPr lang="en-US" sz="2800" b="1" dirty="0" smtClean="0"/>
+                  <a:rPr lang="en-US" sz="2800" b="1" dirty="0"/>
                   <a:t>:</a:t>
                 </a:r>
               </a:p>
@@ -18140,7 +17841,7 @@
                       <m:sSubPr>
                         <m:ctrlPr>
                           <a:rPr lang="en-US" sz="2800" i="1">
-                            <a:latin typeface="Cambria Math"/>
+                            <a:latin typeface="Cambria Math" panose="02040503050406030204" pitchFamily="18" charset="0"/>
                           </a:rPr>
                         </m:ctrlPr>
                       </m:sSubPr>
@@ -18164,7 +17865,7 @@
                   </m:oMath>
                 </a14:m>
                 <a:r>
-                  <a:rPr lang="en-US" sz="2800" dirty="0" smtClean="0"/>
+                  <a:rPr lang="en-US" sz="2800" dirty="0"/>
                   <a:t>= 57.25</a:t>
                 </a:r>
               </a:p>
@@ -18175,7 +17876,7 @@
                       <m:sSubPr>
                         <m:ctrlPr>
                           <a:rPr lang="en-US" sz="2800" i="1">
-                            <a:latin typeface="Cambria Math"/>
+                            <a:latin typeface="Cambria Math" panose="02040503050406030204" pitchFamily="18" charset="0"/>
                           </a:rPr>
                         </m:ctrlPr>
                       </m:sSubPr>
@@ -18199,7 +17900,7 @@
                   </m:oMath>
                 </a14:m>
                 <a:r>
-                  <a:rPr lang="en-US" sz="2800" dirty="0" smtClean="0"/>
+                  <a:rPr lang="en-US" sz="2800" dirty="0"/>
                   <a:t>= 53</a:t>
                 </a:r>
               </a:p>
@@ -18210,7 +17911,7 @@
                       <m:sSubPr>
                         <m:ctrlPr>
                           <a:rPr lang="el-GR" sz="2800" i="1">
-                            <a:latin typeface="Cambria Math"/>
+                            <a:latin typeface="Cambria Math" panose="02040503050406030204" pitchFamily="18" charset="0"/>
                             <a:ea typeface="Cambria Math"/>
                           </a:rPr>
                         </m:ctrlPr>
@@ -18237,7 +17938,7 @@
                   </m:oMath>
                 </a14:m>
                 <a:r>
-                  <a:rPr lang="en-US" sz="2800" dirty="0" smtClean="0"/>
+                  <a:rPr lang="en-US" sz="2800" dirty="0"/>
                   <a:t>= </a:t>
                 </a:r>
                 <a14:m>
@@ -18251,12 +17952,12 @@
                     </m:r>
                   </m:oMath>
                 </a14:m>
-                <a:endParaRPr lang="en-US" sz="2800" b="0" dirty="0" smtClean="0">
+                <a:endParaRPr lang="en-US" sz="2800" b="0" dirty="0">
                   <a:ea typeface="Cambria Math"/>
                 </a:endParaRPr>
               </a:p>
               <a:p>
-                <a:endParaRPr lang="en-US" sz="1100" dirty="0" smtClean="0"/>
+                <a:endParaRPr lang="en-US" sz="1100" dirty="0"/>
               </a:p>
             </p:txBody>
           </p:sp>
@@ -18324,10 +18025,9 @@
               <a:lstStyle/>
               <a:p>
                 <a:r>
-                  <a:rPr lang="en-US" sz="2800" dirty="0" smtClean="0"/>
+                  <a:rPr lang="en-US" sz="2800" dirty="0"/>
                   <a:t>Trend:</a:t>
                 </a:r>
-                <a:endParaRPr lang="en-US" sz="2800" dirty="0"/>
               </a:p>
               <a:p>
                 <a:endParaRPr lang="en-US" sz="1000" dirty="0"/>
@@ -18347,7 +18047,7 @@
                         <m:sSubPr>
                           <m:ctrlPr>
                             <a:rPr lang="en-US" sz="2400" i="1">
-                              <a:latin typeface="Cambria Math"/>
+                              <a:latin typeface="Cambria Math" panose="02040503050406030204" pitchFamily="18" charset="0"/>
                             </a:rPr>
                           </m:ctrlPr>
                         </m:sSubPr>
@@ -18385,7 +18085,7 @@
                         <m:dPr>
                           <m:ctrlPr>
                             <a:rPr lang="el-GR" sz="2400" i="1">
-                              <a:latin typeface="Cambria Math"/>
+                              <a:latin typeface="Cambria Math" panose="02040503050406030204" pitchFamily="18" charset="0"/>
                             </a:rPr>
                           </m:ctrlPr>
                         </m:dPr>
@@ -18394,7 +18094,7 @@
                             <m:sSubPr>
                               <m:ctrlPr>
                                 <a:rPr lang="el-GR" sz="2400" i="1">
-                                  <a:latin typeface="Cambria Math"/>
+                                  <a:latin typeface="Cambria Math" panose="02040503050406030204" pitchFamily="18" charset="0"/>
                                 </a:rPr>
                               </m:ctrlPr>
                             </m:sSubPr>
@@ -18425,7 +18125,7 @@
                             <m:sSubPr>
                               <m:ctrlPr>
                                 <a:rPr lang="el-GR" sz="2400" i="1">
-                                  <a:latin typeface="Cambria Math"/>
+                                  <a:latin typeface="Cambria Math" panose="02040503050406030204" pitchFamily="18" charset="0"/>
                                 </a:rPr>
                               </m:ctrlPr>
                             </m:sSubPr>
@@ -18464,7 +18164,7 @@
                         <m:dPr>
                           <m:ctrlPr>
                             <a:rPr lang="en-US" sz="2400" i="1">
-                              <a:latin typeface="Cambria Math"/>
+                              <a:latin typeface="Cambria Math" panose="02040503050406030204" pitchFamily="18" charset="0"/>
                             </a:rPr>
                           </m:ctrlPr>
                         </m:dPr>
@@ -18488,7 +18188,7 @@
                         <m:sSubPr>
                           <m:ctrlPr>
                             <a:rPr lang="el-GR" sz="2400" i="1">
-                              <a:latin typeface="Cambria Math"/>
+                              <a:latin typeface="Cambria Math" panose="02040503050406030204" pitchFamily="18" charset="0"/>
                               <a:ea typeface="Cambria Math"/>
                             </a:rPr>
                           </m:ctrlPr>
@@ -18522,7 +18222,7 @@
                     </m:oMath>
                   </m:oMathPara>
                 </a14:m>
-                <a:endParaRPr lang="en-US" sz="2400" dirty="0" smtClean="0"/>
+                <a:endParaRPr lang="en-US" sz="2400" dirty="0"/>
               </a:p>
               <a:p>
                 <a:pPr/>
@@ -18536,7 +18236,7 @@
                         <m:sSubPr>
                           <m:ctrlPr>
                             <a:rPr lang="en-US" sz="2400" i="1">
-                              <a:latin typeface="Cambria Math"/>
+                              <a:latin typeface="Cambria Math" panose="02040503050406030204" pitchFamily="18" charset="0"/>
                             </a:rPr>
                           </m:ctrlPr>
                         </m:sSubPr>
@@ -18574,7 +18274,7 @@
                         <m:dPr>
                           <m:ctrlPr>
                             <a:rPr lang="el-GR" sz="2400" i="1">
-                              <a:latin typeface="Cambria Math"/>
+                              <a:latin typeface="Cambria Math" panose="02040503050406030204" pitchFamily="18" charset="0"/>
                             </a:rPr>
                           </m:ctrlPr>
                         </m:dPr>
@@ -18583,7 +18283,7 @@
                             <m:sSubPr>
                               <m:ctrlPr>
                                 <a:rPr lang="el-GR" sz="2400" i="1">
-                                  <a:latin typeface="Cambria Math"/>
+                                  <a:latin typeface="Cambria Math" panose="02040503050406030204" pitchFamily="18" charset="0"/>
                                 </a:rPr>
                               </m:ctrlPr>
                             </m:sSubPr>
@@ -18614,7 +18314,7 @@
                             <m:sSubPr>
                               <m:ctrlPr>
                                 <a:rPr lang="el-GR" sz="2400" i="1">
-                                  <a:latin typeface="Cambria Math"/>
+                                  <a:latin typeface="Cambria Math" panose="02040503050406030204" pitchFamily="18" charset="0"/>
                                 </a:rPr>
                               </m:ctrlPr>
                             </m:sSubPr>
@@ -18647,7 +18347,7 @@
                         <m:dPr>
                           <m:ctrlPr>
                             <a:rPr lang="en-US" sz="2400" i="1">
-                              <a:latin typeface="Cambria Math"/>
+                              <a:latin typeface="Cambria Math" panose="02040503050406030204" pitchFamily="18" charset="0"/>
                             </a:rPr>
                           </m:ctrlPr>
                         </m:dPr>
@@ -18671,7 +18371,7 @@
                         <m:sSubPr>
                           <m:ctrlPr>
                             <a:rPr lang="el-GR" sz="2400" i="1">
-                              <a:latin typeface="Cambria Math"/>
+                              <a:latin typeface="Cambria Math" panose="02040503050406030204" pitchFamily="18" charset="0"/>
                               <a:ea typeface="Cambria Math"/>
                             </a:rPr>
                           </m:ctrlPr>
@@ -18698,7 +18398,7 @@
                     </m:oMath>
                   </m:oMathPara>
                 </a14:m>
-                <a:endParaRPr lang="en-US" sz="2400" dirty="0" smtClean="0"/>
+                <a:endParaRPr lang="en-US" sz="2400" dirty="0"/>
               </a:p>
               <a:p>
                 <a:pPr/>
@@ -18712,7 +18412,7 @@
                         <m:sSubPr>
                           <m:ctrlPr>
                             <a:rPr lang="en-US" sz="2400" i="1">
-                              <a:latin typeface="Cambria Math"/>
+                              <a:latin typeface="Cambria Math" panose="02040503050406030204" pitchFamily="18" charset="0"/>
                             </a:rPr>
                           </m:ctrlPr>
                         </m:sSubPr>
@@ -18750,7 +18450,7 @@
                         <m:dPr>
                           <m:ctrlPr>
                             <a:rPr lang="el-GR" sz="2400" i="1">
-                              <a:latin typeface="Cambria Math"/>
+                              <a:latin typeface="Cambria Math" panose="02040503050406030204" pitchFamily="18" charset="0"/>
                             </a:rPr>
                           </m:ctrlPr>
                         </m:dPr>
@@ -18785,7 +18485,7 @@
                         <m:dPr>
                           <m:ctrlPr>
                             <a:rPr lang="en-US" sz="2400" i="1">
-                              <a:latin typeface="Cambria Math"/>
+                              <a:latin typeface="Cambria Math" panose="02040503050406030204" pitchFamily="18" charset="0"/>
                             </a:rPr>
                           </m:ctrlPr>
                         </m:dPr>
@@ -18815,7 +18515,7 @@
                     </m:oMath>
                   </m:oMathPara>
                 </a14:m>
-                <a:endParaRPr lang="en-US" sz="2400" dirty="0" smtClean="0"/>
+                <a:endParaRPr lang="en-US" sz="2400" dirty="0"/>
               </a:p>
               <a:p>
                 <a:pPr/>
@@ -18829,7 +18529,7 @@
                         <m:sSubPr>
                           <m:ctrlPr>
                             <a:rPr lang="en-US" sz="2400" i="1">
-                              <a:latin typeface="Cambria Math"/>
+                              <a:latin typeface="Cambria Math" panose="02040503050406030204" pitchFamily="18" charset="0"/>
                             </a:rPr>
                           </m:ctrlPr>
                         </m:sSubPr>
@@ -18867,7 +18567,7 @@
                         <m:dPr>
                           <m:ctrlPr>
                             <a:rPr lang="el-GR" sz="2400" i="1">
-                              <a:latin typeface="Cambria Math"/>
+                              <a:latin typeface="Cambria Math" panose="02040503050406030204" pitchFamily="18" charset="0"/>
                             </a:rPr>
                           </m:ctrlPr>
                         </m:dPr>
@@ -18890,7 +18590,7 @@
                         <m:dPr>
                           <m:ctrlPr>
                             <a:rPr lang="en-US" sz="2400" i="1">
-                              <a:latin typeface="Cambria Math"/>
+                              <a:latin typeface="Cambria Math" panose="02040503050406030204" pitchFamily="18" charset="0"/>
                             </a:rPr>
                           </m:ctrlPr>
                         </m:dPr>
@@ -18913,7 +18613,7 @@
                     </m:oMath>
                   </m:oMathPara>
                 </a14:m>
-                <a:endParaRPr lang="en-US" sz="2400" dirty="0" smtClean="0"/>
+                <a:endParaRPr lang="en-US" sz="2400" dirty="0"/>
               </a:p>
               <a:p>
                 <a:pPr/>
@@ -18927,7 +18627,7 @@
                         <m:sSubPr>
                           <m:ctrlPr>
                             <a:rPr lang="en-US" sz="2400" i="1">
-                              <a:latin typeface="Cambria Math"/>
+                              <a:latin typeface="Cambria Math" panose="02040503050406030204" pitchFamily="18" charset="0"/>
                             </a:rPr>
                           </m:ctrlPr>
                         </m:sSubPr>
@@ -18976,7 +18676,7 @@
                     </m:oMath>
                   </m:oMathPara>
                 </a14:m>
-                <a:endParaRPr lang="en-US" sz="2400" dirty="0" smtClean="0"/>
+                <a:endParaRPr lang="en-US" sz="2400" dirty="0"/>
               </a:p>
               <a:p>
                 <a:pPr/>
@@ -18993,7 +18693,7 @@
                               <a:solidFill>
                                 <a:srgbClr val="FF0000"/>
                               </a:solidFill>
-                              <a:latin typeface="Cambria Math"/>
+                              <a:latin typeface="Cambria Math" panose="02040503050406030204" pitchFamily="18" charset="0"/>
                             </a:rPr>
                           </m:ctrlPr>
                         </m:sSubPr>
@@ -19100,13 +18800,6 @@
   <p:clrMapOvr>
     <a:masterClrMapping/>
   </p:clrMapOvr>
-  <p:timing>
-    <p:tnLst>
-      <p:par>
-        <p:cTn id="1" dur="indefinite" restart="never" nodeType="tmRoot"/>
-      </p:par>
-    </p:tnLst>
-  </p:timing>
 </p:sld>
 </file>
 
@@ -19150,20 +18843,8 @@
           <a:lstStyle/>
           <a:p>
             <a:r>
-              <a:rPr lang="en-US" sz="3600" b="1" dirty="0" smtClean="0"/>
-              <a:t>Triple </a:t>
-            </a:r>
-            <a:r>
               <a:rPr lang="en-US" sz="3600" b="1" dirty="0"/>
-              <a:t>Exponential Smoothing (</a:t>
-            </a:r>
-            <a:r>
-              <a:rPr lang="en-US" sz="3600" b="1" dirty="0" smtClean="0"/>
-              <a:t>Holt-Winter’s </a:t>
-            </a:r>
-            <a:r>
-              <a:rPr lang="en-US" sz="3600" b="1" dirty="0"/>
-              <a:t>Method)</a:t>
+              <a:t>Triple Exponential Smoothing (Holt-Winter’s Method)</a:t>
             </a:r>
           </a:p>
         </p:txBody>
@@ -19193,7 +18874,7 @@
               <a:lstStyle/>
               <a:p>
                 <a:r>
-                  <a:rPr lang="en-US" sz="2800" b="1" dirty="0" smtClean="0"/>
+                  <a:rPr lang="en-US" sz="2800" b="1" dirty="0"/>
                   <a:t>Update Seasonal </a:t>
                 </a:r>
                 <a14:m>
@@ -19202,7 +18883,7 @@
                       <m:sSubPr>
                         <m:ctrlPr>
                           <a:rPr lang="en-US" sz="2800" b="1" i="1">
-                            <a:latin typeface="Cambria Math"/>
+                            <a:latin typeface="Cambria Math" panose="02040503050406030204" pitchFamily="18" charset="0"/>
                           </a:rPr>
                         </m:ctrlPr>
                       </m:sSubPr>
@@ -19226,7 +18907,7 @@
                   </m:oMath>
                 </a14:m>
                 <a:r>
-                  <a:rPr lang="en-US" sz="2800" b="1" dirty="0" smtClean="0"/>
+                  <a:rPr lang="en-US" sz="2800" b="1" dirty="0"/>
                   <a:t>:</a:t>
                 </a:r>
               </a:p>
@@ -19237,7 +18918,7 @@
                       <m:sSubPr>
                         <m:ctrlPr>
                           <a:rPr lang="el-GR" sz="2800" i="1">
-                            <a:latin typeface="Cambria Math"/>
+                            <a:latin typeface="Cambria Math" panose="02040503050406030204" pitchFamily="18" charset="0"/>
                             <a:ea typeface="Cambria Math"/>
                           </a:rPr>
                         </m:ctrlPr>
@@ -19264,7 +18945,7 @@
                   </m:oMath>
                 </a14:m>
                 <a:r>
-                  <a:rPr lang="en-US" sz="2800" dirty="0" smtClean="0"/>
+                  <a:rPr lang="en-US" sz="2800" dirty="0"/>
                   <a:t>= 57</a:t>
                 </a:r>
               </a:p>
@@ -19275,7 +18956,7 @@
                       <m:sSubPr>
                         <m:ctrlPr>
                           <a:rPr lang="en-US" sz="2800" i="1">
-                            <a:latin typeface="Cambria Math"/>
+                            <a:latin typeface="Cambria Math" panose="02040503050406030204" pitchFamily="18" charset="0"/>
                           </a:rPr>
                         </m:ctrlPr>
                       </m:sSubPr>
@@ -19299,7 +18980,7 @@
                   </m:oMath>
                 </a14:m>
                 <a:r>
-                  <a:rPr lang="en-US" sz="2800" dirty="0" smtClean="0"/>
+                  <a:rPr lang="en-US" sz="2800" dirty="0"/>
                   <a:t>= 57.25</a:t>
                 </a:r>
               </a:p>
@@ -19310,7 +18991,7 @@
                       <m:sSubPr>
                         <m:ctrlPr>
                           <a:rPr lang="el-GR" sz="2800" i="1">
-                            <a:latin typeface="Cambria Math"/>
+                            <a:latin typeface="Cambria Math" panose="02040503050406030204" pitchFamily="18" charset="0"/>
                             <a:ea typeface="Cambria Math"/>
                           </a:rPr>
                         </m:ctrlPr>
@@ -19337,7 +19018,7 @@
                   </m:oMath>
                 </a14:m>
                 <a:r>
-                  <a:rPr lang="en-US" sz="2800" dirty="0" smtClean="0"/>
+                  <a:rPr lang="en-US" sz="2800" dirty="0"/>
                   <a:t> = </a:t>
                 </a:r>
                 <a14:m>
@@ -19346,7 +19027,7 @@
                       <m:sSubPr>
                         <m:ctrlPr>
                           <a:rPr lang="el-GR" sz="2800" i="1">
-                            <a:latin typeface="Cambria Math"/>
+                            <a:latin typeface="Cambria Math" panose="02040503050406030204" pitchFamily="18" charset="0"/>
                             <a:ea typeface="Cambria Math"/>
                           </a:rPr>
                         </m:ctrlPr>
@@ -19373,7 +19054,7 @@
                   </m:oMath>
                 </a14:m>
                 <a:r>
-                  <a:rPr lang="en-US" sz="2800" dirty="0" smtClean="0"/>
+                  <a:rPr lang="en-US" sz="2800" dirty="0"/>
                   <a:t> = -1.5</a:t>
                 </a:r>
               </a:p>
@@ -19443,10 +19124,9 @@
               <a:lstStyle/>
               <a:p>
                 <a:r>
-                  <a:rPr lang="en-US" sz="2800" dirty="0" smtClean="0"/>
+                  <a:rPr lang="en-US" sz="2800" dirty="0"/>
                   <a:t>Seasonal:</a:t>
                 </a:r>
-                <a:endParaRPr lang="en-US" sz="2800" dirty="0"/>
               </a:p>
               <a:p>
                 <a:endParaRPr lang="en-US" sz="1000" dirty="0"/>
@@ -19466,7 +19146,7 @@
                         <m:sSubPr>
                           <m:ctrlPr>
                             <a:rPr lang="en-US" sz="2400" i="1">
-                              <a:latin typeface="Cambria Math"/>
+                              <a:latin typeface="Cambria Math" panose="02040503050406030204" pitchFamily="18" charset="0"/>
                             </a:rPr>
                           </m:ctrlPr>
                         </m:sSubPr>
@@ -19504,7 +19184,7 @@
                         <m:dPr>
                           <m:ctrlPr>
                             <a:rPr lang="el-GR" sz="2400" i="1">
-                              <a:latin typeface="Cambria Math"/>
+                              <a:latin typeface="Cambria Math" panose="02040503050406030204" pitchFamily="18" charset="0"/>
                             </a:rPr>
                           </m:ctrlPr>
                         </m:dPr>
@@ -19513,7 +19193,7 @@
                             <m:sSubPr>
                               <m:ctrlPr>
                                 <a:rPr lang="el-GR" sz="2400" i="1">
-                                  <a:latin typeface="Cambria Math"/>
+                                  <a:latin typeface="Cambria Math" panose="02040503050406030204" pitchFamily="18" charset="0"/>
                                 </a:rPr>
                               </m:ctrlPr>
                             </m:sSubPr>
@@ -19544,7 +19224,7 @@
                             <m:sSubPr>
                               <m:ctrlPr>
                                 <a:rPr lang="el-GR" sz="2400" i="1">
-                                  <a:latin typeface="Cambria Math"/>
+                                  <a:latin typeface="Cambria Math" panose="02040503050406030204" pitchFamily="18" charset="0"/>
                                 </a:rPr>
                               </m:ctrlPr>
                             </m:sSubPr>
@@ -19577,7 +19257,7 @@
                         <m:dPr>
                           <m:ctrlPr>
                             <a:rPr lang="en-US" sz="2400" i="1">
-                              <a:latin typeface="Cambria Math"/>
+                              <a:latin typeface="Cambria Math" panose="02040503050406030204" pitchFamily="18" charset="0"/>
                             </a:rPr>
                           </m:ctrlPr>
                         </m:dPr>
@@ -19601,7 +19281,7 @@
                         <m:sSubPr>
                           <m:ctrlPr>
                             <a:rPr lang="el-GR" sz="2400" i="1">
-                              <a:latin typeface="Cambria Math"/>
+                              <a:latin typeface="Cambria Math" panose="02040503050406030204" pitchFamily="18" charset="0"/>
                               <a:ea typeface="Cambria Math"/>
                             </a:rPr>
                           </m:ctrlPr>
@@ -19642,7 +19322,7 @@
                     </m:oMath>
                   </m:oMathPara>
                 </a14:m>
-                <a:endParaRPr lang="en-US" sz="2400" i="1" dirty="0" smtClean="0">
+                <a:endParaRPr lang="en-US" sz="2400" i="1" dirty="0">
                   <a:latin typeface="Cambria Math"/>
                   <a:ea typeface="Cambria Math"/>
                 </a:endParaRPr>
@@ -19659,7 +19339,7 @@
                         <m:sSubPr>
                           <m:ctrlPr>
                             <a:rPr lang="en-US" sz="2400" i="1">
-                              <a:latin typeface="Cambria Math"/>
+                              <a:latin typeface="Cambria Math" panose="02040503050406030204" pitchFamily="18" charset="0"/>
                             </a:rPr>
                           </m:ctrlPr>
                         </m:sSubPr>
@@ -19697,7 +19377,7 @@
                         <m:dPr>
                           <m:ctrlPr>
                             <a:rPr lang="el-GR" sz="2400" i="1">
-                              <a:latin typeface="Cambria Math"/>
+                              <a:latin typeface="Cambria Math" panose="02040503050406030204" pitchFamily="18" charset="0"/>
                             </a:rPr>
                           </m:ctrlPr>
                         </m:dPr>
@@ -19706,7 +19386,7 @@
                             <m:sSubPr>
                               <m:ctrlPr>
                                 <a:rPr lang="el-GR" sz="2400" i="1">
-                                  <a:latin typeface="Cambria Math"/>
+                                  <a:latin typeface="Cambria Math" panose="02040503050406030204" pitchFamily="18" charset="0"/>
                                 </a:rPr>
                               </m:ctrlPr>
                             </m:sSubPr>
@@ -19737,7 +19417,7 @@
                             <m:sSubPr>
                               <m:ctrlPr>
                                 <a:rPr lang="el-GR" sz="2400" i="1">
-                                  <a:latin typeface="Cambria Math"/>
+                                  <a:latin typeface="Cambria Math" panose="02040503050406030204" pitchFamily="18" charset="0"/>
                                 </a:rPr>
                               </m:ctrlPr>
                             </m:sSubPr>
@@ -19770,7 +19450,7 @@
                         <m:dPr>
                           <m:ctrlPr>
                             <a:rPr lang="en-US" sz="2400" i="1">
-                              <a:latin typeface="Cambria Math"/>
+                              <a:latin typeface="Cambria Math" panose="02040503050406030204" pitchFamily="18" charset="0"/>
                             </a:rPr>
                           </m:ctrlPr>
                         </m:dPr>
@@ -19794,7 +19474,7 @@
                         <m:sSubPr>
                           <m:ctrlPr>
                             <a:rPr lang="el-GR" sz="2400" i="1">
-                              <a:latin typeface="Cambria Math"/>
+                              <a:latin typeface="Cambria Math" panose="02040503050406030204" pitchFamily="18" charset="0"/>
                               <a:ea typeface="Cambria Math"/>
                             </a:rPr>
                           </m:ctrlPr>
@@ -19821,7 +19501,7 @@
                     </m:oMath>
                   </m:oMathPara>
                 </a14:m>
-                <a:endParaRPr lang="en-US" sz="2400" i="1" dirty="0" smtClean="0">
+                <a:endParaRPr lang="en-US" sz="2400" i="1" dirty="0">
                   <a:latin typeface="Cambria Math"/>
                 </a:endParaRPr>
               </a:p>
@@ -19837,7 +19517,7 @@
                         <m:sSubPr>
                           <m:ctrlPr>
                             <a:rPr lang="en-US" sz="2400" i="1">
-                              <a:latin typeface="Cambria Math"/>
+                              <a:latin typeface="Cambria Math" panose="02040503050406030204" pitchFamily="18" charset="0"/>
                             </a:rPr>
                           </m:ctrlPr>
                         </m:sSubPr>
@@ -19875,7 +19555,7 @@
                         <m:dPr>
                           <m:ctrlPr>
                             <a:rPr lang="el-GR" sz="2400" i="1">
-                              <a:latin typeface="Cambria Math"/>
+                              <a:latin typeface="Cambria Math" panose="02040503050406030204" pitchFamily="18" charset="0"/>
                             </a:rPr>
                           </m:ctrlPr>
                         </m:dPr>
@@ -19910,7 +19590,7 @@
                         <m:dPr>
                           <m:ctrlPr>
                             <a:rPr lang="en-US" sz="2400" i="1">
-                              <a:latin typeface="Cambria Math"/>
+                              <a:latin typeface="Cambria Math" panose="02040503050406030204" pitchFamily="18" charset="0"/>
                             </a:rPr>
                           </m:ctrlPr>
                         </m:dPr>
@@ -19940,7 +19620,7 @@
                     </m:oMath>
                   </m:oMathPara>
                 </a14:m>
-                <a:endParaRPr lang="en-US" sz="2400" i="1" dirty="0" smtClean="0">
+                <a:endParaRPr lang="en-US" sz="2400" i="1" dirty="0">
                   <a:latin typeface="Cambria Math"/>
                 </a:endParaRPr>
               </a:p>
@@ -19956,7 +19636,7 @@
                         <m:sSubPr>
                           <m:ctrlPr>
                             <a:rPr lang="en-US" sz="2400" i="1">
-                              <a:latin typeface="Cambria Math"/>
+                              <a:latin typeface="Cambria Math" panose="02040503050406030204" pitchFamily="18" charset="0"/>
                             </a:rPr>
                           </m:ctrlPr>
                         </m:sSubPr>
@@ -19994,7 +19674,7 @@
                         <m:dPr>
                           <m:ctrlPr>
                             <a:rPr lang="el-GR" sz="2400" i="1">
-                              <a:latin typeface="Cambria Math"/>
+                              <a:latin typeface="Cambria Math" panose="02040503050406030204" pitchFamily="18" charset="0"/>
                             </a:rPr>
                           </m:ctrlPr>
                         </m:dPr>
@@ -20017,7 +19697,7 @@
                         <m:dPr>
                           <m:ctrlPr>
                             <a:rPr lang="en-US" sz="2400" i="1">
-                              <a:latin typeface="Cambria Math"/>
+                              <a:latin typeface="Cambria Math" panose="02040503050406030204" pitchFamily="18" charset="0"/>
                             </a:rPr>
                           </m:ctrlPr>
                         </m:dPr>
@@ -20056,7 +19736,7 @@
                         <m:sSubPr>
                           <m:ctrlPr>
                             <a:rPr lang="en-US" sz="2400" i="1">
-                              <a:latin typeface="Cambria Math"/>
+                              <a:latin typeface="Cambria Math" panose="02040503050406030204" pitchFamily="18" charset="0"/>
                             </a:rPr>
                           </m:ctrlPr>
                         </m:sSubPr>
@@ -20099,7 +19779,7 @@
                     </m:oMath>
                   </m:oMathPara>
                 </a14:m>
-                <a:endParaRPr lang="en-US" sz="2400" b="0" i="1" dirty="0" smtClean="0">
+                <a:endParaRPr lang="en-US" sz="2400" b="0" i="1" dirty="0">
                   <a:latin typeface="Cambria Math"/>
                 </a:endParaRPr>
               </a:p>
@@ -20118,7 +19798,7 @@
                               <a:solidFill>
                                 <a:srgbClr val="FF0000"/>
                               </a:solidFill>
-                              <a:latin typeface="Cambria Math"/>
+                              <a:latin typeface="Cambria Math" panose="02040503050406030204" pitchFamily="18" charset="0"/>
                             </a:rPr>
                           </m:ctrlPr>
                         </m:sSubPr>
@@ -20236,13 +19916,6 @@
   <p:clrMapOvr>
     <a:masterClrMapping/>
   </p:clrMapOvr>
-  <p:timing>
-    <p:tnLst>
-      <p:par>
-        <p:cTn id="1" dur="indefinite" restart="never" nodeType="tmRoot"/>
-      </p:par>
-    </p:tnLst>
-  </p:timing>
 </p:sld>
 </file>
 
@@ -20286,20 +19959,8 @@
           <a:lstStyle/>
           <a:p>
             <a:r>
-              <a:rPr lang="en-US" sz="3600" b="1" dirty="0" smtClean="0"/>
-              <a:t>Triple </a:t>
-            </a:r>
-            <a:r>
               <a:rPr lang="en-US" sz="3600" b="1" dirty="0"/>
-              <a:t>Exponential Smoothing (</a:t>
-            </a:r>
-            <a:r>
-              <a:rPr lang="en-US" sz="3600" b="1" dirty="0" smtClean="0"/>
-              <a:t>Holt-Winter’s </a:t>
-            </a:r>
-            <a:r>
-              <a:rPr lang="en-US" sz="3600" b="1" dirty="0"/>
-              <a:t>Method)</a:t>
+              <a:t>Triple Exponential Smoothing (Holt-Winter’s Method)</a:t>
             </a:r>
           </a:p>
         </p:txBody>
@@ -20329,13 +19990,13 @@
               <a:lstStyle/>
               <a:p>
                 <a:r>
-                  <a:rPr lang="en-US" sz="2400" b="1" dirty="0" smtClean="0"/>
+                  <a:rPr lang="en-US" sz="2400" b="1" dirty="0"/>
                   <a:t>Forecasting for t = 4</a:t>
                 </a:r>
               </a:p>
               <a:p>
                 <a:r>
-                  <a:rPr lang="en-US" sz="2400" dirty="0" smtClean="0"/>
+                  <a:rPr lang="en-US" sz="2400" dirty="0"/>
                   <a:t>For an additive model, the forecast for h periods ahead is:</a:t>
                 </a:r>
               </a:p>
@@ -20351,7 +20012,7 @@
                         <m:sSubPr>
                           <m:ctrlPr>
                             <a:rPr lang="en-US" sz="2800" i="1">
-                              <a:latin typeface="Cambria Math"/>
+                              <a:latin typeface="Cambria Math" panose="02040503050406030204" pitchFamily="18" charset="0"/>
                             </a:rPr>
                           </m:ctrlPr>
                         </m:sSubPr>
@@ -20394,7 +20055,7 @@
                         <m:sSubPr>
                           <m:ctrlPr>
                             <a:rPr lang="en-US" sz="2800" i="1">
-                              <a:latin typeface="Cambria Math"/>
+                              <a:latin typeface="Cambria Math" panose="02040503050406030204" pitchFamily="18" charset="0"/>
                             </a:rPr>
                           </m:ctrlPr>
                         </m:sSubPr>
@@ -20431,7 +20092,7 @@
                         <m:sSubPr>
                           <m:ctrlPr>
                             <a:rPr lang="en-US" sz="2800" i="1">
-                              <a:latin typeface="Cambria Math"/>
+                              <a:latin typeface="Cambria Math" panose="02040503050406030204" pitchFamily="18" charset="0"/>
                             </a:rPr>
                           </m:ctrlPr>
                         </m:sSubPr>
@@ -20462,7 +20123,7 @@
                         <m:sSubPr>
                           <m:ctrlPr>
                             <a:rPr lang="en-US" sz="2800" i="1">
-                              <a:latin typeface="Cambria Math"/>
+                              <a:latin typeface="Cambria Math" panose="02040503050406030204" pitchFamily="18" charset="0"/>
                             </a:rPr>
                           </m:ctrlPr>
                         </m:sSubPr>
@@ -20509,7 +20170,7 @@
                             <m:dPr>
                               <m:ctrlPr>
                                 <a:rPr lang="en-US" sz="2800" i="1">
-                                  <a:latin typeface="Cambria Math"/>
+                                  <a:latin typeface="Cambria Math" panose="02040503050406030204" pitchFamily="18" charset="0"/>
                                 </a:rPr>
                               </m:ctrlPr>
                             </m:dPr>
@@ -20538,31 +20199,31 @@
                 </a:endParaRPr>
               </a:p>
               <a:p>
-                <a:endParaRPr lang="en-US" sz="1100" dirty="0" smtClean="0"/>
+                <a:endParaRPr lang="en-US" sz="1100" dirty="0"/>
               </a:p>
               <a:p>
                 <a:r>
-                  <a:rPr lang="en-US" sz="2800" dirty="0" smtClean="0"/>
+                  <a:rPr lang="en-US" sz="2800" dirty="0"/>
                   <a:t>For a one-step-ahead forecast from </a:t>
                 </a:r>
                 <a:r>
-                  <a:rPr lang="en-US" sz="2800" i="1" dirty="0" smtClean="0"/>
+                  <a:rPr lang="en-US" sz="2800" i="1" dirty="0"/>
                   <a:t>t = 3 </a:t>
                 </a:r>
                 <a:r>
-                  <a:rPr lang="en-US" sz="2800" dirty="0" smtClean="0"/>
+                  <a:rPr lang="en-US" sz="2800" dirty="0"/>
                   <a:t>(</a:t>
                 </a:r>
                 <a:r>
-                  <a:rPr lang="en-US" sz="2800" i="1" dirty="0" smtClean="0"/>
+                  <a:rPr lang="en-US" sz="2800" i="1" dirty="0"/>
                   <a:t>h = 1</a:t>
                 </a:r>
                 <a:r>
-                  <a:rPr lang="en-US" sz="2800" dirty="0" smtClean="0"/>
+                  <a:rPr lang="en-US" sz="2800" dirty="0"/>
                   <a:t>), we need a seasonal index corresponding to </a:t>
                 </a:r>
                 <a:r>
-                  <a:rPr lang="en-US" sz="2800" i="1" dirty="0" smtClean="0"/>
+                  <a:rPr lang="en-US" sz="2800" i="1" dirty="0"/>
                   <a:t>t + h – m. Remember k = </a:t>
                 </a:r>
                 <a14:m>
@@ -20571,7 +20232,7 @@
                       <m:fPr>
                         <m:ctrlPr>
                           <a:rPr lang="en-US" sz="2800" i="1">
-                            <a:latin typeface="Cambria Math"/>
+                            <a:latin typeface="Cambria Math" panose="02040503050406030204" pitchFamily="18" charset="0"/>
                           </a:rPr>
                         </m:ctrlPr>
                       </m:fPr>
@@ -20608,7 +20269,7 @@
                       <m:fPr>
                         <m:ctrlPr>
                           <a:rPr lang="en-US" sz="2800" i="1">
-                            <a:latin typeface="Cambria Math"/>
+                            <a:latin typeface="Cambria Math" panose="02040503050406030204" pitchFamily="18" charset="0"/>
                           </a:rPr>
                         </m:ctrlPr>
                       </m:fPr>
@@ -20657,7 +20318,7 @@
                       <m:fPr>
                         <m:ctrlPr>
                           <a:rPr lang="en-US" sz="2800" i="1">
-                            <a:latin typeface="Cambria Math"/>
+                            <a:latin typeface="Cambria Math" panose="02040503050406030204" pitchFamily="18" charset="0"/>
                           </a:rPr>
                         </m:ctrlPr>
                       </m:fPr>
@@ -20690,7 +20351,7 @@
               </a:p>
               <a:p>
                 <a:r>
-                  <a:rPr lang="en-US" sz="2800" dirty="0" smtClean="0"/>
+                  <a:rPr lang="en-US" sz="2800" dirty="0"/>
                   <a:t>Thus, we use </a:t>
                 </a:r>
                 <a14:m>
@@ -20699,7 +20360,7 @@
                       <m:sSubPr>
                         <m:ctrlPr>
                           <a:rPr lang="en-US" sz="2800" i="1">
-                            <a:latin typeface="Cambria Math"/>
+                            <a:latin typeface="Cambria Math" panose="02040503050406030204" pitchFamily="18" charset="0"/>
                           </a:rPr>
                         </m:ctrlPr>
                       </m:sSubPr>
@@ -20746,7 +20407,7 @@
                           <m:dPr>
                             <m:ctrlPr>
                               <a:rPr lang="en-US" sz="2800" i="1">
-                                <a:latin typeface="Cambria Math"/>
+                                <a:latin typeface="Cambria Math" panose="02040503050406030204" pitchFamily="18" charset="0"/>
                               </a:rPr>
                             </m:ctrlPr>
                           </m:dPr>
@@ -20777,7 +20438,7 @@
                       <m:sSubPr>
                         <m:ctrlPr>
                           <a:rPr lang="en-US" sz="2800" i="1">
-                            <a:latin typeface="Cambria Math"/>
+                            <a:latin typeface="Cambria Math" panose="02040503050406030204" pitchFamily="18" charset="0"/>
                           </a:rPr>
                         </m:ctrlPr>
                       </m:sSubPr>
@@ -20786,7 +20447,7 @@
                           <m:sSubPr>
                             <m:ctrlPr>
                               <a:rPr lang="en-US" sz="2800" i="1">
-                                <a:latin typeface="Cambria Math"/>
+                                <a:latin typeface="Cambria Math" panose="02040503050406030204" pitchFamily="18" charset="0"/>
                               </a:rPr>
                             </m:ctrlPr>
                           </m:sSubPr>
@@ -20809,7 +20470,7 @@
                               <m:dPr>
                                 <m:ctrlPr>
                                   <a:rPr lang="en-US" sz="2800" i="1">
-                                    <a:latin typeface="Cambria Math"/>
+                                    <a:latin typeface="Cambria Math" panose="02040503050406030204" pitchFamily="18" charset="0"/>
                                   </a:rPr>
                                 </m:ctrlPr>
                               </m:dPr>
@@ -20848,7 +20509,7 @@
                     </m:sSub>
                   </m:oMath>
                 </a14:m>
-                <a:endParaRPr lang="en-US" sz="2800" dirty="0" smtClean="0"/>
+                <a:endParaRPr lang="en-US" sz="2800" dirty="0"/>
               </a:p>
               <a:p>
                 <a:endParaRPr lang="en-US" sz="1600" dirty="0"/>
@@ -20865,7 +20526,7 @@
                         <m:sSubPr>
                           <m:ctrlPr>
                             <a:rPr lang="en-US" sz="2800" i="1">
-                              <a:latin typeface="Cambria Math"/>
+                              <a:latin typeface="Cambria Math" panose="02040503050406030204" pitchFamily="18" charset="0"/>
                             </a:rPr>
                           </m:ctrlPr>
                         </m:sSubPr>
@@ -20908,7 +20569,7 @@
                         <m:sSubPr>
                           <m:ctrlPr>
                             <a:rPr lang="en-US" sz="2800" i="1">
-                              <a:latin typeface="Cambria Math"/>
+                              <a:latin typeface="Cambria Math" panose="02040503050406030204" pitchFamily="18" charset="0"/>
                             </a:rPr>
                           </m:ctrlPr>
                         </m:sSubPr>
@@ -20945,7 +20606,7 @@
                         <m:sSubPr>
                           <m:ctrlPr>
                             <a:rPr lang="en-US" sz="2800" i="1">
-                              <a:latin typeface="Cambria Math"/>
+                              <a:latin typeface="Cambria Math" panose="02040503050406030204" pitchFamily="18" charset="0"/>
                             </a:rPr>
                           </m:ctrlPr>
                         </m:sSubPr>
@@ -20976,7 +20637,7 @@
                         <m:sSubPr>
                           <m:ctrlPr>
                             <a:rPr lang="en-US" sz="2800" i="1">
-                              <a:latin typeface="Cambria Math"/>
+                              <a:latin typeface="Cambria Math" panose="02040503050406030204" pitchFamily="18" charset="0"/>
                             </a:rPr>
                           </m:ctrlPr>
                         </m:sSubPr>
@@ -21023,7 +20684,7 @@
                             <m:dPr>
                               <m:ctrlPr>
                                 <a:rPr lang="en-US" sz="2800" i="1">
-                                  <a:latin typeface="Cambria Math"/>
+                                  <a:latin typeface="Cambria Math" panose="02040503050406030204" pitchFamily="18" charset="0"/>
                                 </a:rPr>
                               </m:ctrlPr>
                             </m:dPr>
@@ -21047,7 +20708,7 @@
                     </m:oMath>
                   </m:oMathPara>
                 </a14:m>
-                <a:endParaRPr lang="en-US" sz="2800" i="1" dirty="0" smtClean="0">
+                <a:endParaRPr lang="en-US" sz="2800" i="1" dirty="0">
                   <a:latin typeface="Cambria Math"/>
                 </a:endParaRPr>
               </a:p>
@@ -21063,7 +20724,7 @@
                         <m:sSubPr>
                           <m:ctrlPr>
                             <a:rPr lang="en-US" sz="2800" i="1">
-                              <a:latin typeface="Cambria Math"/>
+                              <a:latin typeface="Cambria Math" panose="02040503050406030204" pitchFamily="18" charset="0"/>
                             </a:rPr>
                           </m:ctrlPr>
                         </m:sSubPr>
@@ -21094,7 +20755,7 @@
                         <m:sSubPr>
                           <m:ctrlPr>
                             <a:rPr lang="en-US" sz="2800" i="1">
-                              <a:latin typeface="Cambria Math"/>
+                              <a:latin typeface="Cambria Math" panose="02040503050406030204" pitchFamily="18" charset="0"/>
                             </a:rPr>
                           </m:ctrlPr>
                         </m:sSubPr>
@@ -21131,7 +20792,7 @@
                         <m:sSubPr>
                           <m:ctrlPr>
                             <a:rPr lang="en-US" sz="2800" i="1">
-                              <a:latin typeface="Cambria Math"/>
+                              <a:latin typeface="Cambria Math" panose="02040503050406030204" pitchFamily="18" charset="0"/>
                             </a:rPr>
                           </m:ctrlPr>
                         </m:sSubPr>
@@ -21162,7 +20823,7 @@
                         <m:sSubPr>
                           <m:ctrlPr>
                             <a:rPr lang="en-US" sz="2800" i="1">
-                              <a:latin typeface="Cambria Math"/>
+                              <a:latin typeface="Cambria Math" panose="02040503050406030204" pitchFamily="18" charset="0"/>
                             </a:rPr>
                           </m:ctrlPr>
                         </m:sSubPr>
@@ -21186,7 +20847,7 @@
                     </m:oMath>
                   </m:oMathPara>
                 </a14:m>
-                <a:endParaRPr lang="en-US" sz="2800" i="1" dirty="0" smtClean="0">
+                <a:endParaRPr lang="en-US" sz="2800" i="1" dirty="0">
                   <a:latin typeface="Cambria Math"/>
                 </a:endParaRPr>
               </a:p>
@@ -21200,7 +20861,7 @@
                             <a:solidFill>
                               <a:srgbClr val="FF0000"/>
                             </a:solidFill>
-                            <a:latin typeface="Cambria Math"/>
+                            <a:latin typeface="Cambria Math" panose="02040503050406030204" pitchFamily="18" charset="0"/>
                           </a:rPr>
                         </m:ctrlPr>
                       </m:sSubPr>
@@ -21284,7 +20945,7 @@
                   </m:oMath>
                 </a14:m>
                 <a:r>
-                  <a:rPr lang="en-US" sz="2800" i="1" dirty="0" smtClean="0">
+                  <a:rPr lang="en-US" sz="2800" i="1" dirty="0">
                     <a:solidFill>
                       <a:srgbClr val="FF0000"/>
                     </a:solidFill>
@@ -21293,7 +20954,7 @@
                   <a:t> = </a:t>
                 </a:r>
                 <a:r>
-                  <a:rPr lang="en-US" sz="2800" dirty="0" smtClean="0">
+                  <a:rPr lang="en-US" sz="2800" dirty="0">
                     <a:solidFill>
                       <a:srgbClr val="FF0000"/>
                     </a:solidFill>
@@ -21301,12 +20962,6 @@
                   </a:rPr>
                   <a:t>62.125</a:t>
                 </a:r>
-                <a:endParaRPr lang="en-US" sz="2800" dirty="0">
-                  <a:solidFill>
-                    <a:srgbClr val="FF0000"/>
-                  </a:solidFill>
-                  <a:latin typeface="Cambria Math"/>
-                </a:endParaRPr>
               </a:p>
             </p:txBody>
           </p:sp>
@@ -21360,13 +21015,6 @@
   <p:clrMapOvr>
     <a:masterClrMapping/>
   </p:clrMapOvr>
-  <p:timing>
-    <p:tnLst>
-      <p:par>
-        <p:cTn id="1" dur="indefinite" restart="never" nodeType="tmRoot"/>
-      </p:par>
-    </p:tnLst>
-  </p:timing>
 </p:sld>
 </file>
 
@@ -21411,7 +21059,7 @@
           <a:p>
             <a:pPr algn="ctr"/>
             <a:r>
-              <a:rPr lang="en-US" sz="4400" b="1" dirty="0" smtClean="0">
+              <a:rPr lang="en-US" sz="4400" b="1" dirty="0">
                 <a:latin typeface="Arial" pitchFamily="34" charset="0"/>
                 <a:cs typeface="Arial" pitchFamily="34" charset="0"/>
               </a:rPr>
@@ -21437,13 +21085,6 @@
   <p:clrMapOvr>
     <a:masterClrMapping/>
   </p:clrMapOvr>
-  <p:timing>
-    <p:tnLst>
-      <p:par>
-        <p:cTn id="1" dur="indefinite" restart="never" nodeType="tmRoot"/>
-      </p:par>
-    </p:tnLst>
-  </p:timing>
 </p:sld>
 </file>
 
@@ -21564,24 +21205,23 @@
           <a:lstStyle/>
           <a:p>
             <a:r>
-              <a:rPr lang="en-US" sz="4400" b="1" dirty="0" smtClean="0"/>
+              <a:rPr lang="en-US" sz="4400" b="1" dirty="0"/>
               <a:t>Motivation:</a:t>
             </a:r>
-            <a:endParaRPr lang="en-US" sz="4400" b="1" dirty="0"/>
           </a:p>
           <a:p>
             <a:endParaRPr lang="en-US" sz="2400" b="1" dirty="0"/>
           </a:p>
           <a:p>
             <a:r>
-              <a:rPr lang="en-US" sz="4000" dirty="0" smtClean="0">
+              <a:rPr lang="en-US" sz="4000" dirty="0">
                 <a:latin typeface="+mj-lt"/>
                 <a:cs typeface="Arial" pitchFamily="34" charset="0"/>
               </a:rPr>
               <a:t>Today, most business rely on accurate forecasting for </a:t>
             </a:r>
             <a:r>
-              <a:rPr lang="en-US" sz="4000" dirty="0" smtClean="0">
+              <a:rPr lang="en-US" sz="4000" dirty="0">
                 <a:solidFill>
                   <a:srgbClr val="C00000"/>
                 </a:solidFill>
@@ -21591,7 +21231,7 @@
               <a:t>decision-making</a:t>
             </a:r>
             <a:r>
-              <a:rPr lang="en-US" sz="4000" dirty="0" smtClean="0">
+              <a:rPr lang="en-US" sz="4000" dirty="0">
                 <a:latin typeface="+mj-lt"/>
                 <a:cs typeface="Arial" pitchFamily="34" charset="0"/>
               </a:rPr>
@@ -21756,13 +21396,6 @@
   <p:clrMapOvr>
     <a:masterClrMapping/>
   </p:clrMapOvr>
-  <p:timing>
-    <p:tnLst>
-      <p:par>
-        <p:cTn id="1" dur="indefinite" restart="never" nodeType="tmRoot"/>
-      </p:par>
-    </p:tnLst>
-  </p:timing>
 </p:sld>
 </file>
 
@@ -21806,24 +21439,23 @@
           <a:lstStyle/>
           <a:p>
             <a:r>
-              <a:rPr lang="en-US" sz="4400" b="1" dirty="0" smtClean="0"/>
+              <a:rPr lang="en-US" sz="4400" b="1" dirty="0"/>
               <a:t>Motivation:</a:t>
             </a:r>
-            <a:endParaRPr lang="en-US" sz="4400" b="1" dirty="0"/>
           </a:p>
           <a:p>
             <a:endParaRPr lang="en-US" sz="2400" b="1" dirty="0"/>
           </a:p>
           <a:p>
             <a:r>
-              <a:rPr lang="en-US" sz="4000" dirty="0" smtClean="0">
+              <a:rPr lang="en-US" sz="4000" dirty="0">
                 <a:latin typeface="+mj-lt"/>
                 <a:cs typeface="Arial" pitchFamily="34" charset="0"/>
               </a:rPr>
               <a:t>The COVID-19 pandemic illustrated the </a:t>
             </a:r>
             <a:r>
-              <a:rPr lang="en-US" sz="4000" dirty="0" smtClean="0">
+              <a:rPr lang="en-US" sz="4000" dirty="0">
                 <a:solidFill>
                   <a:srgbClr val="C00000"/>
                 </a:solidFill>
@@ -21833,7 +21465,7 @@
               <a:t>importance</a:t>
             </a:r>
             <a:r>
-              <a:rPr lang="en-US" sz="4000" dirty="0" smtClean="0">
+              <a:rPr lang="en-US" sz="4000" dirty="0">
                 <a:latin typeface="+mj-lt"/>
                 <a:cs typeface="Arial" pitchFamily="34" charset="0"/>
               </a:rPr>
@@ -21998,13 +21630,6 @@
   <p:clrMapOvr>
     <a:masterClrMapping/>
   </p:clrMapOvr>
-  <p:timing>
-    <p:tnLst>
-      <p:par>
-        <p:cTn id="1" dur="indefinite" restart="never" nodeType="tmRoot"/>
-      </p:par>
-    </p:tnLst>
-  </p:timing>
 </p:sld>
 </file>
 
@@ -22048,10 +21673,9 @@
           <a:lstStyle/>
           <a:p>
             <a:r>
-              <a:rPr lang="en-US" sz="4400" b="1" dirty="0" smtClean="0"/>
+              <a:rPr lang="en-US" sz="4400" b="1" dirty="0"/>
               <a:t>Motivation:</a:t>
             </a:r>
-            <a:endParaRPr lang="en-US" sz="4400" b="1" dirty="0"/>
           </a:p>
           <a:p>
             <a:endParaRPr lang="en-US" sz="2400" b="1" dirty="0"/>
@@ -22217,13 +21841,6 @@
   <p:clrMapOvr>
     <a:masterClrMapping/>
   </p:clrMapOvr>
-  <p:timing>
-    <p:tnLst>
-      <p:par>
-        <p:cTn id="1" dur="indefinite" restart="never" nodeType="tmRoot"/>
-      </p:par>
-    </p:tnLst>
-  </p:timing>
 </p:sld>
 </file>
 
@@ -22267,7 +21884,7 @@
           <a:lstStyle/>
           <a:p>
             <a:r>
-              <a:rPr lang="en-US" sz="4400" b="1" dirty="0" smtClean="0"/>
+              <a:rPr lang="en-US" sz="4400" b="1" dirty="0"/>
               <a:t>Forecasting Procedure</a:t>
             </a:r>
           </a:p>
@@ -22276,7 +21893,7 @@
               <a:buAutoNum type="arabicPeriod"/>
             </a:pPr>
             <a:r>
-              <a:rPr lang="en-US" sz="4000" dirty="0" smtClean="0"/>
+              <a:rPr lang="en-US" sz="4000" dirty="0"/>
               <a:t>Select a model</a:t>
             </a:r>
           </a:p>
@@ -22285,7 +21902,7 @@
               <a:buAutoNum type="arabicPeriod"/>
             </a:pPr>
             <a:r>
-              <a:rPr lang="en-US" sz="4000" dirty="0" smtClean="0"/>
+              <a:rPr lang="en-US" sz="4000" dirty="0"/>
               <a:t>Split data into train &amp; test sets</a:t>
             </a:r>
           </a:p>
@@ -22294,7 +21911,7 @@
               <a:buAutoNum type="arabicPeriod"/>
             </a:pPr>
             <a:r>
-              <a:rPr lang="en-US" sz="4000" dirty="0" smtClean="0"/>
+              <a:rPr lang="en-US" sz="4000" dirty="0"/>
               <a:t>Fit model on training set</a:t>
             </a:r>
           </a:p>
@@ -22303,7 +21920,7 @@
               <a:buAutoNum type="arabicPeriod"/>
             </a:pPr>
             <a:r>
-              <a:rPr lang="en-US" sz="4000" dirty="0" smtClean="0"/>
+              <a:rPr lang="en-US" sz="4000" dirty="0"/>
               <a:t>Evaluate model on test set</a:t>
             </a:r>
           </a:p>
@@ -22312,7 +21929,7 @@
               <a:buAutoNum type="arabicPeriod"/>
             </a:pPr>
             <a:r>
-              <a:rPr lang="en-US" sz="4000" dirty="0" smtClean="0"/>
+              <a:rPr lang="en-US" sz="4000" dirty="0"/>
               <a:t>Re-fit model on entire data set</a:t>
             </a:r>
           </a:p>
@@ -22321,7 +21938,7 @@
               <a:buAutoNum type="arabicPeriod"/>
             </a:pPr>
             <a:r>
-              <a:rPr lang="en-US" sz="4000" dirty="0" smtClean="0"/>
+              <a:rPr lang="en-US" sz="4000" dirty="0"/>
               <a:t>Forecast for future data</a:t>
             </a:r>
           </a:p>
@@ -22337,13 +21954,6 @@
   <p:clrMapOvr>
     <a:masterClrMapping/>
   </p:clrMapOvr>
-  <p:timing>
-    <p:tnLst>
-      <p:par>
-        <p:cTn id="1" dur="indefinite" restart="never" nodeType="tmRoot"/>
-      </p:par>
-    </p:tnLst>
-  </p:timing>
 </p:sld>
 </file>
 
@@ -22387,7 +21997,7 @@
           <a:lstStyle/>
           <a:p>
             <a:r>
-              <a:rPr lang="en-US" sz="4400" b="1" dirty="0" smtClean="0"/>
+              <a:rPr lang="en-US" sz="4400" b="1" dirty="0"/>
               <a:t>Forecasting Procedure</a:t>
             </a:r>
           </a:p>
@@ -22396,7 +22006,7 @@
               <a:buAutoNum type="arabicPeriod"/>
             </a:pPr>
             <a:r>
-              <a:rPr lang="en-US" sz="4000" dirty="0" smtClean="0"/>
+              <a:rPr lang="en-US" sz="4000" dirty="0"/>
               <a:t>Select a model</a:t>
             </a:r>
           </a:p>
@@ -22405,7 +22015,7 @@
               <a:buAutoNum type="arabicPeriod"/>
             </a:pPr>
             <a:r>
-              <a:rPr lang="en-US" sz="4000" dirty="0" smtClean="0"/>
+              <a:rPr lang="en-US" sz="4000" dirty="0"/>
               <a:t>Split data into train &amp; test sets</a:t>
             </a:r>
           </a:p>
@@ -22414,7 +22024,7 @@
               <a:buAutoNum type="arabicPeriod"/>
             </a:pPr>
             <a:r>
-              <a:rPr lang="en-US" sz="4000" dirty="0" smtClean="0"/>
+              <a:rPr lang="en-US" sz="4000" dirty="0"/>
               <a:t>Fit model on training set</a:t>
             </a:r>
           </a:p>
@@ -22423,7 +22033,7 @@
               <a:buAutoNum type="arabicPeriod"/>
             </a:pPr>
             <a:r>
-              <a:rPr lang="en-US" sz="4000" dirty="0" smtClean="0"/>
+              <a:rPr lang="en-US" sz="4000" dirty="0"/>
               <a:t>Evaluate model on test set</a:t>
             </a:r>
           </a:p>
@@ -22432,7 +22042,7 @@
               <a:buAutoNum type="arabicPeriod"/>
             </a:pPr>
             <a:r>
-              <a:rPr lang="en-US" sz="4000" dirty="0" smtClean="0"/>
+              <a:rPr lang="en-US" sz="4000" dirty="0"/>
               <a:t>Re-fit model on entire data set</a:t>
             </a:r>
           </a:p>
@@ -22441,7 +22051,7 @@
               <a:buAutoNum type="arabicPeriod"/>
             </a:pPr>
             <a:r>
-              <a:rPr lang="en-US" sz="4000" dirty="0" smtClean="0"/>
+              <a:rPr lang="en-US" sz="4000" dirty="0"/>
               <a:t>Forecast for future data</a:t>
             </a:r>
           </a:p>
@@ -22457,13 +22067,6 @@
   <p:clrMapOvr>
     <a:masterClrMapping/>
   </p:clrMapOvr>
-  <p:timing>
-    <p:tnLst>
-      <p:par>
-        <p:cTn id="1" dur="indefinite" restart="never" nodeType="tmRoot"/>
-      </p:par>
-    </p:tnLst>
-  </p:timing>
 </p:sld>
 </file>
 
@@ -22508,10 +22111,9 @@
           <a:p>
             <a:pPr algn="ctr"/>
             <a:r>
-              <a:rPr lang="en-US" sz="6000" b="1" dirty="0" smtClean="0"/>
+              <a:rPr lang="en-US" sz="6000" b="1" dirty="0"/>
               <a:t>The Models</a:t>
             </a:r>
-            <a:endParaRPr lang="en-US" sz="6000" b="1" dirty="0"/>
           </a:p>
         </p:txBody>
       </p:sp>
@@ -22525,13 +22127,6 @@
   <p:clrMapOvr>
     <a:masterClrMapping/>
   </p:clrMapOvr>
-  <p:timing>
-    <p:tnLst>
-      <p:par>
-        <p:cTn id="1" dur="indefinite" restart="never" nodeType="tmRoot"/>
-      </p:par>
-    </p:tnLst>
-  </p:timing>
 </p:sld>
 </file>
 
@@ -23075,7 +22670,7 @@
   <a:extraClrSchemeLst/>
   <a:extLst>
     <a:ext uri="{05A4C25C-085E-4340-85A3-A5531E510DB2}">
-      <thm15:themeFamily xmlns:thm15="http://schemas.microsoft.com/office/thememl/2012/main" xmlns="" name="Office Theme" id="{62F939B6-93AF-4DB8-9C6B-D6C7DFDC589F}" vid="{4A3C46E8-61CC-4603-A589-7422A47A8E4A}"/>
+      <thm15:themeFamily xmlns:thm15="http://schemas.microsoft.com/office/thememl/2012/main" name="Office Theme" id="{62F939B6-93AF-4DB8-9C6B-D6C7DFDC589F}" vid="{4A3C46E8-61CC-4603-A589-7422A47A8E4A}"/>
     </a:ext>
   </a:extLst>
 </a:theme>
